--- a/Attendee Bad Behavior Analyzer.pptx
+++ b/Attendee Bad Behavior Analyzer.pptx
@@ -6,6 +6,13 @@
   </p:sldMasterIdLst>
   <p:sldIdLst>
     <p:sldId id="256" r:id="rId2"/>
+    <p:sldId id="260" r:id="rId3"/>
+    <p:sldId id="258" r:id="rId4"/>
+    <p:sldId id="261" r:id="rId5"/>
+    <p:sldId id="262" r:id="rId6"/>
+    <p:sldId id="264" r:id="rId7"/>
+    <p:sldId id="265" r:id="rId8"/>
+    <p:sldId id="266" r:id="rId9"/>
   </p:sldIdLst>
   <p:sldSz cx="12192000" cy="6858000"/>
   <p:notesSz cx="6858000" cy="9144000"/>
@@ -104,6 +111,11 @@
       </a:defRPr>
     </a:lvl9pPr>
   </p:defaultTextStyle>
+  <p:extLst>
+    <p:ext uri="{EFAFB233-063F-42B5-8137-9DF3F51BA10A}">
+      <p15:sldGuideLst xmlns:p15="http://schemas.microsoft.com/office/powerpoint/2012/main"/>
+    </p:ext>
+  </p:extLst>
 </p:presentation>
 </file>
 
@@ -254,7 +266,7 @@
           <a:p>
             <a:fld id="{89093C13-FF05-47A8-BF36-80441C25F100}" type="datetimeFigureOut">
               <a:rPr lang="en-US" smtClean="0"/>
-              <a:t>3/2/2023</a:t>
+              <a:t>3/16/2023</a:t>
             </a:fld>
             <a:endParaRPr lang="en-US"/>
           </a:p>
@@ -452,7 +464,7 @@
           <a:p>
             <a:fld id="{89093C13-FF05-47A8-BF36-80441C25F100}" type="datetimeFigureOut">
               <a:rPr lang="en-US" smtClean="0"/>
-              <a:t>3/2/2023</a:t>
+              <a:t>3/16/2023</a:t>
             </a:fld>
             <a:endParaRPr lang="en-US"/>
           </a:p>
@@ -660,7 +672,7 @@
           <a:p>
             <a:fld id="{89093C13-FF05-47A8-BF36-80441C25F100}" type="datetimeFigureOut">
               <a:rPr lang="en-US" smtClean="0"/>
-              <a:t>3/2/2023</a:t>
+              <a:t>3/16/2023</a:t>
             </a:fld>
             <a:endParaRPr lang="en-US"/>
           </a:p>
@@ -730,6 +742,294 @@
   <p:clrMapOvr>
     <a:masterClrMapping/>
   </p:clrMapOvr>
+</p:sldLayout>
+</file>
+
+<file path=ppt/slideLayouts/slideLayout12.xml><?xml version="1.0" encoding="utf-8"?>
+<p:sldLayout xmlns:a="http://schemas.openxmlformats.org/drawingml/2006/main" xmlns:r="http://schemas.openxmlformats.org/officeDocument/2006/relationships" xmlns:p="http://schemas.openxmlformats.org/presentationml/2006/main" userDrawn="1">
+  <p:cSld name="Agenda">
+    <p:bg>
+      <p:bgPr>
+        <a:solidFill>
+          <a:schemeClr val="bg1"/>
+        </a:solidFill>
+        <a:effectLst/>
+      </p:bgPr>
+    </p:bg>
+    <p:spTree>
+      <p:nvGrpSpPr>
+        <p:cNvPr id="1" name=""/>
+        <p:cNvGrpSpPr/>
+        <p:nvPr/>
+      </p:nvGrpSpPr>
+      <p:grpSpPr>
+        <a:xfrm>
+          <a:off x="0" y="0"/>
+          <a:ext cx="0" cy="0"/>
+          <a:chOff x="0" y="0"/>
+          <a:chExt cx="0" cy="0"/>
+        </a:xfrm>
+      </p:grpSpPr>
+      <p:sp>
+        <p:nvSpPr>
+          <p:cNvPr id="6" name="Rectangle 5">
+            <a:extLst>
+              <a:ext uri="{FF2B5EF4-FFF2-40B4-BE49-F238E27FC236}">
+                <a16:creationId xmlns:a16="http://schemas.microsoft.com/office/drawing/2014/main" id="{4B67F005-E0F2-4D27-84A5-B8FCD94585E1}"/>
+              </a:ext>
+            </a:extLst>
+          </p:cNvPr>
+          <p:cNvSpPr/>
+          <p:nvPr userDrawn="1"/>
+        </p:nvSpPr>
+        <p:spPr bwMode="auto">
+          <a:xfrm>
+            <a:off x="0" y="0"/>
+            <a:ext cx="12192000" cy="859196"/>
+          </a:xfrm>
+          <a:prstGeom prst="rect">
+            <a:avLst/>
+          </a:prstGeom>
+          <a:solidFill>
+            <a:schemeClr val="accent2">
+              <a:lumMod val="60000"/>
+              <a:lumOff val="40000"/>
+            </a:schemeClr>
+          </a:solidFill>
+          <a:ln w="6350">
+            <a:solidFill>
+              <a:schemeClr val="tx1"/>
+            </a:solidFill>
+            <a:headEnd type="none" w="med" len="med"/>
+            <a:tailEnd type="none" w="med" len="med"/>
+          </a:ln>
+          <a:effectLst/>
+        </p:spPr>
+        <p:style>
+          <a:lnRef idx="1">
+            <a:schemeClr val="accent2"/>
+          </a:lnRef>
+          <a:fillRef idx="3">
+            <a:schemeClr val="accent2"/>
+          </a:fillRef>
+          <a:effectRef idx="2">
+            <a:schemeClr val="accent2"/>
+          </a:effectRef>
+          <a:fontRef idx="minor">
+            <a:schemeClr val="lt1"/>
+          </a:fontRef>
+        </p:style>
+        <p:txBody>
+          <a:bodyPr rot="0" spcFirstLastPara="0" vertOverflow="overflow" horzOverflow="overflow" vert="horz" wrap="square" lIns="179285" tIns="143428" rIns="179285" bIns="143428" numCol="1" spcCol="0" rtlCol="0" fromWordArt="0" anchor="t" anchorCtr="0" forceAA="0" compatLnSpc="1">
+            <a:prstTxWarp prst="textNoShape">
+              <a:avLst/>
+            </a:prstTxWarp>
+            <a:noAutofit/>
+          </a:bodyPr>
+          <a:lstStyle/>
+          <a:p>
+            <a:pPr algn="ctr" defTabSz="914102" fontAlgn="base">
+              <a:lnSpc>
+                <a:spcPct val="90000"/>
+              </a:lnSpc>
+              <a:spcBef>
+                <a:spcPct val="0"/>
+              </a:spcBef>
+              <a:spcAft>
+                <a:spcPct val="0"/>
+              </a:spcAft>
+            </a:pPr>
+            <a:endParaRPr lang="en-US" sz="2353" dirty="0" err="1">
+              <a:gradFill>
+                <a:gsLst>
+                  <a:gs pos="0">
+                    <a:srgbClr val="FFFFFF"/>
+                  </a:gs>
+                  <a:gs pos="100000">
+                    <a:srgbClr val="FFFFFF"/>
+                  </a:gs>
+                </a:gsLst>
+                <a:lin ang="5400000" scaled="0"/>
+              </a:gradFill>
+              <a:ea typeface="Segoe UI" pitchFamily="34" charset="0"/>
+              <a:cs typeface="Segoe UI" pitchFamily="34" charset="0"/>
+            </a:endParaRPr>
+          </a:p>
+        </p:txBody>
+      </p:sp>
+      <p:sp>
+        <p:nvSpPr>
+          <p:cNvPr id="5" name="Title 6">
+            <a:extLst>
+              <a:ext uri="{FF2B5EF4-FFF2-40B4-BE49-F238E27FC236}">
+                <a16:creationId xmlns:a16="http://schemas.microsoft.com/office/drawing/2014/main" id="{1C8B02FA-354D-43D3-8580-ADA122EBAC1D}"/>
+              </a:ext>
+            </a:extLst>
+          </p:cNvPr>
+          <p:cNvSpPr>
+            <a:spLocks noGrp="1"/>
+          </p:cNvSpPr>
+          <p:nvPr>
+            <p:ph type="title"/>
+          </p:nvPr>
+        </p:nvSpPr>
+        <p:spPr>
+          <a:xfrm>
+            <a:off x="308145" y="186782"/>
+            <a:ext cx="11569483" cy="488866"/>
+          </a:xfrm>
+        </p:spPr>
+        <p:txBody>
+          <a:bodyPr/>
+          <a:lstStyle>
+            <a:lvl1pPr>
+              <a:defRPr sz="3529" b="1">
+                <a:solidFill>
+                  <a:schemeClr val="tx1"/>
+                </a:solidFill>
+              </a:defRPr>
+            </a:lvl1pPr>
+          </a:lstStyle>
+          <a:p>
+            <a:r>
+              <a:rPr lang="en-US" dirty="0"/>
+              <a:t>Click to edit Master title style</a:t>
+            </a:r>
+          </a:p>
+        </p:txBody>
+      </p:sp>
+      <p:sp>
+        <p:nvSpPr>
+          <p:cNvPr id="7" name="Text Placeholder 3">
+            <a:extLst>
+              <a:ext uri="{FF2B5EF4-FFF2-40B4-BE49-F238E27FC236}">
+                <a16:creationId xmlns:a16="http://schemas.microsoft.com/office/drawing/2014/main" id="{C77C8461-B493-4219-963C-CB092538900E}"/>
+              </a:ext>
+            </a:extLst>
+          </p:cNvPr>
+          <p:cNvSpPr>
+            <a:spLocks noGrp="1"/>
+          </p:cNvSpPr>
+          <p:nvPr>
+            <p:ph type="body" sz="quarter" idx="10"/>
+          </p:nvPr>
+        </p:nvSpPr>
+        <p:spPr>
+          <a:xfrm>
+            <a:off x="481949" y="1203481"/>
+            <a:ext cx="11395678" cy="902491"/>
+          </a:xfrm>
+          <a:prstGeom prst="rect">
+            <a:avLst/>
+          </a:prstGeom>
+        </p:spPr>
+        <p:txBody>
+          <a:bodyPr wrap="square">
+            <a:spAutoFit/>
+          </a:bodyPr>
+          <a:lstStyle>
+            <a:lvl1pPr marL="395281" indent="-395281">
+              <a:lnSpc>
+                <a:spcPct val="100000"/>
+              </a:lnSpc>
+              <a:spcBef>
+                <a:spcPts val="0"/>
+              </a:spcBef>
+              <a:spcAft>
+                <a:spcPts val="200"/>
+              </a:spcAft>
+              <a:buFont typeface="Arial" panose="020B0604020202020204" pitchFamily="34" charset="0"/>
+              <a:buChar char="•"/>
+              <a:defRPr sz="2745"/>
+            </a:lvl1pPr>
+            <a:lvl2pPr marL="730401" indent="-342900">
+              <a:lnSpc>
+                <a:spcPct val="100000"/>
+              </a:lnSpc>
+              <a:spcBef>
+                <a:spcPts val="0"/>
+              </a:spcBef>
+              <a:spcAft>
+                <a:spcPts val="588"/>
+              </a:spcAft>
+              <a:buFont typeface="Arial" panose="020B0604020202020204" pitchFamily="34" charset="0"/>
+              <a:buChar char="•"/>
+              <a:defRPr sz="2353"/>
+            </a:lvl2pPr>
+            <a:lvl3pPr marL="387501" indent="0">
+              <a:lnSpc>
+                <a:spcPts val="2353"/>
+              </a:lnSpc>
+              <a:buNone/>
+              <a:defRPr sz="1765" b="1">
+                <a:solidFill>
+                  <a:srgbClr val="002060"/>
+                </a:solidFill>
+                <a:latin typeface="Lucida Console" panose="020B0609040504020204" pitchFamily="49" charset="0"/>
+              </a:defRPr>
+            </a:lvl3pPr>
+            <a:lvl4pPr marL="508886" indent="0">
+              <a:buNone/>
+              <a:defRPr sz="1765">
+                <a:latin typeface="Arial" panose="020B0604020202020204" pitchFamily="34" charset="0"/>
+                <a:cs typeface="Arial" panose="020B0604020202020204" pitchFamily="34" charset="0"/>
+              </a:defRPr>
+            </a:lvl4pPr>
+            <a:lvl5pPr marL="913505" indent="-404619">
+              <a:buNone/>
+              <a:defRPr sz="1372"/>
+            </a:lvl5pPr>
+          </a:lstStyle>
+          <a:p>
+            <a:pPr lvl="0"/>
+            <a:r>
+              <a:rPr lang="en-US" dirty="0"/>
+              <a:t>Click to edit Master text styles</a:t>
+            </a:r>
+          </a:p>
+          <a:p>
+            <a:pPr lvl="1"/>
+            <a:r>
+              <a:rPr lang="en-US" dirty="0"/>
+              <a:t>Test</a:t>
+            </a:r>
+          </a:p>
+        </p:txBody>
+      </p:sp>
+    </p:spTree>
+    <p:extLst>
+      <p:ext uri="{BB962C8B-B14F-4D97-AF65-F5344CB8AC3E}">
+        <p14:creationId xmlns:p14="http://schemas.microsoft.com/office/powerpoint/2010/main" val="1449687963"/>
+      </p:ext>
+    </p:extLst>
+  </p:cSld>
+  <p:clrMapOvr>
+    <a:masterClrMapping/>
+  </p:clrMapOvr>
+  <p:transition>
+    <p:fade/>
+  </p:transition>
+  <p:extLst>
+    <p:ext uri="{DCECCB84-F9BA-43D5-87BE-67443E8EF086}">
+      <p15:sldGuideLst xmlns:p15="http://schemas.microsoft.com/office/powerpoint/2012/main">
+        <p15:guide id="2" orient="horz" pos="1272">
+          <p15:clr>
+            <a:srgbClr val="5ACBF0"/>
+          </p15:clr>
+        </p15:guide>
+        <p15:guide id="3" orient="horz" pos="288">
+          <p15:clr>
+            <a:srgbClr val="5ACBF0"/>
+          </p15:clr>
+        </p15:guide>
+        <p15:guide id="5" orient="horz" pos="904">
+          <p15:clr>
+            <a:srgbClr val="5ACBF0"/>
+          </p15:clr>
+        </p15:guide>
+      </p15:sldGuideLst>
+    </p:ext>
+  </p:extLst>
 </p:sldLayout>
 </file>
 
@@ -858,7 +1158,7 @@
           <a:p>
             <a:fld id="{89093C13-FF05-47A8-BF36-80441C25F100}" type="datetimeFigureOut">
               <a:rPr lang="en-US" smtClean="0"/>
-              <a:t>3/2/2023</a:t>
+              <a:t>3/16/2023</a:t>
             </a:fld>
             <a:endParaRPr lang="en-US"/>
           </a:p>
@@ -1133,7 +1433,7 @@
           <a:p>
             <a:fld id="{89093C13-FF05-47A8-BF36-80441C25F100}" type="datetimeFigureOut">
               <a:rPr lang="en-US" smtClean="0"/>
-              <a:t>3/2/2023</a:t>
+              <a:t>3/16/2023</a:t>
             </a:fld>
             <a:endParaRPr lang="en-US"/>
           </a:p>
@@ -1398,7 +1698,7 @@
           <a:p>
             <a:fld id="{89093C13-FF05-47A8-BF36-80441C25F100}" type="datetimeFigureOut">
               <a:rPr lang="en-US" smtClean="0"/>
-              <a:t>3/2/2023</a:t>
+              <a:t>3/16/2023</a:t>
             </a:fld>
             <a:endParaRPr lang="en-US"/>
           </a:p>
@@ -1810,7 +2110,7 @@
           <a:p>
             <a:fld id="{89093C13-FF05-47A8-BF36-80441C25F100}" type="datetimeFigureOut">
               <a:rPr lang="en-US" smtClean="0"/>
-              <a:t>3/2/2023</a:t>
+              <a:t>3/16/2023</a:t>
             </a:fld>
             <a:endParaRPr lang="en-US"/>
           </a:p>
@@ -1951,7 +2251,7 @@
           <a:p>
             <a:fld id="{89093C13-FF05-47A8-BF36-80441C25F100}" type="datetimeFigureOut">
               <a:rPr lang="en-US" smtClean="0"/>
-              <a:t>3/2/2023</a:t>
+              <a:t>3/16/2023</a:t>
             </a:fld>
             <a:endParaRPr lang="en-US"/>
           </a:p>
@@ -2064,7 +2364,7 @@
           <a:p>
             <a:fld id="{89093C13-FF05-47A8-BF36-80441C25F100}" type="datetimeFigureOut">
               <a:rPr lang="en-US" smtClean="0"/>
-              <a:t>3/2/2023</a:t>
+              <a:t>3/16/2023</a:t>
             </a:fld>
             <a:endParaRPr lang="en-US"/>
           </a:p>
@@ -2375,7 +2675,7 @@
           <a:p>
             <a:fld id="{89093C13-FF05-47A8-BF36-80441C25F100}" type="datetimeFigureOut">
               <a:rPr lang="en-US" smtClean="0"/>
-              <a:t>3/2/2023</a:t>
+              <a:t>3/16/2023</a:t>
             </a:fld>
             <a:endParaRPr lang="en-US"/>
           </a:p>
@@ -2663,7 +2963,7 @@
           <a:p>
             <a:fld id="{89093C13-FF05-47A8-BF36-80441C25F100}" type="datetimeFigureOut">
               <a:rPr lang="en-US" smtClean="0"/>
-              <a:t>3/2/2023</a:t>
+              <a:t>3/16/2023</a:t>
             </a:fld>
             <a:endParaRPr lang="en-US"/>
           </a:p>
@@ -2904,7 +3204,7 @@
           <a:p>
             <a:fld id="{89093C13-FF05-47A8-BF36-80441C25F100}" type="datetimeFigureOut">
               <a:rPr lang="en-US" smtClean="0"/>
-              <a:t>3/2/2023</a:t>
+              <a:t>3/16/2023</a:t>
             </a:fld>
             <a:endParaRPr lang="en-US"/>
           </a:p>
@@ -3020,6 +3320,7 @@
     <p:sldLayoutId id="2147483657" r:id="rId9"/>
     <p:sldLayoutId id="2147483658" r:id="rId10"/>
     <p:sldLayoutId id="2147483659" r:id="rId11"/>
+    <p:sldLayoutId id="2147483660" r:id="rId12"/>
   </p:sldLayoutIdLst>
   <p:txStyles>
     <p:titleStyle>
@@ -3321,12 +3622,1541 @@
           <a:chExt cx="0" cy="0"/>
         </a:xfrm>
       </p:grpSpPr>
+      <p:sp>
+        <p:nvSpPr>
+          <p:cNvPr id="26" name="Content Placeholder 25">
+            <a:extLst>
+              <a:ext uri="{FF2B5EF4-FFF2-40B4-BE49-F238E27FC236}">
+                <a16:creationId xmlns:a16="http://schemas.microsoft.com/office/drawing/2014/main" id="{F03C8FB2-7579-B73F-4B79-E29FA2504450}"/>
+              </a:ext>
+            </a:extLst>
+          </p:cNvPr>
+          <p:cNvSpPr>
+            <a:spLocks noGrp="1"/>
+          </p:cNvSpPr>
+          <p:nvPr>
+            <p:ph type="body" sz="quarter" idx="10"/>
+          </p:nvPr>
+        </p:nvSpPr>
+        <p:spPr>
+          <a:xfrm>
+            <a:off x="481949" y="1203481"/>
+            <a:ext cx="11395678" cy="3984745"/>
+          </a:xfrm>
+        </p:spPr>
+        <p:txBody>
+          <a:bodyPr/>
+          <a:lstStyle/>
+          <a:p>
+            <a:r>
+              <a:rPr lang="en-US" dirty="0"/>
+              <a:t>What are the benefits of profiling human behavior?</a:t>
+            </a:r>
+          </a:p>
+          <a:p>
+            <a:pPr lvl="1"/>
+            <a:r>
+              <a:rPr lang="en-US" dirty="0"/>
+              <a:t>We see huge benefits to profiling serial killers and terrorists</a:t>
+            </a:r>
+          </a:p>
+          <a:p>
+            <a:pPr lvl="1"/>
+            <a:r>
+              <a:rPr lang="en-US" dirty="0"/>
+              <a:t>Why not use behavioral profiling on attendees of your training class or seminar</a:t>
+            </a:r>
+          </a:p>
+          <a:p>
+            <a:r>
+              <a:rPr lang="en-US" dirty="0"/>
+              <a:t>We started our project by researching the art of behavioral profiling</a:t>
+            </a:r>
+          </a:p>
+          <a:p>
+            <a:pPr lvl="1"/>
+            <a:r>
+              <a:rPr lang="en-US" dirty="0"/>
+              <a:t>We collaborated with Sweden’s 4 most renown behavioral psychologists</a:t>
+            </a:r>
+          </a:p>
+          <a:p>
+            <a:pPr lvl="1"/>
+            <a:endParaRPr lang="en-US" dirty="0"/>
+          </a:p>
+          <a:p>
+            <a:pPr lvl="1"/>
+            <a:endParaRPr lang="en-US" dirty="0"/>
+          </a:p>
+          <a:p>
+            <a:pPr lvl="1"/>
+            <a:endParaRPr lang="en-US" dirty="0"/>
+          </a:p>
+          <a:p>
+            <a:pPr lvl="1"/>
+            <a:r>
+              <a:rPr lang="en-US" dirty="0"/>
+              <a:t>The result is a Power BI report at </a:t>
+            </a:r>
+            <a:r>
+              <a:rPr lang="en-US" sz="1800" b="1" dirty="0">
+                <a:hlinkClick r:id="rId2"/>
+              </a:rPr>
+              <a:t>https://powerhour.azurewebsizes.net</a:t>
+            </a:r>
+            <a:r>
+              <a:rPr lang="en-US" dirty="0"/>
+              <a:t> or </a:t>
+            </a:r>
+            <a:r>
+              <a:rPr lang="en-US" sz="1800" b="1" dirty="0">
+                <a:hlinkClick r:id="rId3"/>
+              </a:rPr>
+              <a:t>https://aka.ms/abba</a:t>
+            </a:r>
+            <a:r>
+              <a:rPr lang="en-US" dirty="0"/>
+              <a:t> </a:t>
+            </a:r>
+          </a:p>
+        </p:txBody>
+      </p:sp>
+      <p:sp>
+        <p:nvSpPr>
+          <p:cNvPr id="16" name="Title 15">
+            <a:extLst>
+              <a:ext uri="{FF2B5EF4-FFF2-40B4-BE49-F238E27FC236}">
+                <a16:creationId xmlns:a16="http://schemas.microsoft.com/office/drawing/2014/main" id="{489182E6-E6B4-E793-597D-EFC7CC19F9C4}"/>
+              </a:ext>
+            </a:extLst>
+          </p:cNvPr>
+          <p:cNvSpPr>
+            <a:spLocks noGrp="1"/>
+          </p:cNvSpPr>
+          <p:nvPr>
+            <p:ph type="title"/>
+          </p:nvPr>
+        </p:nvSpPr>
+        <p:spPr/>
+        <p:txBody>
+          <a:bodyPr>
+            <a:normAutofit fontScale="90000"/>
+          </a:bodyPr>
+          <a:lstStyle/>
+          <a:p>
+            <a:r>
+              <a:rPr lang="en-US" dirty="0"/>
+              <a:t>Attendee Profile Analysis</a:t>
+            </a:r>
+          </a:p>
+        </p:txBody>
+      </p:sp>
+      <p:grpSp>
+        <p:nvGrpSpPr>
+          <p:cNvPr id="24" name="Group 23">
+            <a:extLst>
+              <a:ext uri="{FF2B5EF4-FFF2-40B4-BE49-F238E27FC236}">
+                <a16:creationId xmlns:a16="http://schemas.microsoft.com/office/drawing/2014/main" id="{B29D0DE4-21B2-AB84-3221-4F550CC6E3A3}"/>
+              </a:ext>
+            </a:extLst>
+          </p:cNvPr>
+          <p:cNvGrpSpPr/>
+          <p:nvPr/>
+        </p:nvGrpSpPr>
+        <p:grpSpPr>
+          <a:xfrm>
+            <a:off x="1405393" y="3480364"/>
+            <a:ext cx="5198836" cy="1141279"/>
+            <a:chOff x="1843989" y="1946880"/>
+            <a:chExt cx="6959189" cy="1744012"/>
+          </a:xfrm>
+        </p:grpSpPr>
+        <p:grpSp>
+          <p:nvGrpSpPr>
+            <p:cNvPr id="18" name="Group 17">
+              <a:extLst>
+                <a:ext uri="{FF2B5EF4-FFF2-40B4-BE49-F238E27FC236}">
+                  <a16:creationId xmlns:a16="http://schemas.microsoft.com/office/drawing/2014/main" id="{B3F32E30-8FBB-8BB2-BF3B-ABE2B7867D0F}"/>
+                </a:ext>
+              </a:extLst>
+            </p:cNvPr>
+            <p:cNvGrpSpPr/>
+            <p:nvPr/>
+          </p:nvGrpSpPr>
+          <p:grpSpPr>
+            <a:xfrm>
+              <a:off x="1843989" y="1946880"/>
+              <a:ext cx="1393197" cy="1736053"/>
+              <a:chOff x="1843989" y="1978343"/>
+              <a:chExt cx="1393197" cy="1736053"/>
+            </a:xfrm>
+          </p:grpSpPr>
+          <p:pic>
+            <p:nvPicPr>
+              <p:cNvPr id="1028" name="Picture 4">
+                <a:extLst>
+                  <a:ext uri="{FF2B5EF4-FFF2-40B4-BE49-F238E27FC236}">
+                    <a16:creationId xmlns:a16="http://schemas.microsoft.com/office/drawing/2014/main" id="{615CD4AC-AA77-5E01-66FC-555DCC23B3E8}"/>
+                  </a:ext>
+                </a:extLst>
+              </p:cNvPr>
+              <p:cNvPicPr>
+                <a:picLocks noChangeAspect="1" noChangeArrowheads="1"/>
+              </p:cNvPicPr>
+              <p:nvPr/>
+            </p:nvPicPr>
+            <p:blipFill>
+              <a:blip r:embed="rId4">
+                <a:extLst>
+                  <a:ext uri="{28A0092B-C50C-407E-A947-70E740481C1C}">
+                    <a14:useLocalDpi xmlns:a14="http://schemas.microsoft.com/office/drawing/2010/main" val="0"/>
+                  </a:ext>
+                </a:extLst>
+              </a:blip>
+              <a:srcRect/>
+              <a:stretch>
+                <a:fillRect/>
+              </a:stretch>
+            </p:blipFill>
+            <p:spPr bwMode="auto">
+              <a:xfrm>
+                <a:off x="1862558" y="1978343"/>
+                <a:ext cx="1361611" cy="1393868"/>
+              </a:xfrm>
+              <a:prstGeom prst="rect">
+                <a:avLst/>
+              </a:prstGeom>
+              <a:noFill/>
+              <a:ln w="28575">
+                <a:solidFill>
+                  <a:schemeClr val="tx1"/>
+                </a:solidFill>
+              </a:ln>
+              <a:extLst>
+                <a:ext uri="{909E8E84-426E-40DD-AFC4-6F175D3DCCD1}">
+                  <a14:hiddenFill xmlns:a14="http://schemas.microsoft.com/office/drawing/2010/main">
+                    <a:solidFill>
+                      <a:srgbClr val="FFFFFF"/>
+                    </a:solidFill>
+                  </a14:hiddenFill>
+                </a:ext>
+              </a:extLst>
+            </p:spPr>
+          </p:pic>
+          <p:sp>
+            <p:nvSpPr>
+              <p:cNvPr id="2" name="TextBox 1">
+                <a:extLst>
+                  <a:ext uri="{FF2B5EF4-FFF2-40B4-BE49-F238E27FC236}">
+                    <a16:creationId xmlns:a16="http://schemas.microsoft.com/office/drawing/2014/main" id="{4666E352-8007-23F3-5C09-165573AFE52E}"/>
+                  </a:ext>
+                </a:extLst>
+              </p:cNvPr>
+              <p:cNvSpPr txBox="1"/>
+              <p:nvPr/>
+            </p:nvSpPr>
+            <p:spPr>
+              <a:xfrm>
+                <a:off x="1843989" y="3291108"/>
+                <a:ext cx="1393197" cy="423288"/>
+              </a:xfrm>
+              <a:prstGeom prst="rect">
+                <a:avLst/>
+              </a:prstGeom>
+              <a:solidFill>
+                <a:schemeClr val="tx1"/>
+              </a:solidFill>
+              <a:ln w="28575">
+                <a:solidFill>
+                  <a:schemeClr val="tx1"/>
+                </a:solidFill>
+              </a:ln>
+            </p:spPr>
+            <p:txBody>
+              <a:bodyPr wrap="square" rtlCol="0" anchor="ctr">
+                <a:spAutoFit/>
+              </a:bodyPr>
+              <a:lstStyle/>
+              <a:p>
+                <a:pPr algn="ctr"/>
+                <a:r>
+                  <a:rPr lang="en-US" sz="1200" dirty="0">
+                    <a:solidFill>
+                      <a:schemeClr val="bg1"/>
+                    </a:solidFill>
+                  </a:rPr>
+                  <a:t>Dr Lyngstad</a:t>
+                </a:r>
+                <a:endParaRPr lang="en-US" dirty="0">
+                  <a:solidFill>
+                    <a:schemeClr val="bg1"/>
+                  </a:solidFill>
+                </a:endParaRPr>
+              </a:p>
+            </p:txBody>
+          </p:sp>
+        </p:grpSp>
+        <p:grpSp>
+          <p:nvGrpSpPr>
+            <p:cNvPr id="19" name="Group 18">
+              <a:extLst>
+                <a:ext uri="{FF2B5EF4-FFF2-40B4-BE49-F238E27FC236}">
+                  <a16:creationId xmlns:a16="http://schemas.microsoft.com/office/drawing/2014/main" id="{0AE22A69-BD12-8B56-C211-F9E8CEFB8F6A}"/>
+                </a:ext>
+              </a:extLst>
+            </p:cNvPr>
+            <p:cNvGrpSpPr/>
+            <p:nvPr/>
+          </p:nvGrpSpPr>
+          <p:grpSpPr>
+            <a:xfrm>
+              <a:off x="3702314" y="1946880"/>
+              <a:ext cx="1391532" cy="1744011"/>
+              <a:chOff x="3730510" y="1970385"/>
+              <a:chExt cx="1391532" cy="1744011"/>
+            </a:xfrm>
+          </p:grpSpPr>
+          <p:pic>
+            <p:nvPicPr>
+              <p:cNvPr id="1032" name="Picture 8">
+                <a:extLst>
+                  <a:ext uri="{FF2B5EF4-FFF2-40B4-BE49-F238E27FC236}">
+                    <a16:creationId xmlns:a16="http://schemas.microsoft.com/office/drawing/2014/main" id="{10262A9E-48B3-C0A1-FF6F-AC283E5B6120}"/>
+                  </a:ext>
+                </a:extLst>
+              </p:cNvPr>
+              <p:cNvPicPr>
+                <a:picLocks noChangeAspect="1" noChangeArrowheads="1"/>
+              </p:cNvPicPr>
+              <p:nvPr/>
+            </p:nvPicPr>
+            <p:blipFill>
+              <a:blip r:embed="rId5">
+                <a:extLst>
+                  <a:ext uri="{28A0092B-C50C-407E-A947-70E740481C1C}">
+                    <a14:useLocalDpi xmlns:a14="http://schemas.microsoft.com/office/drawing/2010/main" val="0"/>
+                  </a:ext>
+                </a:extLst>
+              </a:blip>
+              <a:srcRect/>
+              <a:stretch>
+                <a:fillRect/>
+              </a:stretch>
+            </p:blipFill>
+            <p:spPr bwMode="auto">
+              <a:xfrm>
+                <a:off x="3748812" y="1970385"/>
+                <a:ext cx="1361611" cy="1393868"/>
+              </a:xfrm>
+              <a:prstGeom prst="rect">
+                <a:avLst/>
+              </a:prstGeom>
+              <a:noFill/>
+              <a:ln w="28575">
+                <a:solidFill>
+                  <a:schemeClr val="tx1"/>
+                </a:solidFill>
+              </a:ln>
+              <a:extLst>
+                <a:ext uri="{909E8E84-426E-40DD-AFC4-6F175D3DCCD1}">
+                  <a14:hiddenFill xmlns:a14="http://schemas.microsoft.com/office/drawing/2010/main">
+                    <a:solidFill>
+                      <a:srgbClr val="FFFFFF"/>
+                    </a:solidFill>
+                  </a14:hiddenFill>
+                </a:ext>
+              </a:extLst>
+            </p:spPr>
+          </p:pic>
+          <p:sp>
+            <p:nvSpPr>
+              <p:cNvPr id="10" name="TextBox 9">
+                <a:extLst>
+                  <a:ext uri="{FF2B5EF4-FFF2-40B4-BE49-F238E27FC236}">
+                    <a16:creationId xmlns:a16="http://schemas.microsoft.com/office/drawing/2014/main" id="{585AEC9C-25EF-703D-E0E9-40AF7E1521B2}"/>
+                  </a:ext>
+                </a:extLst>
+              </p:cNvPr>
+              <p:cNvSpPr txBox="1"/>
+              <p:nvPr/>
+            </p:nvSpPr>
+            <p:spPr>
+              <a:xfrm>
+                <a:off x="3730510" y="3291108"/>
+                <a:ext cx="1391532" cy="423288"/>
+              </a:xfrm>
+              <a:prstGeom prst="rect">
+                <a:avLst/>
+              </a:prstGeom>
+              <a:solidFill>
+                <a:schemeClr val="tx1"/>
+              </a:solidFill>
+              <a:ln w="28575">
+                <a:solidFill>
+                  <a:schemeClr val="tx1"/>
+                </a:solidFill>
+              </a:ln>
+            </p:spPr>
+            <p:txBody>
+              <a:bodyPr wrap="square" rtlCol="0" anchor="ctr">
+                <a:spAutoFit/>
+              </a:bodyPr>
+              <a:lstStyle/>
+              <a:p>
+                <a:pPr algn="ctr"/>
+                <a:r>
+                  <a:rPr lang="en-US" sz="1200" dirty="0">
+                    <a:solidFill>
+                      <a:schemeClr val="bg1"/>
+                    </a:solidFill>
+                  </a:rPr>
+                  <a:t>Dr Andersson</a:t>
+                </a:r>
+                <a:endParaRPr lang="en-US" dirty="0">
+                  <a:solidFill>
+                    <a:schemeClr val="bg1"/>
+                  </a:solidFill>
+                </a:endParaRPr>
+              </a:p>
+            </p:txBody>
+          </p:sp>
+        </p:grpSp>
+        <p:grpSp>
+          <p:nvGrpSpPr>
+            <p:cNvPr id="20" name="Group 19">
+              <a:extLst>
+                <a:ext uri="{FF2B5EF4-FFF2-40B4-BE49-F238E27FC236}">
+                  <a16:creationId xmlns:a16="http://schemas.microsoft.com/office/drawing/2014/main" id="{D3DDD65A-86BF-3AEF-B1AC-C18B52C16326}"/>
+                </a:ext>
+              </a:extLst>
+            </p:cNvPr>
+            <p:cNvGrpSpPr/>
+            <p:nvPr/>
+          </p:nvGrpSpPr>
+          <p:grpSpPr>
+            <a:xfrm>
+              <a:off x="5558974" y="1946880"/>
+              <a:ext cx="1391346" cy="1744012"/>
+              <a:chOff x="5634138" y="1946880"/>
+              <a:chExt cx="1391346" cy="1744012"/>
+            </a:xfrm>
+          </p:grpSpPr>
+          <p:pic>
+            <p:nvPicPr>
+              <p:cNvPr id="1030" name="Picture 6">
+                <a:extLst>
+                  <a:ext uri="{FF2B5EF4-FFF2-40B4-BE49-F238E27FC236}">
+                    <a16:creationId xmlns:a16="http://schemas.microsoft.com/office/drawing/2014/main" id="{494A9694-ED99-7530-BAA1-DA9CCF07F60F}"/>
+                  </a:ext>
+                </a:extLst>
+              </p:cNvPr>
+              <p:cNvPicPr>
+                <a:picLocks noChangeAspect="1" noChangeArrowheads="1"/>
+              </p:cNvPicPr>
+              <p:nvPr/>
+            </p:nvPicPr>
+            <p:blipFill>
+              <a:blip r:embed="rId6">
+                <a:extLst>
+                  <a:ext uri="{28A0092B-C50C-407E-A947-70E740481C1C}">
+                    <a14:useLocalDpi xmlns:a14="http://schemas.microsoft.com/office/drawing/2010/main" val="0"/>
+                  </a:ext>
+                </a:extLst>
+              </a:blip>
+              <a:srcRect/>
+              <a:stretch>
+                <a:fillRect/>
+              </a:stretch>
+            </p:blipFill>
+            <p:spPr bwMode="auto">
+              <a:xfrm>
+                <a:off x="5654098" y="1946880"/>
+                <a:ext cx="1361611" cy="1393868"/>
+              </a:xfrm>
+              <a:prstGeom prst="rect">
+                <a:avLst/>
+              </a:prstGeom>
+              <a:noFill/>
+              <a:ln w="28575">
+                <a:solidFill>
+                  <a:schemeClr val="tx1"/>
+                </a:solidFill>
+              </a:ln>
+              <a:extLst>
+                <a:ext uri="{909E8E84-426E-40DD-AFC4-6F175D3DCCD1}">
+                  <a14:hiddenFill xmlns:a14="http://schemas.microsoft.com/office/drawing/2010/main">
+                    <a:solidFill>
+                      <a:srgbClr val="FFFFFF"/>
+                    </a:solidFill>
+                  </a14:hiddenFill>
+                </a:ext>
+              </a:extLst>
+            </p:spPr>
+          </p:pic>
+          <p:sp>
+            <p:nvSpPr>
+              <p:cNvPr id="11" name="TextBox 10">
+                <a:extLst>
+                  <a:ext uri="{FF2B5EF4-FFF2-40B4-BE49-F238E27FC236}">
+                    <a16:creationId xmlns:a16="http://schemas.microsoft.com/office/drawing/2014/main" id="{17315B1B-C8A7-2C77-F453-FBBED5DA9A06}"/>
+                  </a:ext>
+                </a:extLst>
+              </p:cNvPr>
+              <p:cNvSpPr txBox="1"/>
+              <p:nvPr/>
+            </p:nvSpPr>
+            <p:spPr>
+              <a:xfrm>
+                <a:off x="5634138" y="3267604"/>
+                <a:ext cx="1391346" cy="423288"/>
+              </a:xfrm>
+              <a:prstGeom prst="rect">
+                <a:avLst/>
+              </a:prstGeom>
+              <a:solidFill>
+                <a:schemeClr val="tx1"/>
+              </a:solidFill>
+              <a:ln w="28575">
+                <a:solidFill>
+                  <a:schemeClr val="tx1"/>
+                </a:solidFill>
+              </a:ln>
+            </p:spPr>
+            <p:txBody>
+              <a:bodyPr wrap="square" rtlCol="0" anchor="ctr">
+                <a:spAutoFit/>
+              </a:bodyPr>
+              <a:lstStyle/>
+              <a:p>
+                <a:pPr algn="ctr"/>
+                <a:r>
+                  <a:rPr lang="en-US" sz="1200" dirty="0">
+                    <a:solidFill>
+                      <a:schemeClr val="bg1"/>
+                    </a:solidFill>
+                  </a:rPr>
+                  <a:t>Dr Ulvaeus</a:t>
+                </a:r>
+                <a:endParaRPr lang="en-US" dirty="0">
+                  <a:solidFill>
+                    <a:schemeClr val="bg1"/>
+                  </a:solidFill>
+                </a:endParaRPr>
+              </a:p>
+            </p:txBody>
+          </p:sp>
+        </p:grpSp>
+        <p:grpSp>
+          <p:nvGrpSpPr>
+            <p:cNvPr id="21" name="Group 20">
+              <a:extLst>
+                <a:ext uri="{FF2B5EF4-FFF2-40B4-BE49-F238E27FC236}">
+                  <a16:creationId xmlns:a16="http://schemas.microsoft.com/office/drawing/2014/main" id="{A0E6CEAD-FDFC-A319-8F47-940D233A6487}"/>
+                </a:ext>
+              </a:extLst>
+            </p:cNvPr>
+            <p:cNvGrpSpPr/>
+            <p:nvPr/>
+          </p:nvGrpSpPr>
+          <p:grpSpPr>
+            <a:xfrm>
+              <a:off x="7415449" y="1946880"/>
+              <a:ext cx="1387729" cy="1722059"/>
+              <a:chOff x="7415449" y="1946880"/>
+              <a:chExt cx="1387729" cy="1722059"/>
+            </a:xfrm>
+          </p:grpSpPr>
+          <p:pic>
+            <p:nvPicPr>
+              <p:cNvPr id="1026" name="Picture 2">
+                <a:extLst>
+                  <a:ext uri="{FF2B5EF4-FFF2-40B4-BE49-F238E27FC236}">
+                    <a16:creationId xmlns:a16="http://schemas.microsoft.com/office/drawing/2014/main" id="{A1F33341-E937-36FC-8735-890ED6F2FF09}"/>
+                  </a:ext>
+                </a:extLst>
+              </p:cNvPr>
+              <p:cNvPicPr>
+                <a:picLocks noChangeAspect="1" noChangeArrowheads="1"/>
+              </p:cNvPicPr>
+              <p:nvPr/>
+            </p:nvPicPr>
+            <p:blipFill>
+              <a:blip r:embed="rId7">
+                <a:extLst>
+                  <a:ext uri="{28A0092B-C50C-407E-A947-70E740481C1C}">
+                    <a14:useLocalDpi xmlns:a14="http://schemas.microsoft.com/office/drawing/2010/main" val="0"/>
+                  </a:ext>
+                </a:extLst>
+              </a:blip>
+              <a:srcRect/>
+              <a:stretch>
+                <a:fillRect/>
+              </a:stretch>
+            </p:blipFill>
+            <p:spPr bwMode="auto">
+              <a:xfrm>
+                <a:off x="7431132" y="1946880"/>
+                <a:ext cx="1361611" cy="1393868"/>
+              </a:xfrm>
+              <a:prstGeom prst="rect">
+                <a:avLst/>
+              </a:prstGeom>
+              <a:noFill/>
+              <a:ln w="28575">
+                <a:solidFill>
+                  <a:schemeClr val="tx1"/>
+                </a:solidFill>
+              </a:ln>
+              <a:extLst>
+                <a:ext uri="{909E8E84-426E-40DD-AFC4-6F175D3DCCD1}">
+                  <a14:hiddenFill xmlns:a14="http://schemas.microsoft.com/office/drawing/2010/main">
+                    <a:solidFill>
+                      <a:srgbClr val="FFFFFF"/>
+                    </a:solidFill>
+                  </a14:hiddenFill>
+                </a:ext>
+              </a:extLst>
+            </p:spPr>
+          </p:pic>
+          <p:sp>
+            <p:nvSpPr>
+              <p:cNvPr id="12" name="TextBox 11">
+                <a:extLst>
+                  <a:ext uri="{FF2B5EF4-FFF2-40B4-BE49-F238E27FC236}">
+                    <a16:creationId xmlns:a16="http://schemas.microsoft.com/office/drawing/2014/main" id="{207B2BF2-176E-C3A3-8CD1-F9F762DFF5B9}"/>
+                  </a:ext>
+                </a:extLst>
+              </p:cNvPr>
+              <p:cNvSpPr txBox="1"/>
+              <p:nvPr/>
+            </p:nvSpPr>
+            <p:spPr>
+              <a:xfrm>
+                <a:off x="7415449" y="3245651"/>
+                <a:ext cx="1387729" cy="423288"/>
+              </a:xfrm>
+              <a:prstGeom prst="rect">
+                <a:avLst/>
+              </a:prstGeom>
+              <a:solidFill>
+                <a:schemeClr val="tx1"/>
+              </a:solidFill>
+              <a:ln w="28575">
+                <a:solidFill>
+                  <a:schemeClr val="tx1"/>
+                </a:solidFill>
+              </a:ln>
+            </p:spPr>
+            <p:txBody>
+              <a:bodyPr wrap="square" rtlCol="0" anchor="ctr">
+                <a:spAutoFit/>
+              </a:bodyPr>
+              <a:lstStyle/>
+              <a:p>
+                <a:pPr algn="ctr"/>
+                <a:r>
+                  <a:rPr lang="en-US" sz="1200" dirty="0">
+                    <a:solidFill>
+                      <a:schemeClr val="bg1"/>
+                    </a:solidFill>
+                  </a:rPr>
+                  <a:t>Dr Fältskog</a:t>
+                </a:r>
+                <a:endParaRPr lang="en-US" dirty="0">
+                  <a:solidFill>
+                    <a:schemeClr val="bg1"/>
+                  </a:solidFill>
+                </a:endParaRPr>
+              </a:p>
+            </p:txBody>
+          </p:sp>
+        </p:grpSp>
+      </p:grpSp>
       <p:pic>
         <p:nvPicPr>
-          <p:cNvPr id="1026" name="Picture 2">
-            <a:extLst>
-              <a:ext uri="{FF2B5EF4-FFF2-40B4-BE49-F238E27FC236}">
-                <a16:creationId xmlns:a16="http://schemas.microsoft.com/office/drawing/2014/main" id="{A1F33341-E937-36FC-8735-890ED6F2FF09}"/>
+          <p:cNvPr id="28" name="Picture 27">
+            <a:extLst>
+              <a:ext uri="{FF2B5EF4-FFF2-40B4-BE49-F238E27FC236}">
+                <a16:creationId xmlns:a16="http://schemas.microsoft.com/office/drawing/2014/main" id="{187F565B-013B-53BF-3AF0-EC957A9A3442}"/>
+              </a:ext>
+            </a:extLst>
+          </p:cNvPr>
+          <p:cNvPicPr>
+            <a:picLocks noChangeAspect="1"/>
+          </p:cNvPicPr>
+          <p:nvPr/>
+        </p:nvPicPr>
+        <p:blipFill>
+          <a:blip r:embed="rId8"/>
+          <a:stretch>
+            <a:fillRect/>
+          </a:stretch>
+        </p:blipFill>
+        <p:spPr>
+          <a:xfrm>
+            <a:off x="1405393" y="5196338"/>
+            <a:ext cx="6377628" cy="1490237"/>
+          </a:xfrm>
+          <a:prstGeom prst="rect">
+            <a:avLst/>
+          </a:prstGeom>
+          <a:ln>
+            <a:solidFill>
+              <a:schemeClr val="tx1"/>
+            </a:solidFill>
+          </a:ln>
+        </p:spPr>
+      </p:pic>
+    </p:spTree>
+    <p:extLst>
+      <p:ext uri="{BB962C8B-B14F-4D97-AF65-F5344CB8AC3E}">
+        <p14:creationId xmlns:p14="http://schemas.microsoft.com/office/powerpoint/2010/main" val="4147769905"/>
+      </p:ext>
+    </p:extLst>
+  </p:cSld>
+  <p:clrMapOvr>
+    <a:masterClrMapping/>
+  </p:clrMapOvr>
+  <p:transition>
+    <p:fade/>
+  </p:transition>
+  <p:timing>
+    <p:tnLst>
+      <p:par>
+        <p:cTn id="1" dur="indefinite" restart="never" nodeType="tmRoot">
+          <p:childTnLst>
+            <p:seq concurrent="1" nextAc="seek">
+              <p:cTn id="2" dur="indefinite" nodeType="mainSeq">
+                <p:childTnLst>
+                  <p:par>
+                    <p:cTn id="3" fill="hold">
+                      <p:stCondLst>
+                        <p:cond delay="indefinite"/>
+                      </p:stCondLst>
+                      <p:childTnLst>
+                        <p:par>
+                          <p:cTn id="4" fill="hold">
+                            <p:stCondLst>
+                              <p:cond delay="0"/>
+                            </p:stCondLst>
+                            <p:childTnLst>
+                              <p:par>
+                                <p:cTn id="5" presetID="1" presetClass="entr" presetSubtype="0" fill="hold" nodeType="clickEffect">
+                                  <p:stCondLst>
+                                    <p:cond delay="0"/>
+                                  </p:stCondLst>
+                                  <p:childTnLst>
+                                    <p:set>
+                                      <p:cBhvr>
+                                        <p:cTn id="6" dur="1" fill="hold">
+                                          <p:stCondLst>
+                                            <p:cond delay="0"/>
+                                          </p:stCondLst>
+                                        </p:cTn>
+                                        <p:tgtEl>
+                                          <p:spTgt spid="26">
+                                            <p:txEl>
+                                              <p:pRg st="3" end="3"/>
+                                            </p:txEl>
+                                          </p:spTgt>
+                                        </p:tgtEl>
+                                        <p:attrNameLst>
+                                          <p:attrName>style.visibility</p:attrName>
+                                        </p:attrNameLst>
+                                      </p:cBhvr>
+                                      <p:to>
+                                        <p:strVal val="visible"/>
+                                      </p:to>
+                                    </p:set>
+                                  </p:childTnLst>
+                                </p:cTn>
+                              </p:par>
+                              <p:par>
+                                <p:cTn id="7" presetID="1" presetClass="entr" presetSubtype="0" fill="hold" nodeType="withEffect">
+                                  <p:stCondLst>
+                                    <p:cond delay="0"/>
+                                  </p:stCondLst>
+                                  <p:childTnLst>
+                                    <p:set>
+                                      <p:cBhvr>
+                                        <p:cTn id="8" dur="1" fill="hold">
+                                          <p:stCondLst>
+                                            <p:cond delay="0"/>
+                                          </p:stCondLst>
+                                        </p:cTn>
+                                        <p:tgtEl>
+                                          <p:spTgt spid="26">
+                                            <p:txEl>
+                                              <p:pRg st="4" end="4"/>
+                                            </p:txEl>
+                                          </p:spTgt>
+                                        </p:tgtEl>
+                                        <p:attrNameLst>
+                                          <p:attrName>style.visibility</p:attrName>
+                                        </p:attrNameLst>
+                                      </p:cBhvr>
+                                      <p:to>
+                                        <p:strVal val="visible"/>
+                                      </p:to>
+                                    </p:set>
+                                  </p:childTnLst>
+                                </p:cTn>
+                              </p:par>
+                              <p:par>
+                                <p:cTn id="9" presetID="1" presetClass="entr" presetSubtype="0" fill="hold" nodeType="withEffect">
+                                  <p:stCondLst>
+                                    <p:cond delay="0"/>
+                                  </p:stCondLst>
+                                  <p:childTnLst>
+                                    <p:set>
+                                      <p:cBhvr>
+                                        <p:cTn id="10" dur="1" fill="hold">
+                                          <p:stCondLst>
+                                            <p:cond delay="0"/>
+                                          </p:stCondLst>
+                                        </p:cTn>
+                                        <p:tgtEl>
+                                          <p:spTgt spid="24"/>
+                                        </p:tgtEl>
+                                        <p:attrNameLst>
+                                          <p:attrName>style.visibility</p:attrName>
+                                        </p:attrNameLst>
+                                      </p:cBhvr>
+                                      <p:to>
+                                        <p:strVal val="visible"/>
+                                      </p:to>
+                                    </p:set>
+                                  </p:childTnLst>
+                                </p:cTn>
+                              </p:par>
+                            </p:childTnLst>
+                          </p:cTn>
+                        </p:par>
+                      </p:childTnLst>
+                    </p:cTn>
+                  </p:par>
+                  <p:par>
+                    <p:cTn id="11" fill="hold">
+                      <p:stCondLst>
+                        <p:cond delay="indefinite"/>
+                      </p:stCondLst>
+                      <p:childTnLst>
+                        <p:par>
+                          <p:cTn id="12" fill="hold">
+                            <p:stCondLst>
+                              <p:cond delay="0"/>
+                            </p:stCondLst>
+                            <p:childTnLst>
+                              <p:par>
+                                <p:cTn id="13" presetID="1" presetClass="entr" presetSubtype="0" fill="hold" nodeType="clickEffect">
+                                  <p:stCondLst>
+                                    <p:cond delay="0"/>
+                                  </p:stCondLst>
+                                  <p:childTnLst>
+                                    <p:set>
+                                      <p:cBhvr>
+                                        <p:cTn id="14" dur="1" fill="hold">
+                                          <p:stCondLst>
+                                            <p:cond delay="0"/>
+                                          </p:stCondLst>
+                                        </p:cTn>
+                                        <p:tgtEl>
+                                          <p:spTgt spid="26">
+                                            <p:txEl>
+                                              <p:pRg st="8" end="8"/>
+                                            </p:txEl>
+                                          </p:spTgt>
+                                        </p:tgtEl>
+                                        <p:attrNameLst>
+                                          <p:attrName>style.visibility</p:attrName>
+                                        </p:attrNameLst>
+                                      </p:cBhvr>
+                                      <p:to>
+                                        <p:strVal val="visible"/>
+                                      </p:to>
+                                    </p:set>
+                                  </p:childTnLst>
+                                </p:cTn>
+                              </p:par>
+                              <p:par>
+                                <p:cTn id="15" presetID="1" presetClass="entr" presetSubtype="0" fill="hold" nodeType="withEffect">
+                                  <p:stCondLst>
+                                    <p:cond delay="0"/>
+                                  </p:stCondLst>
+                                  <p:childTnLst>
+                                    <p:set>
+                                      <p:cBhvr>
+                                        <p:cTn id="16" dur="1" fill="hold">
+                                          <p:stCondLst>
+                                            <p:cond delay="0"/>
+                                          </p:stCondLst>
+                                        </p:cTn>
+                                        <p:tgtEl>
+                                          <p:spTgt spid="28"/>
+                                        </p:tgtEl>
+                                        <p:attrNameLst>
+                                          <p:attrName>style.visibility</p:attrName>
+                                        </p:attrNameLst>
+                                      </p:cBhvr>
+                                      <p:to>
+                                        <p:strVal val="visible"/>
+                                      </p:to>
+                                    </p:set>
+                                  </p:childTnLst>
+                                </p:cTn>
+                              </p:par>
+                            </p:childTnLst>
+                          </p:cTn>
+                        </p:par>
+                      </p:childTnLst>
+                    </p:cTn>
+                  </p:par>
+                </p:childTnLst>
+              </p:cTn>
+              <p:prevCondLst>
+                <p:cond evt="onPrev" delay="0">
+                  <p:tgtEl>
+                    <p:sldTgt/>
+                  </p:tgtEl>
+                </p:cond>
+              </p:prevCondLst>
+              <p:nextCondLst>
+                <p:cond evt="onNext" delay="0">
+                  <p:tgtEl>
+                    <p:sldTgt/>
+                  </p:tgtEl>
+                </p:cond>
+              </p:nextCondLst>
+            </p:seq>
+          </p:childTnLst>
+        </p:cTn>
+      </p:par>
+    </p:tnLst>
+  </p:timing>
+</p:sld>
+</file>
+
+<file path=ppt/slides/slide2.xml><?xml version="1.0" encoding="utf-8"?>
+<p:sld xmlns:a="http://schemas.openxmlformats.org/drawingml/2006/main" xmlns:r="http://schemas.openxmlformats.org/officeDocument/2006/relationships" xmlns:p="http://schemas.openxmlformats.org/presentationml/2006/main">
+  <p:cSld>
+    <p:spTree>
+      <p:nvGrpSpPr>
+        <p:cNvPr id="1" name=""/>
+        <p:cNvGrpSpPr/>
+        <p:nvPr/>
+      </p:nvGrpSpPr>
+      <p:grpSpPr>
+        <a:xfrm>
+          <a:off x="0" y="0"/>
+          <a:ext cx="0" cy="0"/>
+          <a:chOff x="0" y="0"/>
+          <a:chExt cx="0" cy="0"/>
+        </a:xfrm>
+      </p:grpSpPr>
+      <p:sp>
+        <p:nvSpPr>
+          <p:cNvPr id="2" name="Title 1">
+            <a:extLst>
+              <a:ext uri="{FF2B5EF4-FFF2-40B4-BE49-F238E27FC236}">
+                <a16:creationId xmlns:a16="http://schemas.microsoft.com/office/drawing/2014/main" id="{798DA600-03DB-2295-7FAC-D5A6AE98F7D7}"/>
+              </a:ext>
+            </a:extLst>
+          </p:cNvPr>
+          <p:cNvSpPr>
+            <a:spLocks noGrp="1"/>
+          </p:cNvSpPr>
+          <p:nvPr>
+            <p:ph type="title"/>
+          </p:nvPr>
+        </p:nvSpPr>
+        <p:spPr/>
+        <p:txBody>
+          <a:bodyPr>
+            <a:normAutofit fontScale="90000"/>
+          </a:bodyPr>
+          <a:lstStyle/>
+          <a:p>
+            <a:r>
+              <a:rPr lang="en-US" dirty="0"/>
+              <a:t>Project data stored in </a:t>
+            </a:r>
+            <a:r>
+              <a:rPr lang="en-US" dirty="0" err="1"/>
+              <a:t>profiles.json</a:t>
+            </a:r>
+            <a:endParaRPr lang="en-US" dirty="0"/>
+          </a:p>
+        </p:txBody>
+      </p:sp>
+      <p:pic>
+        <p:nvPicPr>
+          <p:cNvPr id="5" name="Picture 4">
+            <a:extLst>
+              <a:ext uri="{FF2B5EF4-FFF2-40B4-BE49-F238E27FC236}">
+                <a16:creationId xmlns:a16="http://schemas.microsoft.com/office/drawing/2014/main" id="{58DC13D7-F3F3-814C-B394-17A9A0D9101D}"/>
+              </a:ext>
+            </a:extLst>
+          </p:cNvPr>
+          <p:cNvPicPr>
+            <a:picLocks noChangeAspect="1"/>
+          </p:cNvPicPr>
+          <p:nvPr/>
+        </p:nvPicPr>
+        <p:blipFill>
+          <a:blip r:embed="rId2"/>
+          <a:stretch>
+            <a:fillRect/>
+          </a:stretch>
+        </p:blipFill>
+        <p:spPr>
+          <a:xfrm>
+            <a:off x="925223" y="875185"/>
+            <a:ext cx="10474960" cy="5653465"/>
+          </a:xfrm>
+          <a:prstGeom prst="rect">
+            <a:avLst/>
+          </a:prstGeom>
+          <a:ln>
+            <a:solidFill>
+              <a:schemeClr val="tx1"/>
+            </a:solidFill>
+          </a:ln>
+        </p:spPr>
+      </p:pic>
+      <p:sp>
+        <p:nvSpPr>
+          <p:cNvPr id="6" name="Arrow: Right 5">
+            <a:extLst>
+              <a:ext uri="{FF2B5EF4-FFF2-40B4-BE49-F238E27FC236}">
+                <a16:creationId xmlns:a16="http://schemas.microsoft.com/office/drawing/2014/main" id="{D4BCACB9-01E9-647E-7B56-B6BE0FA77632}"/>
+              </a:ext>
+            </a:extLst>
+          </p:cNvPr>
+          <p:cNvSpPr/>
+          <p:nvPr/>
+        </p:nvSpPr>
+        <p:spPr>
+          <a:xfrm>
+            <a:off x="196645" y="3453580"/>
+            <a:ext cx="1759347" cy="389107"/>
+          </a:xfrm>
+          <a:prstGeom prst="rightArrow">
+            <a:avLst>
+              <a:gd name="adj1" fmla="val 64286"/>
+              <a:gd name="adj2" fmla="val 78571"/>
+            </a:avLst>
+          </a:prstGeom>
+          <a:solidFill>
+            <a:schemeClr val="accent4"/>
+          </a:solidFill>
+        </p:spPr>
+        <p:style>
+          <a:lnRef idx="2">
+            <a:schemeClr val="accent1">
+              <a:shade val="50000"/>
+            </a:schemeClr>
+          </a:lnRef>
+          <a:fillRef idx="1">
+            <a:schemeClr val="accent1"/>
+          </a:fillRef>
+          <a:effectRef idx="0">
+            <a:schemeClr val="accent1"/>
+          </a:effectRef>
+          <a:fontRef idx="minor">
+            <a:schemeClr val="lt1"/>
+          </a:fontRef>
+        </p:style>
+        <p:txBody>
+          <a:bodyPr rtlCol="0" anchor="ctr"/>
+          <a:lstStyle/>
+          <a:p>
+            <a:pPr algn="ctr"/>
+            <a:r>
+              <a:rPr lang="en-US" sz="1050" dirty="0">
+                <a:solidFill>
+                  <a:schemeClr val="tx1"/>
+                </a:solidFill>
+              </a:rPr>
+              <a:t>Pointer to base profile</a:t>
+            </a:r>
+          </a:p>
+        </p:txBody>
+      </p:sp>
+      <p:sp>
+        <p:nvSpPr>
+          <p:cNvPr id="7" name="Arrow: Right 6">
+            <a:extLst>
+              <a:ext uri="{FF2B5EF4-FFF2-40B4-BE49-F238E27FC236}">
+                <a16:creationId xmlns:a16="http://schemas.microsoft.com/office/drawing/2014/main" id="{F191572E-7B73-B4A1-7DF6-578ADD889024}"/>
+              </a:ext>
+            </a:extLst>
+          </p:cNvPr>
+          <p:cNvSpPr/>
+          <p:nvPr/>
+        </p:nvSpPr>
+        <p:spPr>
+          <a:xfrm>
+            <a:off x="196644" y="5139812"/>
+            <a:ext cx="1759347" cy="389107"/>
+          </a:xfrm>
+          <a:prstGeom prst="rightArrow">
+            <a:avLst>
+              <a:gd name="adj1" fmla="val 64286"/>
+              <a:gd name="adj2" fmla="val 78571"/>
+            </a:avLst>
+          </a:prstGeom>
+          <a:solidFill>
+            <a:schemeClr val="accent4"/>
+          </a:solidFill>
+        </p:spPr>
+        <p:style>
+          <a:lnRef idx="2">
+            <a:schemeClr val="accent1">
+              <a:shade val="50000"/>
+            </a:schemeClr>
+          </a:lnRef>
+          <a:fillRef idx="1">
+            <a:schemeClr val="accent1"/>
+          </a:fillRef>
+          <a:effectRef idx="0">
+            <a:schemeClr val="accent1"/>
+          </a:effectRef>
+          <a:fontRef idx="minor">
+            <a:schemeClr val="lt1"/>
+          </a:fontRef>
+        </p:style>
+        <p:txBody>
+          <a:bodyPr rtlCol="0" anchor="ctr"/>
+          <a:lstStyle/>
+          <a:p>
+            <a:pPr algn="ctr"/>
+            <a:r>
+              <a:rPr lang="en-US" sz="1050" dirty="0">
+                <a:solidFill>
+                  <a:schemeClr val="tx1"/>
+                </a:solidFill>
+              </a:rPr>
+              <a:t>Pointer to base profile</a:t>
+            </a:r>
+          </a:p>
+        </p:txBody>
+      </p:sp>
+    </p:spTree>
+    <p:extLst>
+      <p:ext uri="{BB962C8B-B14F-4D97-AF65-F5344CB8AC3E}">
+        <p14:creationId xmlns:p14="http://schemas.microsoft.com/office/powerpoint/2010/main" val="1077032321"/>
+      </p:ext>
+    </p:extLst>
+  </p:cSld>
+  <p:clrMapOvr>
+    <a:masterClrMapping/>
+  </p:clrMapOvr>
+  <p:transition>
+    <p:fade/>
+  </p:transition>
+  <p:timing>
+    <p:tnLst>
+      <p:par>
+        <p:cTn id="1" dur="indefinite" restart="never" nodeType="tmRoot">
+          <p:childTnLst>
+            <p:seq concurrent="1" nextAc="seek">
+              <p:cTn id="2" dur="indefinite" nodeType="mainSeq">
+                <p:childTnLst>
+                  <p:par>
+                    <p:cTn id="3" fill="hold">
+                      <p:stCondLst>
+                        <p:cond delay="indefinite"/>
+                      </p:stCondLst>
+                      <p:childTnLst>
+                        <p:par>
+                          <p:cTn id="4" fill="hold">
+                            <p:stCondLst>
+                              <p:cond delay="0"/>
+                            </p:stCondLst>
+                            <p:childTnLst>
+                              <p:par>
+                                <p:cTn id="5" presetID="1" presetClass="entr" presetSubtype="0" fill="hold" grpId="0" nodeType="clickEffect">
+                                  <p:stCondLst>
+                                    <p:cond delay="0"/>
+                                  </p:stCondLst>
+                                  <p:childTnLst>
+                                    <p:set>
+                                      <p:cBhvr>
+                                        <p:cTn id="6" dur="1" fill="hold">
+                                          <p:stCondLst>
+                                            <p:cond delay="0"/>
+                                          </p:stCondLst>
+                                        </p:cTn>
+                                        <p:tgtEl>
+                                          <p:spTgt spid="6"/>
+                                        </p:tgtEl>
+                                        <p:attrNameLst>
+                                          <p:attrName>style.visibility</p:attrName>
+                                        </p:attrNameLst>
+                                      </p:cBhvr>
+                                      <p:to>
+                                        <p:strVal val="visible"/>
+                                      </p:to>
+                                    </p:set>
+                                  </p:childTnLst>
+                                </p:cTn>
+                              </p:par>
+                            </p:childTnLst>
+                          </p:cTn>
+                        </p:par>
+                      </p:childTnLst>
+                    </p:cTn>
+                  </p:par>
+                  <p:par>
+                    <p:cTn id="7" fill="hold">
+                      <p:stCondLst>
+                        <p:cond delay="indefinite"/>
+                      </p:stCondLst>
+                      <p:childTnLst>
+                        <p:par>
+                          <p:cTn id="8" fill="hold">
+                            <p:stCondLst>
+                              <p:cond delay="0"/>
+                            </p:stCondLst>
+                            <p:childTnLst>
+                              <p:par>
+                                <p:cTn id="9" presetID="1" presetClass="entr" presetSubtype="0" fill="hold" grpId="0" nodeType="clickEffect">
+                                  <p:stCondLst>
+                                    <p:cond delay="0"/>
+                                  </p:stCondLst>
+                                  <p:childTnLst>
+                                    <p:set>
+                                      <p:cBhvr>
+                                        <p:cTn id="10" dur="1" fill="hold">
+                                          <p:stCondLst>
+                                            <p:cond delay="0"/>
+                                          </p:stCondLst>
+                                        </p:cTn>
+                                        <p:tgtEl>
+                                          <p:spTgt spid="7"/>
+                                        </p:tgtEl>
+                                        <p:attrNameLst>
+                                          <p:attrName>style.visibility</p:attrName>
+                                        </p:attrNameLst>
+                                      </p:cBhvr>
+                                      <p:to>
+                                        <p:strVal val="visible"/>
+                                      </p:to>
+                                    </p:set>
+                                  </p:childTnLst>
+                                </p:cTn>
+                              </p:par>
+                            </p:childTnLst>
+                          </p:cTn>
+                        </p:par>
+                      </p:childTnLst>
+                    </p:cTn>
+                  </p:par>
+                </p:childTnLst>
+              </p:cTn>
+              <p:prevCondLst>
+                <p:cond evt="onPrev" delay="0">
+                  <p:tgtEl>
+                    <p:sldTgt/>
+                  </p:tgtEl>
+                </p:cond>
+              </p:prevCondLst>
+              <p:nextCondLst>
+                <p:cond evt="onNext" delay="0">
+                  <p:tgtEl>
+                    <p:sldTgt/>
+                  </p:tgtEl>
+                </p:cond>
+              </p:nextCondLst>
+            </p:seq>
+          </p:childTnLst>
+        </p:cTn>
+      </p:par>
+    </p:tnLst>
+    <p:bldLst>
+      <p:bldP spid="6" grpId="0" animBg="1"/>
+      <p:bldP spid="7" grpId="0" animBg="1"/>
+    </p:bldLst>
+  </p:timing>
+</p:sld>
+</file>
+
+<file path=ppt/slides/slide3.xml><?xml version="1.0" encoding="utf-8"?>
+<p:sld xmlns:a="http://schemas.openxmlformats.org/drawingml/2006/main" xmlns:r="http://schemas.openxmlformats.org/officeDocument/2006/relationships" xmlns:p="http://schemas.openxmlformats.org/presentationml/2006/main">
+  <p:cSld>
+    <p:spTree>
+      <p:nvGrpSpPr>
+        <p:cNvPr id="1" name=""/>
+        <p:cNvGrpSpPr/>
+        <p:nvPr/>
+      </p:nvGrpSpPr>
+      <p:grpSpPr>
+        <a:xfrm>
+          <a:off x="0" y="0"/>
+          <a:ext cx="0" cy="0"/>
+          <a:chOff x="0" y="0"/>
+          <a:chExt cx="0" cy="0"/>
+        </a:xfrm>
+      </p:grpSpPr>
+      <p:sp>
+        <p:nvSpPr>
+          <p:cNvPr id="2" name="Title 1">
+            <a:extLst>
+              <a:ext uri="{FF2B5EF4-FFF2-40B4-BE49-F238E27FC236}">
+                <a16:creationId xmlns:a16="http://schemas.microsoft.com/office/drawing/2014/main" id="{A5A2B0D0-8085-5522-830B-738D275351D9}"/>
+              </a:ext>
+            </a:extLst>
+          </p:cNvPr>
+          <p:cNvSpPr>
+            <a:spLocks noGrp="1"/>
+          </p:cNvSpPr>
+          <p:nvPr>
+            <p:ph type="title"/>
+          </p:nvPr>
+        </p:nvSpPr>
+        <p:spPr/>
+        <p:txBody>
+          <a:bodyPr>
+            <a:normAutofit fontScale="90000"/>
+          </a:bodyPr>
+          <a:lstStyle/>
+          <a:p>
+            <a:r>
+              <a:rPr lang="en-US" dirty="0"/>
+              <a:t>Learning About Hierarchies in Power BI</a:t>
+            </a:r>
+          </a:p>
+        </p:txBody>
+      </p:sp>
+      <p:pic>
+        <p:nvPicPr>
+          <p:cNvPr id="7" name="Picture 6">
+            <a:extLst>
+              <a:ext uri="{FF2B5EF4-FFF2-40B4-BE49-F238E27FC236}">
+                <a16:creationId xmlns:a16="http://schemas.microsoft.com/office/drawing/2014/main" id="{0A095FD8-D87F-ACF1-C590-770ADF2FF953}"/>
+              </a:ext>
+            </a:extLst>
+          </p:cNvPr>
+          <p:cNvPicPr>
+            <a:picLocks noChangeAspect="1"/>
+          </p:cNvPicPr>
+          <p:nvPr/>
+        </p:nvPicPr>
+        <p:blipFill>
+          <a:blip r:embed="rId2"/>
+          <a:stretch>
+            <a:fillRect/>
+          </a:stretch>
+        </p:blipFill>
+        <p:spPr>
+          <a:xfrm>
+            <a:off x="955040" y="1280326"/>
+            <a:ext cx="6821753" cy="5088808"/>
+          </a:xfrm>
+          <a:prstGeom prst="rect">
+            <a:avLst/>
+          </a:prstGeom>
+          <a:ln>
+            <a:solidFill>
+              <a:schemeClr val="tx1"/>
+            </a:solidFill>
+          </a:ln>
+        </p:spPr>
+      </p:pic>
+      <p:pic>
+        <p:nvPicPr>
+          <p:cNvPr id="9" name="Picture 8">
+            <a:extLst>
+              <a:ext uri="{FF2B5EF4-FFF2-40B4-BE49-F238E27FC236}">
+                <a16:creationId xmlns:a16="http://schemas.microsoft.com/office/drawing/2014/main" id="{D1533F08-3097-A8F3-2CF1-DB8701C764EB}"/>
+              </a:ext>
+            </a:extLst>
+          </p:cNvPr>
+          <p:cNvPicPr>
+            <a:picLocks noChangeAspect="1"/>
+          </p:cNvPicPr>
+          <p:nvPr/>
+        </p:nvPicPr>
+        <p:blipFill>
+          <a:blip r:embed="rId3"/>
+          <a:stretch>
+            <a:fillRect/>
+          </a:stretch>
+        </p:blipFill>
+        <p:spPr>
+          <a:xfrm>
+            <a:off x="784050" y="1220926"/>
+            <a:ext cx="8066432" cy="5450292"/>
+          </a:xfrm>
+          <a:prstGeom prst="rect">
+            <a:avLst/>
+          </a:prstGeom>
+          <a:ln>
+            <a:solidFill>
+              <a:schemeClr val="tx1"/>
+            </a:solidFill>
+          </a:ln>
+        </p:spPr>
+      </p:pic>
+    </p:spTree>
+    <p:extLst>
+      <p:ext uri="{BB962C8B-B14F-4D97-AF65-F5344CB8AC3E}">
+        <p14:creationId xmlns:p14="http://schemas.microsoft.com/office/powerpoint/2010/main" val="1049538545"/>
+      </p:ext>
+    </p:extLst>
+  </p:cSld>
+  <p:clrMapOvr>
+    <a:masterClrMapping/>
+  </p:clrMapOvr>
+  <p:transition>
+    <p:fade/>
+  </p:transition>
+  <p:timing>
+    <p:tnLst>
+      <p:par>
+        <p:cTn id="1" dur="indefinite" restart="never" nodeType="tmRoot">
+          <p:childTnLst>
+            <p:seq concurrent="1" nextAc="seek">
+              <p:cTn id="2" dur="indefinite" nodeType="mainSeq">
+                <p:childTnLst>
+                  <p:par>
+                    <p:cTn id="3" fill="hold">
+                      <p:stCondLst>
+                        <p:cond delay="indefinite"/>
+                      </p:stCondLst>
+                      <p:childTnLst>
+                        <p:par>
+                          <p:cTn id="4" fill="hold">
+                            <p:stCondLst>
+                              <p:cond delay="0"/>
+                            </p:stCondLst>
+                            <p:childTnLst>
+                              <p:par>
+                                <p:cTn id="5" presetID="1" presetClass="entr" presetSubtype="0" fill="hold" nodeType="clickEffect">
+                                  <p:stCondLst>
+                                    <p:cond delay="0"/>
+                                  </p:stCondLst>
+                                  <p:childTnLst>
+                                    <p:set>
+                                      <p:cBhvr>
+                                        <p:cTn id="6" dur="1" fill="hold">
+                                          <p:stCondLst>
+                                            <p:cond delay="0"/>
+                                          </p:stCondLst>
+                                        </p:cTn>
+                                        <p:tgtEl>
+                                          <p:spTgt spid="7"/>
+                                        </p:tgtEl>
+                                        <p:attrNameLst>
+                                          <p:attrName>style.visibility</p:attrName>
+                                        </p:attrNameLst>
+                                      </p:cBhvr>
+                                      <p:to>
+                                        <p:strVal val="visible"/>
+                                      </p:to>
+                                    </p:set>
+                                  </p:childTnLst>
+                                </p:cTn>
+                              </p:par>
+                            </p:childTnLst>
+                          </p:cTn>
+                        </p:par>
+                      </p:childTnLst>
+                    </p:cTn>
+                  </p:par>
+                  <p:par>
+                    <p:cTn id="7" fill="hold">
+                      <p:stCondLst>
+                        <p:cond delay="indefinite"/>
+                      </p:stCondLst>
+                      <p:childTnLst>
+                        <p:par>
+                          <p:cTn id="8" fill="hold">
+                            <p:stCondLst>
+                              <p:cond delay="0"/>
+                            </p:stCondLst>
+                            <p:childTnLst>
+                              <p:par>
+                                <p:cTn id="9" presetID="1" presetClass="entr" presetSubtype="0" fill="hold" nodeType="clickEffect">
+                                  <p:stCondLst>
+                                    <p:cond delay="0"/>
+                                  </p:stCondLst>
+                                  <p:childTnLst>
+                                    <p:set>
+                                      <p:cBhvr>
+                                        <p:cTn id="10" dur="1" fill="hold">
+                                          <p:stCondLst>
+                                            <p:cond delay="0"/>
+                                          </p:stCondLst>
+                                        </p:cTn>
+                                        <p:tgtEl>
+                                          <p:spTgt spid="9"/>
+                                        </p:tgtEl>
+                                        <p:attrNameLst>
+                                          <p:attrName>style.visibility</p:attrName>
+                                        </p:attrNameLst>
+                                      </p:cBhvr>
+                                      <p:to>
+                                        <p:strVal val="visible"/>
+                                      </p:to>
+                                    </p:set>
+                                  </p:childTnLst>
+                                </p:cTn>
+                              </p:par>
+                            </p:childTnLst>
+                          </p:cTn>
+                        </p:par>
+                      </p:childTnLst>
+                    </p:cTn>
+                  </p:par>
+                </p:childTnLst>
+              </p:cTn>
+              <p:prevCondLst>
+                <p:cond evt="onPrev" delay="0">
+                  <p:tgtEl>
+                    <p:sldTgt/>
+                  </p:tgtEl>
+                </p:cond>
+              </p:prevCondLst>
+              <p:nextCondLst>
+                <p:cond evt="onNext" delay="0">
+                  <p:tgtEl>
+                    <p:sldTgt/>
+                  </p:tgtEl>
+                </p:cond>
+              </p:nextCondLst>
+            </p:seq>
+          </p:childTnLst>
+        </p:cTn>
+      </p:par>
+    </p:tnLst>
+  </p:timing>
+</p:sld>
+</file>
+
+<file path=ppt/slides/slide4.xml><?xml version="1.0" encoding="utf-8"?>
+<p:sld xmlns:a="http://schemas.openxmlformats.org/drawingml/2006/main" xmlns:r="http://schemas.openxmlformats.org/officeDocument/2006/relationships" xmlns:p="http://schemas.openxmlformats.org/presentationml/2006/main">
+  <p:cSld>
+    <p:spTree>
+      <p:nvGrpSpPr>
+        <p:cNvPr id="1" name=""/>
+        <p:cNvGrpSpPr/>
+        <p:nvPr/>
+      </p:nvGrpSpPr>
+      <p:grpSpPr>
+        <a:xfrm>
+          <a:off x="0" y="0"/>
+          <a:ext cx="0" cy="0"/>
+          <a:chOff x="0" y="0"/>
+          <a:chExt cx="0" cy="0"/>
+        </a:xfrm>
+      </p:grpSpPr>
+      <p:pic>
+        <p:nvPicPr>
+          <p:cNvPr id="7" name="Picture 2" descr="Health Science Academy [licensed for non-commercial use only] / Section  26_1: Taxonomy">
+            <a:extLst>
+              <a:ext uri="{FF2B5EF4-FFF2-40B4-BE49-F238E27FC236}">
+                <a16:creationId xmlns:a16="http://schemas.microsoft.com/office/drawing/2014/main" id="{D7F6B748-113B-C48C-8480-5C22467DDE4C}"/>
               </a:ext>
             </a:extLst>
           </p:cNvPr>
@@ -3350,13 +5180,18 @@
         </p:blipFill>
         <p:spPr bwMode="auto">
           <a:xfrm>
-            <a:off x="5696420" y="1543507"/>
-            <a:ext cx="952500" cy="952500"/>
+            <a:off x="7866118" y="1702047"/>
+            <a:ext cx="3037108" cy="4724389"/>
           </a:xfrm>
           <a:prstGeom prst="rect">
             <a:avLst/>
           </a:prstGeom>
           <a:noFill/>
+          <a:ln>
+            <a:solidFill>
+              <a:schemeClr val="tx1"/>
+            </a:solidFill>
+          </a:ln>
           <a:extLst>
             <a:ext uri="{909E8E84-426E-40DD-AFC4-6F175D3DCCD1}">
               <a14:hiddenFill xmlns:a14="http://schemas.microsoft.com/office/drawing/2010/main">
@@ -3368,512 +5203,1612 @@
           </a:extLst>
         </p:spPr>
       </p:pic>
+      <p:sp>
+        <p:nvSpPr>
+          <p:cNvPr id="2" name="Title 1">
+            <a:extLst>
+              <a:ext uri="{FF2B5EF4-FFF2-40B4-BE49-F238E27FC236}">
+                <a16:creationId xmlns:a16="http://schemas.microsoft.com/office/drawing/2014/main" id="{E1357459-4B58-CFD1-00AE-970975C6E71D}"/>
+              </a:ext>
+            </a:extLst>
+          </p:cNvPr>
+          <p:cNvSpPr>
+            <a:spLocks noGrp="1"/>
+          </p:cNvSpPr>
+          <p:nvPr>
+            <p:ph type="title"/>
+          </p:nvPr>
+        </p:nvSpPr>
+        <p:spPr/>
+        <p:txBody>
+          <a:bodyPr>
+            <a:normAutofit fontScale="90000"/>
+          </a:bodyPr>
+          <a:lstStyle/>
+          <a:p>
+            <a:r>
+              <a:rPr lang="en-US" dirty="0"/>
+              <a:t>Implementing a Jagged Hierarchy in Power BI Desktop</a:t>
+            </a:r>
+          </a:p>
+        </p:txBody>
+      </p:sp>
       <p:pic>
         <p:nvPicPr>
-          <p:cNvPr id="1028" name="Picture 4">
-            <a:extLst>
-              <a:ext uri="{FF2B5EF4-FFF2-40B4-BE49-F238E27FC236}">
-                <a16:creationId xmlns:a16="http://schemas.microsoft.com/office/drawing/2014/main" id="{615CD4AC-AA77-5E01-66FC-555DCC23B3E8}"/>
+          <p:cNvPr id="5" name="Picture 4">
+            <a:extLst>
+              <a:ext uri="{FF2B5EF4-FFF2-40B4-BE49-F238E27FC236}">
+                <a16:creationId xmlns:a16="http://schemas.microsoft.com/office/drawing/2014/main" id="{C3E38FBA-9807-F873-A6FB-D603AD702297}"/>
               </a:ext>
             </a:extLst>
           </p:cNvPr>
           <p:cNvPicPr>
-            <a:picLocks noChangeAspect="1" noChangeArrowheads="1"/>
+            <a:picLocks noChangeAspect="1"/>
+          </p:cNvPicPr>
+          <p:nvPr/>
+        </p:nvPicPr>
+        <p:blipFill rotWithShape="1">
+          <a:blip r:embed="rId3"/>
+          <a:srcRect r="41321"/>
+          <a:stretch/>
+        </p:blipFill>
+        <p:spPr>
+          <a:xfrm>
+            <a:off x="380407" y="1060809"/>
+            <a:ext cx="6548713" cy="5515089"/>
+          </a:xfrm>
+          <a:prstGeom prst="rect">
+            <a:avLst/>
+          </a:prstGeom>
+          <a:ln>
+            <a:solidFill>
+              <a:schemeClr val="tx1"/>
+            </a:solidFill>
+          </a:ln>
+        </p:spPr>
+      </p:pic>
+      <p:grpSp>
+        <p:nvGrpSpPr>
+          <p:cNvPr id="12" name="Group 11">
+            <a:extLst>
+              <a:ext uri="{FF2B5EF4-FFF2-40B4-BE49-F238E27FC236}">
+                <a16:creationId xmlns:a16="http://schemas.microsoft.com/office/drawing/2014/main" id="{B08E247F-5675-C8F7-6D83-3DA7F1F7F0DC}"/>
+              </a:ext>
+            </a:extLst>
+          </p:cNvPr>
+          <p:cNvGrpSpPr/>
+          <p:nvPr/>
+        </p:nvGrpSpPr>
+        <p:grpSpPr>
+          <a:xfrm>
+            <a:off x="4485444" y="1077295"/>
+            <a:ext cx="6914739" cy="458462"/>
+            <a:chOff x="4485444" y="1077295"/>
+            <a:chExt cx="7266515" cy="481785"/>
+          </a:xfrm>
+        </p:grpSpPr>
+        <p:pic>
+          <p:nvPicPr>
+            <p:cNvPr id="9" name="Picture 8">
+              <a:extLst>
+                <a:ext uri="{FF2B5EF4-FFF2-40B4-BE49-F238E27FC236}">
+                  <a16:creationId xmlns:a16="http://schemas.microsoft.com/office/drawing/2014/main" id="{544111AA-3835-051C-6155-E7CA0C2FF6FD}"/>
+                </a:ext>
+              </a:extLst>
+            </p:cNvPr>
+            <p:cNvPicPr>
+              <a:picLocks noChangeAspect="1"/>
+            </p:cNvPicPr>
+            <p:nvPr/>
+          </p:nvPicPr>
+          <p:blipFill>
+            <a:blip r:embed="rId4"/>
+            <a:stretch>
+              <a:fillRect/>
+            </a:stretch>
+          </p:blipFill>
+          <p:spPr>
+            <a:xfrm>
+              <a:off x="7293409" y="1077295"/>
+              <a:ext cx="4458550" cy="481785"/>
+            </a:xfrm>
+            <a:prstGeom prst="rect">
+              <a:avLst/>
+            </a:prstGeom>
+            <a:ln>
+              <a:solidFill>
+                <a:schemeClr val="tx1"/>
+              </a:solidFill>
+            </a:ln>
+          </p:spPr>
+        </p:pic>
+        <p:cxnSp>
+          <p:nvCxnSpPr>
+            <p:cNvPr id="11" name="Straight Arrow Connector 10">
+              <a:extLst>
+                <a:ext uri="{FF2B5EF4-FFF2-40B4-BE49-F238E27FC236}">
+                  <a16:creationId xmlns:a16="http://schemas.microsoft.com/office/drawing/2014/main" id="{9F164FAC-32E4-2C26-229A-13E3F81CFD8B}"/>
+                </a:ext>
+              </a:extLst>
+            </p:cNvPr>
+            <p:cNvCxnSpPr/>
+            <p:nvPr/>
+          </p:nvCxnSpPr>
+          <p:spPr>
+            <a:xfrm flipH="1">
+              <a:off x="4485444" y="1196566"/>
+              <a:ext cx="2712030" cy="0"/>
+            </a:xfrm>
+            <a:prstGeom prst="straightConnector1">
+              <a:avLst/>
+            </a:prstGeom>
+            <a:ln w="28575">
+              <a:solidFill>
+                <a:srgbClr val="C00000"/>
+              </a:solidFill>
+              <a:prstDash val="sysDot"/>
+              <a:tailEnd type="triangle"/>
+            </a:ln>
+          </p:spPr>
+          <p:style>
+            <a:lnRef idx="1">
+              <a:schemeClr val="accent1"/>
+            </a:lnRef>
+            <a:fillRef idx="0">
+              <a:schemeClr val="accent1"/>
+            </a:fillRef>
+            <a:effectRef idx="0">
+              <a:schemeClr val="accent1"/>
+            </a:effectRef>
+            <a:fontRef idx="minor">
+              <a:schemeClr val="tx1"/>
+            </a:fontRef>
+          </p:style>
+        </p:cxnSp>
+      </p:grpSp>
+      <p:pic>
+        <p:nvPicPr>
+          <p:cNvPr id="6" name="Picture 5">
+            <a:extLst>
+              <a:ext uri="{FF2B5EF4-FFF2-40B4-BE49-F238E27FC236}">
+                <a16:creationId xmlns:a16="http://schemas.microsoft.com/office/drawing/2014/main" id="{A7C0590D-F106-E1B6-7EB4-114D31BA53A5}"/>
+              </a:ext>
+            </a:extLst>
+          </p:cNvPr>
+          <p:cNvPicPr>
+            <a:picLocks noChangeAspect="1"/>
           </p:cNvPicPr>
           <p:nvPr/>
         </p:nvPicPr>
         <p:blipFill>
-          <a:blip r:embed="rId3">
-            <a:extLst>
-              <a:ext uri="{28A0092B-C50C-407E-A947-70E740481C1C}">
-                <a14:useLocalDpi xmlns:a14="http://schemas.microsoft.com/office/drawing/2010/main" val="0"/>
-              </a:ext>
-            </a:extLst>
-          </a:blip>
-          <a:srcRect/>
+          <a:blip r:embed="rId3"/>
           <a:stretch>
             <a:fillRect/>
           </a:stretch>
         </p:blipFill>
-        <p:spPr bwMode="auto">
+        <p:spPr>
           <a:xfrm>
-            <a:off x="1821699" y="1543507"/>
-            <a:ext cx="952500" cy="952500"/>
+            <a:off x="330711" y="1060808"/>
+            <a:ext cx="11160298" cy="5515089"/>
           </a:xfrm>
           <a:prstGeom prst="rect">
             <a:avLst/>
           </a:prstGeom>
-          <a:noFill/>
-          <a:extLst>
-            <a:ext uri="{909E8E84-426E-40DD-AFC4-6F175D3DCCD1}">
-              <a14:hiddenFill xmlns:a14="http://schemas.microsoft.com/office/drawing/2010/main">
-                <a:solidFill>
-                  <a:srgbClr val="FFFFFF"/>
-                </a:solidFill>
-              </a14:hiddenFill>
-            </a:ext>
-          </a:extLst>
+          <a:ln>
+            <a:solidFill>
+              <a:schemeClr val="tx1"/>
+            </a:solidFill>
+          </a:ln>
         </p:spPr>
       </p:pic>
-      <p:pic>
-        <p:nvPicPr>
-          <p:cNvPr id="1030" name="Picture 6">
-            <a:extLst>
-              <a:ext uri="{FF2B5EF4-FFF2-40B4-BE49-F238E27FC236}">
-                <a16:creationId xmlns:a16="http://schemas.microsoft.com/office/drawing/2014/main" id="{494A9694-ED99-7530-BAA1-DA9CCF07F60F}"/>
-              </a:ext>
-            </a:extLst>
-          </p:cNvPr>
-          <p:cNvPicPr>
-            <a:picLocks noChangeAspect="1" noChangeArrowheads="1"/>
-          </p:cNvPicPr>
-          <p:nvPr/>
-        </p:nvPicPr>
-        <p:blipFill>
-          <a:blip r:embed="rId4">
-            <a:extLst>
-              <a:ext uri="{28A0092B-C50C-407E-A947-70E740481C1C}">
-                <a14:useLocalDpi xmlns:a14="http://schemas.microsoft.com/office/drawing/2010/main" val="0"/>
-              </a:ext>
-            </a:extLst>
-          </a:blip>
-          <a:srcRect/>
-          <a:stretch>
-            <a:fillRect/>
-          </a:stretch>
-        </p:blipFill>
-        <p:spPr bwMode="auto">
-          <a:xfrm>
-            <a:off x="4501575" y="1543507"/>
-            <a:ext cx="952500" cy="952500"/>
-          </a:xfrm>
-          <a:prstGeom prst="rect">
-            <a:avLst/>
-          </a:prstGeom>
-          <a:noFill/>
-          <a:extLst>
-            <a:ext uri="{909E8E84-426E-40DD-AFC4-6F175D3DCCD1}">
-              <a14:hiddenFill xmlns:a14="http://schemas.microsoft.com/office/drawing/2010/main">
-                <a:solidFill>
-                  <a:srgbClr val="FFFFFF"/>
-                </a:solidFill>
-              </a14:hiddenFill>
-            </a:ext>
-          </a:extLst>
-        </p:spPr>
-      </p:pic>
-      <p:pic>
-        <p:nvPicPr>
-          <p:cNvPr id="1032" name="Picture 8">
-            <a:extLst>
-              <a:ext uri="{FF2B5EF4-FFF2-40B4-BE49-F238E27FC236}">
-                <a16:creationId xmlns:a16="http://schemas.microsoft.com/office/drawing/2014/main" id="{10262A9E-48B3-C0A1-FF6F-AC283E5B6120}"/>
-              </a:ext>
-            </a:extLst>
-          </p:cNvPr>
-          <p:cNvPicPr>
-            <a:picLocks noChangeAspect="1" noChangeArrowheads="1"/>
-          </p:cNvPicPr>
-          <p:nvPr/>
-        </p:nvPicPr>
-        <p:blipFill>
-          <a:blip r:embed="rId5">
-            <a:extLst>
-              <a:ext uri="{28A0092B-C50C-407E-A947-70E740481C1C}">
-                <a14:useLocalDpi xmlns:a14="http://schemas.microsoft.com/office/drawing/2010/main" val="0"/>
-              </a:ext>
-            </a:extLst>
-          </a:blip>
-          <a:srcRect/>
-          <a:stretch>
-            <a:fillRect/>
-          </a:stretch>
-        </p:blipFill>
-        <p:spPr bwMode="auto">
-          <a:xfrm>
-            <a:off x="3306730" y="1492131"/>
-            <a:ext cx="952500" cy="952500"/>
-          </a:xfrm>
-          <a:prstGeom prst="rect">
-            <a:avLst/>
-          </a:prstGeom>
-          <a:noFill/>
-          <a:extLst>
-            <a:ext uri="{909E8E84-426E-40DD-AFC4-6F175D3DCCD1}">
-              <a14:hiddenFill xmlns:a14="http://schemas.microsoft.com/office/drawing/2010/main">
-                <a:solidFill>
-                  <a:srgbClr val="FFFFFF"/>
-                </a:solidFill>
-              </a14:hiddenFill>
-            </a:ext>
-          </a:extLst>
-        </p:spPr>
-      </p:pic>
-      <p:sp>
-        <p:nvSpPr>
-          <p:cNvPr id="5" name="TextBox 4">
-            <a:extLst>
-              <a:ext uri="{FF2B5EF4-FFF2-40B4-BE49-F238E27FC236}">
-                <a16:creationId xmlns:a16="http://schemas.microsoft.com/office/drawing/2014/main" id="{47DE51E6-2280-27AD-B027-D2FCCA0FD47D}"/>
-              </a:ext>
-            </a:extLst>
-          </p:cNvPr>
-          <p:cNvSpPr txBox="1"/>
-          <p:nvPr/>
-        </p:nvSpPr>
-        <p:spPr>
-          <a:xfrm>
-            <a:off x="3047189" y="2967335"/>
-            <a:ext cx="6094378" cy="923330"/>
-          </a:xfrm>
-          <a:prstGeom prst="rect">
-            <a:avLst/>
-          </a:prstGeom>
-          <a:noFill/>
-        </p:spPr>
-        <p:txBody>
-          <a:bodyPr wrap="square">
-            <a:spAutoFit/>
-          </a:bodyPr>
-          <a:lstStyle/>
-          <a:p>
-            <a:r>
-              <a:rPr lang="en-US" b="0" i="0" dirty="0">
-                <a:solidFill>
-                  <a:srgbClr val="000000"/>
-                </a:solidFill>
-                <a:effectLst/>
-                <a:latin typeface="Arial" panose="020B0604020202020204" pitchFamily="34" charset="0"/>
-              </a:rPr>
-              <a:t>ABBA in 1974 (from left)</a:t>
-            </a:r>
-            <a:br>
-              <a:rPr lang="en-US" dirty="0"/>
-            </a:br>
-            <a:r>
-              <a:rPr lang="en-US" b="0" i="0" u="none" strike="noStrike" dirty="0">
-                <a:solidFill>
-                  <a:srgbClr val="3366CC"/>
-                </a:solidFill>
-                <a:effectLst/>
-                <a:latin typeface="Arial" panose="020B0604020202020204" pitchFamily="34" charset="0"/>
-                <a:hlinkClick r:id="rId6" tooltip="Benny Andersson"/>
-              </a:rPr>
-              <a:t>Benny Andersson</a:t>
-            </a:r>
-            <a:r>
-              <a:rPr lang="en-US" b="0" i="0" dirty="0">
-                <a:solidFill>
-                  <a:srgbClr val="000000"/>
-                </a:solidFill>
-                <a:effectLst/>
-                <a:latin typeface="Arial" panose="020B0604020202020204" pitchFamily="34" charset="0"/>
-              </a:rPr>
-              <a:t>, </a:t>
-            </a:r>
-            <a:r>
-              <a:rPr lang="en-US" b="0" i="0" u="none" strike="noStrike" dirty="0">
-                <a:solidFill>
-                  <a:srgbClr val="3366CC"/>
-                </a:solidFill>
-                <a:effectLst/>
-                <a:latin typeface="Arial" panose="020B0604020202020204" pitchFamily="34" charset="0"/>
-                <a:hlinkClick r:id="rId7" tooltip="Anni-Frid Lyngstad"/>
-              </a:rPr>
-              <a:t>Anni-</a:t>
-            </a:r>
-            <a:r>
-              <a:rPr lang="en-US" b="0" i="0" u="none" strike="noStrike" dirty="0" err="1">
-                <a:solidFill>
-                  <a:srgbClr val="3366CC"/>
-                </a:solidFill>
-                <a:effectLst/>
-                <a:latin typeface="Arial" panose="020B0604020202020204" pitchFamily="34" charset="0"/>
-                <a:hlinkClick r:id="rId7" tooltip="Anni-Frid Lyngstad"/>
-              </a:rPr>
-              <a:t>Frid</a:t>
-            </a:r>
-            <a:r>
-              <a:rPr lang="en-US" b="0" i="0" u="none" strike="noStrike" dirty="0">
-                <a:solidFill>
-                  <a:srgbClr val="3366CC"/>
-                </a:solidFill>
-                <a:effectLst/>
-                <a:latin typeface="Arial" panose="020B0604020202020204" pitchFamily="34" charset="0"/>
-                <a:hlinkClick r:id="rId7" tooltip="Anni-Frid Lyngstad"/>
-              </a:rPr>
-              <a:t> Lyngstad</a:t>
-            </a:r>
-            <a:r>
-              <a:rPr lang="en-US" b="0" i="0" dirty="0">
-                <a:solidFill>
-                  <a:srgbClr val="000000"/>
-                </a:solidFill>
-                <a:effectLst/>
-                <a:latin typeface="Arial" panose="020B0604020202020204" pitchFamily="34" charset="0"/>
-              </a:rPr>
-              <a:t> (Frida),</a:t>
-            </a:r>
-            <a:br>
-              <a:rPr lang="en-US" dirty="0"/>
-            </a:br>
-            <a:r>
-              <a:rPr lang="en-US" b="0" i="0" u="none" strike="noStrike" dirty="0">
-                <a:solidFill>
-                  <a:srgbClr val="3366CC"/>
-                </a:solidFill>
-                <a:effectLst/>
-                <a:latin typeface="Arial" panose="020B0604020202020204" pitchFamily="34" charset="0"/>
-                <a:hlinkClick r:id="rId8" tooltip="Agnetha Fältskog"/>
-              </a:rPr>
-              <a:t>Agnetha Fältskog</a:t>
-            </a:r>
-            <a:r>
-              <a:rPr lang="en-US" b="0" i="0" dirty="0">
-                <a:solidFill>
-                  <a:srgbClr val="000000"/>
-                </a:solidFill>
-                <a:effectLst/>
-                <a:latin typeface="Arial" panose="020B0604020202020204" pitchFamily="34" charset="0"/>
-              </a:rPr>
-              <a:t>, and </a:t>
-            </a:r>
-            <a:r>
-              <a:rPr lang="en-US" b="0" i="0" u="none" strike="noStrike" dirty="0">
-                <a:solidFill>
-                  <a:srgbClr val="3366CC"/>
-                </a:solidFill>
-                <a:effectLst/>
-                <a:latin typeface="Arial" panose="020B0604020202020204" pitchFamily="34" charset="0"/>
-                <a:hlinkClick r:id="rId9" tooltip="Björn Ulvaeus"/>
-              </a:rPr>
-              <a:t>Björn Ulvaeus</a:t>
-            </a:r>
-            <a:endParaRPr lang="en-US" dirty="0"/>
-          </a:p>
-        </p:txBody>
-      </p:sp>
-      <p:pic>
-        <p:nvPicPr>
-          <p:cNvPr id="1034" name="Picture 10" descr="ABBA in 1974 (from left) Benny Andersson, Anni-Frid Lyngstad (Frida), Agnetha Fältskog, and Björn Ulvaeus">
-            <a:extLst>
-              <a:ext uri="{FF2B5EF4-FFF2-40B4-BE49-F238E27FC236}">
-                <a16:creationId xmlns:a16="http://schemas.microsoft.com/office/drawing/2014/main" id="{954C23D0-4977-70D4-B246-A9F88F8710DE}"/>
-              </a:ext>
-            </a:extLst>
-          </p:cNvPr>
-          <p:cNvPicPr>
-            <a:picLocks noChangeAspect="1" noChangeArrowheads="1"/>
-          </p:cNvPicPr>
-          <p:nvPr/>
-        </p:nvPicPr>
-        <p:blipFill>
-          <a:blip r:embed="rId10">
-            <a:extLst>
-              <a:ext uri="{28A0092B-C50C-407E-A947-70E740481C1C}">
-                <a14:useLocalDpi xmlns:a14="http://schemas.microsoft.com/office/drawing/2010/main" val="0"/>
-              </a:ext>
-            </a:extLst>
-          </a:blip>
-          <a:srcRect/>
-          <a:stretch>
-            <a:fillRect/>
-          </a:stretch>
-        </p:blipFill>
-        <p:spPr bwMode="auto">
-          <a:xfrm>
-            <a:off x="3215700" y="4197145"/>
-            <a:ext cx="2238375" cy="1905000"/>
-          </a:xfrm>
-          <a:prstGeom prst="rect">
-            <a:avLst/>
-          </a:prstGeom>
-          <a:noFill/>
-          <a:extLst>
-            <a:ext uri="{909E8E84-426E-40DD-AFC4-6F175D3DCCD1}">
-              <a14:hiddenFill xmlns:a14="http://schemas.microsoft.com/office/drawing/2010/main">
-                <a:solidFill>
-                  <a:srgbClr val="FFFFFF"/>
-                </a:solidFill>
-              </a14:hiddenFill>
-            </a:ext>
-          </a:extLst>
-        </p:spPr>
-      </p:pic>
-      <p:sp>
-        <p:nvSpPr>
-          <p:cNvPr id="6" name="TextBox 5">
-            <a:extLst>
-              <a:ext uri="{FF2B5EF4-FFF2-40B4-BE49-F238E27FC236}">
-                <a16:creationId xmlns:a16="http://schemas.microsoft.com/office/drawing/2014/main" id="{EDC01231-E7D3-2516-2A6F-8FF51C0522EF}"/>
-              </a:ext>
-            </a:extLst>
-          </p:cNvPr>
-          <p:cNvSpPr txBox="1"/>
-          <p:nvPr/>
-        </p:nvSpPr>
-        <p:spPr>
-          <a:xfrm>
-            <a:off x="1821699" y="1020287"/>
-            <a:ext cx="873957" cy="523220"/>
-          </a:xfrm>
-          <a:prstGeom prst="rect">
-            <a:avLst/>
-          </a:prstGeom>
-          <a:noFill/>
-        </p:spPr>
-        <p:txBody>
-          <a:bodyPr wrap="none" rtlCol="0">
-            <a:spAutoFit/>
-          </a:bodyPr>
-          <a:lstStyle/>
-          <a:p>
-            <a:r>
-              <a:rPr lang="en-US" sz="2800" dirty="0"/>
-              <a:t>A</a:t>
-            </a:r>
-            <a:r>
-              <a:rPr lang="en-US" sz="1200" dirty="0"/>
-              <a:t>nni-</a:t>
-            </a:r>
-            <a:r>
-              <a:rPr lang="en-US" sz="1200" dirty="0" err="1"/>
-              <a:t>Frid</a:t>
-            </a:r>
-            <a:endParaRPr lang="en-US" dirty="0"/>
-          </a:p>
-        </p:txBody>
-      </p:sp>
-      <p:sp>
-        <p:nvSpPr>
-          <p:cNvPr id="7" name="TextBox 6">
-            <a:extLst>
-              <a:ext uri="{FF2B5EF4-FFF2-40B4-BE49-F238E27FC236}">
-                <a16:creationId xmlns:a16="http://schemas.microsoft.com/office/drawing/2014/main" id="{8E4F81E8-A23A-8B9D-4830-7EAF305933E4}"/>
-              </a:ext>
-            </a:extLst>
-          </p:cNvPr>
-          <p:cNvSpPr txBox="1"/>
-          <p:nvPr/>
-        </p:nvSpPr>
-        <p:spPr>
-          <a:xfrm>
-            <a:off x="3248026" y="1020287"/>
-            <a:ext cx="683520" cy="523220"/>
-          </a:xfrm>
-          <a:prstGeom prst="rect">
-            <a:avLst/>
-          </a:prstGeom>
-          <a:noFill/>
-        </p:spPr>
-        <p:txBody>
-          <a:bodyPr wrap="none" rtlCol="0">
-            <a:spAutoFit/>
-          </a:bodyPr>
-          <a:lstStyle/>
-          <a:p>
-            <a:r>
-              <a:rPr lang="en-US" sz="2800" dirty="0"/>
-              <a:t>B</a:t>
-            </a:r>
-            <a:r>
-              <a:rPr lang="en-US" sz="1200" dirty="0"/>
-              <a:t>enny</a:t>
-            </a:r>
-            <a:endParaRPr lang="en-US" dirty="0"/>
-          </a:p>
-        </p:txBody>
-      </p:sp>
-      <p:sp>
-        <p:nvSpPr>
-          <p:cNvPr id="8" name="TextBox 7">
-            <a:extLst>
-              <a:ext uri="{FF2B5EF4-FFF2-40B4-BE49-F238E27FC236}">
-                <a16:creationId xmlns:a16="http://schemas.microsoft.com/office/drawing/2014/main" id="{7D7C86AA-6CFC-D5AA-5F15-1D0A4720A112}"/>
-              </a:ext>
-            </a:extLst>
-          </p:cNvPr>
-          <p:cNvSpPr txBox="1"/>
-          <p:nvPr/>
-        </p:nvSpPr>
-        <p:spPr>
-          <a:xfrm>
-            <a:off x="4470730" y="1020287"/>
-            <a:ext cx="631904" cy="523220"/>
-          </a:xfrm>
-          <a:prstGeom prst="rect">
-            <a:avLst/>
-          </a:prstGeom>
-          <a:noFill/>
-        </p:spPr>
-        <p:txBody>
-          <a:bodyPr wrap="none" rtlCol="0">
-            <a:spAutoFit/>
-          </a:bodyPr>
-          <a:lstStyle/>
-          <a:p>
-            <a:r>
-              <a:rPr lang="en-US" sz="2800" dirty="0"/>
-              <a:t>B</a:t>
-            </a:r>
-            <a:r>
-              <a:rPr lang="en-US" sz="1200" dirty="0"/>
-              <a:t>jörn</a:t>
-            </a:r>
-            <a:endParaRPr lang="en-US" dirty="0"/>
-          </a:p>
-        </p:txBody>
-      </p:sp>
-      <p:sp>
-        <p:nvSpPr>
-          <p:cNvPr id="9" name="TextBox 8">
-            <a:extLst>
-              <a:ext uri="{FF2B5EF4-FFF2-40B4-BE49-F238E27FC236}">
-                <a16:creationId xmlns:a16="http://schemas.microsoft.com/office/drawing/2014/main" id="{9AF4AF5D-A994-ECA7-22C5-337FA0ED908F}"/>
-              </a:ext>
-            </a:extLst>
-          </p:cNvPr>
-          <p:cNvSpPr txBox="1"/>
-          <p:nvPr/>
-        </p:nvSpPr>
-        <p:spPr>
-          <a:xfrm>
-            <a:off x="5641818" y="1072179"/>
-            <a:ext cx="826637" cy="523220"/>
-          </a:xfrm>
-          <a:prstGeom prst="rect">
-            <a:avLst/>
-          </a:prstGeom>
-          <a:noFill/>
-        </p:spPr>
-        <p:txBody>
-          <a:bodyPr wrap="none" rtlCol="0">
-            <a:spAutoFit/>
-          </a:bodyPr>
-          <a:lstStyle/>
-          <a:p>
-            <a:r>
-              <a:rPr lang="en-US" sz="2800" dirty="0"/>
-              <a:t>A</a:t>
-            </a:r>
-            <a:r>
-              <a:rPr lang="en-US" sz="1200" dirty="0"/>
-              <a:t>gnetha</a:t>
-            </a:r>
-            <a:endParaRPr lang="en-US" dirty="0"/>
-          </a:p>
-        </p:txBody>
-      </p:sp>
     </p:spTree>
     <p:extLst>
       <p:ext uri="{BB962C8B-B14F-4D97-AF65-F5344CB8AC3E}">
-        <p14:creationId xmlns:p14="http://schemas.microsoft.com/office/powerpoint/2010/main" val="4147769905"/>
+        <p14:creationId xmlns:p14="http://schemas.microsoft.com/office/powerpoint/2010/main" val="2545416393"/>
       </p:ext>
     </p:extLst>
   </p:cSld>
   <p:clrMapOvr>
     <a:masterClrMapping/>
   </p:clrMapOvr>
+  <p:transition>
+    <p:fade/>
+  </p:transition>
+  <p:timing>
+    <p:tnLst>
+      <p:par>
+        <p:cTn id="1" dur="indefinite" restart="never" nodeType="tmRoot">
+          <p:childTnLst>
+            <p:seq concurrent="1" nextAc="seek">
+              <p:cTn id="2" dur="indefinite" nodeType="mainSeq">
+                <p:childTnLst>
+                  <p:par>
+                    <p:cTn id="3" fill="hold">
+                      <p:stCondLst>
+                        <p:cond delay="indefinite"/>
+                      </p:stCondLst>
+                      <p:childTnLst>
+                        <p:par>
+                          <p:cTn id="4" fill="hold">
+                            <p:stCondLst>
+                              <p:cond delay="0"/>
+                            </p:stCondLst>
+                            <p:childTnLst>
+                              <p:par>
+                                <p:cTn id="5" presetID="1" presetClass="entr" presetSubtype="0" fill="hold" nodeType="clickEffect">
+                                  <p:stCondLst>
+                                    <p:cond delay="0"/>
+                                  </p:stCondLst>
+                                  <p:childTnLst>
+                                    <p:set>
+                                      <p:cBhvr>
+                                        <p:cTn id="6" dur="1" fill="hold">
+                                          <p:stCondLst>
+                                            <p:cond delay="0"/>
+                                          </p:stCondLst>
+                                        </p:cTn>
+                                        <p:tgtEl>
+                                          <p:spTgt spid="12"/>
+                                        </p:tgtEl>
+                                        <p:attrNameLst>
+                                          <p:attrName>style.visibility</p:attrName>
+                                        </p:attrNameLst>
+                                      </p:cBhvr>
+                                      <p:to>
+                                        <p:strVal val="visible"/>
+                                      </p:to>
+                                    </p:set>
+                                  </p:childTnLst>
+                                </p:cTn>
+                              </p:par>
+                            </p:childTnLst>
+                          </p:cTn>
+                        </p:par>
+                      </p:childTnLst>
+                    </p:cTn>
+                  </p:par>
+                  <p:par>
+                    <p:cTn id="7" fill="hold">
+                      <p:stCondLst>
+                        <p:cond delay="indefinite"/>
+                      </p:stCondLst>
+                      <p:childTnLst>
+                        <p:par>
+                          <p:cTn id="8" fill="hold">
+                            <p:stCondLst>
+                              <p:cond delay="0"/>
+                            </p:stCondLst>
+                            <p:childTnLst>
+                              <p:par>
+                                <p:cTn id="9" presetID="1" presetClass="entr" presetSubtype="0" fill="hold" nodeType="clickEffect">
+                                  <p:stCondLst>
+                                    <p:cond delay="0"/>
+                                  </p:stCondLst>
+                                  <p:childTnLst>
+                                    <p:set>
+                                      <p:cBhvr>
+                                        <p:cTn id="10" dur="1" fill="hold">
+                                          <p:stCondLst>
+                                            <p:cond delay="0"/>
+                                          </p:stCondLst>
+                                        </p:cTn>
+                                        <p:tgtEl>
+                                          <p:spTgt spid="7"/>
+                                        </p:tgtEl>
+                                        <p:attrNameLst>
+                                          <p:attrName>style.visibility</p:attrName>
+                                        </p:attrNameLst>
+                                      </p:cBhvr>
+                                      <p:to>
+                                        <p:strVal val="visible"/>
+                                      </p:to>
+                                    </p:set>
+                                  </p:childTnLst>
+                                </p:cTn>
+                              </p:par>
+                            </p:childTnLst>
+                          </p:cTn>
+                        </p:par>
+                      </p:childTnLst>
+                    </p:cTn>
+                  </p:par>
+                  <p:par>
+                    <p:cTn id="11" fill="hold">
+                      <p:stCondLst>
+                        <p:cond delay="indefinite"/>
+                      </p:stCondLst>
+                      <p:childTnLst>
+                        <p:par>
+                          <p:cTn id="12" fill="hold">
+                            <p:stCondLst>
+                              <p:cond delay="0"/>
+                            </p:stCondLst>
+                            <p:childTnLst>
+                              <p:par>
+                                <p:cTn id="13" presetID="1" presetClass="entr" presetSubtype="0" fill="hold" nodeType="clickEffect">
+                                  <p:stCondLst>
+                                    <p:cond delay="0"/>
+                                  </p:stCondLst>
+                                  <p:childTnLst>
+                                    <p:set>
+                                      <p:cBhvr>
+                                        <p:cTn id="14" dur="1" fill="hold">
+                                          <p:stCondLst>
+                                            <p:cond delay="0"/>
+                                          </p:stCondLst>
+                                        </p:cTn>
+                                        <p:tgtEl>
+                                          <p:spTgt spid="6"/>
+                                        </p:tgtEl>
+                                        <p:attrNameLst>
+                                          <p:attrName>style.visibility</p:attrName>
+                                        </p:attrNameLst>
+                                      </p:cBhvr>
+                                      <p:to>
+                                        <p:strVal val="visible"/>
+                                      </p:to>
+                                    </p:set>
+                                  </p:childTnLst>
+                                </p:cTn>
+                              </p:par>
+                            </p:childTnLst>
+                          </p:cTn>
+                        </p:par>
+                      </p:childTnLst>
+                    </p:cTn>
+                  </p:par>
+                </p:childTnLst>
+              </p:cTn>
+              <p:prevCondLst>
+                <p:cond evt="onPrev" delay="0">
+                  <p:tgtEl>
+                    <p:sldTgt/>
+                  </p:tgtEl>
+                </p:cond>
+              </p:prevCondLst>
+              <p:nextCondLst>
+                <p:cond evt="onNext" delay="0">
+                  <p:tgtEl>
+                    <p:sldTgt/>
+                  </p:tgtEl>
+                </p:cond>
+              </p:nextCondLst>
+            </p:seq>
+          </p:childTnLst>
+        </p:cTn>
+      </p:par>
+    </p:tnLst>
+  </p:timing>
+</p:sld>
+</file>
+
+<file path=ppt/slides/slide5.xml><?xml version="1.0" encoding="utf-8"?>
+<p:sld xmlns:a="http://schemas.openxmlformats.org/drawingml/2006/main" xmlns:r="http://schemas.openxmlformats.org/officeDocument/2006/relationships" xmlns:p="http://schemas.openxmlformats.org/presentationml/2006/main">
+  <p:cSld>
+    <p:spTree>
+      <p:nvGrpSpPr>
+        <p:cNvPr id="1" name=""/>
+        <p:cNvGrpSpPr/>
+        <p:nvPr/>
+      </p:nvGrpSpPr>
+      <p:grpSpPr>
+        <a:xfrm>
+          <a:off x="0" y="0"/>
+          <a:ext cx="0" cy="0"/>
+          <a:chOff x="0" y="0"/>
+          <a:chExt cx="0" cy="0"/>
+        </a:xfrm>
+      </p:grpSpPr>
+      <p:sp>
+        <p:nvSpPr>
+          <p:cNvPr id="2" name="Title 1">
+            <a:extLst>
+              <a:ext uri="{FF2B5EF4-FFF2-40B4-BE49-F238E27FC236}">
+                <a16:creationId xmlns:a16="http://schemas.microsoft.com/office/drawing/2014/main" id="{2C05C15B-85D2-F668-5CC8-8A1A07A4B931}"/>
+              </a:ext>
+            </a:extLst>
+          </p:cNvPr>
+          <p:cNvSpPr>
+            <a:spLocks noGrp="1"/>
+          </p:cNvSpPr>
+          <p:nvPr>
+            <p:ph type="title"/>
+          </p:nvPr>
+        </p:nvSpPr>
+        <p:spPr/>
+        <p:txBody>
+          <a:bodyPr>
+            <a:normAutofit fontScale="90000"/>
+          </a:bodyPr>
+          <a:lstStyle/>
+          <a:p>
+            <a:r>
+              <a:rPr lang="en-US" dirty="0"/>
+              <a:t>Sorting within Hierarchy Levels</a:t>
+            </a:r>
+          </a:p>
+        </p:txBody>
+      </p:sp>
+      <p:pic>
+        <p:nvPicPr>
+          <p:cNvPr id="5" name="Picture 4">
+            <a:extLst>
+              <a:ext uri="{FF2B5EF4-FFF2-40B4-BE49-F238E27FC236}">
+                <a16:creationId xmlns:a16="http://schemas.microsoft.com/office/drawing/2014/main" id="{C259301D-D50B-5BA0-02C2-051F064EFEA5}"/>
+              </a:ext>
+            </a:extLst>
+          </p:cNvPr>
+          <p:cNvPicPr>
+            <a:picLocks noChangeAspect="1"/>
+          </p:cNvPicPr>
+          <p:nvPr/>
+        </p:nvPicPr>
+        <p:blipFill>
+          <a:blip r:embed="rId2"/>
+          <a:stretch>
+            <a:fillRect/>
+          </a:stretch>
+        </p:blipFill>
+        <p:spPr>
+          <a:xfrm>
+            <a:off x="1063694" y="1011770"/>
+            <a:ext cx="5220592" cy="4076101"/>
+          </a:xfrm>
+          <a:prstGeom prst="rect">
+            <a:avLst/>
+          </a:prstGeom>
+          <a:ln>
+            <a:solidFill>
+              <a:schemeClr val="tx1"/>
+            </a:solidFill>
+          </a:ln>
+        </p:spPr>
+      </p:pic>
+      <p:pic>
+        <p:nvPicPr>
+          <p:cNvPr id="7" name="Picture 6">
+            <a:extLst>
+              <a:ext uri="{FF2B5EF4-FFF2-40B4-BE49-F238E27FC236}">
+                <a16:creationId xmlns:a16="http://schemas.microsoft.com/office/drawing/2014/main" id="{07FB958F-DD0D-255F-C41E-0DAF3D184D51}"/>
+              </a:ext>
+            </a:extLst>
+          </p:cNvPr>
+          <p:cNvPicPr>
+            <a:picLocks noChangeAspect="1"/>
+          </p:cNvPicPr>
+          <p:nvPr/>
+        </p:nvPicPr>
+        <p:blipFill>
+          <a:blip r:embed="rId3"/>
+          <a:stretch>
+            <a:fillRect/>
+          </a:stretch>
+        </p:blipFill>
+        <p:spPr>
+          <a:xfrm>
+            <a:off x="8290801" y="1011770"/>
+            <a:ext cx="1937004" cy="4015740"/>
+          </a:xfrm>
+          <a:prstGeom prst="rect">
+            <a:avLst/>
+          </a:prstGeom>
+          <a:ln>
+            <a:solidFill>
+              <a:schemeClr val="tx1"/>
+            </a:solidFill>
+          </a:ln>
+        </p:spPr>
+      </p:pic>
+      <p:pic>
+        <p:nvPicPr>
+          <p:cNvPr id="9" name="Picture 8">
+            <a:extLst>
+              <a:ext uri="{FF2B5EF4-FFF2-40B4-BE49-F238E27FC236}">
+                <a16:creationId xmlns:a16="http://schemas.microsoft.com/office/drawing/2014/main" id="{3CEFDC1B-5457-EAFF-939C-95FA4CEF3FCE}"/>
+              </a:ext>
+            </a:extLst>
+          </p:cNvPr>
+          <p:cNvPicPr>
+            <a:picLocks noChangeAspect="1"/>
+          </p:cNvPicPr>
+          <p:nvPr/>
+        </p:nvPicPr>
+        <p:blipFill>
+          <a:blip r:embed="rId4"/>
+          <a:stretch>
+            <a:fillRect/>
+          </a:stretch>
+        </p:blipFill>
+        <p:spPr>
+          <a:xfrm>
+            <a:off x="6466679" y="1011770"/>
+            <a:ext cx="1641729" cy="1458659"/>
+          </a:xfrm>
+          <a:prstGeom prst="rect">
+            <a:avLst/>
+          </a:prstGeom>
+          <a:ln>
+            <a:solidFill>
+              <a:schemeClr val="tx1"/>
+            </a:solidFill>
+          </a:ln>
+        </p:spPr>
+      </p:pic>
+      <p:pic>
+        <p:nvPicPr>
+          <p:cNvPr id="11" name="Picture 10">
+            <a:extLst>
+              <a:ext uri="{FF2B5EF4-FFF2-40B4-BE49-F238E27FC236}">
+                <a16:creationId xmlns:a16="http://schemas.microsoft.com/office/drawing/2014/main" id="{611103EC-1886-696E-ED62-D53CB5FA747A}"/>
+              </a:ext>
+            </a:extLst>
+          </p:cNvPr>
+          <p:cNvPicPr>
+            <a:picLocks noChangeAspect="1"/>
+          </p:cNvPicPr>
+          <p:nvPr/>
+        </p:nvPicPr>
+        <p:blipFill>
+          <a:blip r:embed="rId5"/>
+          <a:stretch>
+            <a:fillRect/>
+          </a:stretch>
+        </p:blipFill>
+        <p:spPr>
+          <a:xfrm>
+            <a:off x="10410198" y="1011770"/>
+            <a:ext cx="1541336" cy="1464564"/>
+          </a:xfrm>
+          <a:prstGeom prst="rect">
+            <a:avLst/>
+          </a:prstGeom>
+          <a:ln>
+            <a:solidFill>
+              <a:schemeClr val="tx1"/>
+            </a:solidFill>
+          </a:ln>
+        </p:spPr>
+      </p:pic>
+      <p:sp>
+        <p:nvSpPr>
+          <p:cNvPr id="12" name="Arrow: Right 11">
+            <a:extLst>
+              <a:ext uri="{FF2B5EF4-FFF2-40B4-BE49-F238E27FC236}">
+                <a16:creationId xmlns:a16="http://schemas.microsoft.com/office/drawing/2014/main" id="{42074420-DF5D-AEBC-ED51-0AB4126E6745}"/>
+              </a:ext>
+            </a:extLst>
+          </p:cNvPr>
+          <p:cNvSpPr/>
+          <p:nvPr/>
+        </p:nvSpPr>
+        <p:spPr>
+          <a:xfrm>
+            <a:off x="174277" y="1538636"/>
+            <a:ext cx="1038517" cy="278834"/>
+          </a:xfrm>
+          <a:prstGeom prst="rightArrow">
+            <a:avLst>
+              <a:gd name="adj1" fmla="val 64286"/>
+              <a:gd name="adj2" fmla="val 78571"/>
+            </a:avLst>
+          </a:prstGeom>
+          <a:solidFill>
+            <a:schemeClr val="accent4"/>
+          </a:solidFill>
+        </p:spPr>
+        <p:style>
+          <a:lnRef idx="2">
+            <a:schemeClr val="accent1">
+              <a:shade val="50000"/>
+            </a:schemeClr>
+          </a:lnRef>
+          <a:fillRef idx="1">
+            <a:schemeClr val="accent1"/>
+          </a:fillRef>
+          <a:effectRef idx="0">
+            <a:schemeClr val="accent1"/>
+          </a:effectRef>
+          <a:fontRef idx="minor">
+            <a:schemeClr val="lt1"/>
+          </a:fontRef>
+        </p:style>
+        <p:txBody>
+          <a:bodyPr rtlCol="0" anchor="ctr"/>
+          <a:lstStyle/>
+          <a:p>
+            <a:pPr algn="ctr"/>
+            <a:r>
+              <a:rPr lang="en-US" sz="900" dirty="0">
+                <a:solidFill>
+                  <a:schemeClr val="tx1"/>
+                </a:solidFill>
+              </a:rPr>
+              <a:t>Level 2 Sort</a:t>
+            </a:r>
+          </a:p>
+        </p:txBody>
+      </p:sp>
+      <p:sp>
+        <p:nvSpPr>
+          <p:cNvPr id="13" name="Arrow: Right 12">
+            <a:extLst>
+              <a:ext uri="{FF2B5EF4-FFF2-40B4-BE49-F238E27FC236}">
+                <a16:creationId xmlns:a16="http://schemas.microsoft.com/office/drawing/2014/main" id="{3B05667E-E3EF-1B03-F042-887B9F1B7C20}"/>
+              </a:ext>
+            </a:extLst>
+          </p:cNvPr>
+          <p:cNvSpPr/>
+          <p:nvPr/>
+        </p:nvSpPr>
+        <p:spPr>
+          <a:xfrm>
+            <a:off x="174276" y="2278433"/>
+            <a:ext cx="1038517" cy="278834"/>
+          </a:xfrm>
+          <a:prstGeom prst="rightArrow">
+            <a:avLst>
+              <a:gd name="adj1" fmla="val 64286"/>
+              <a:gd name="adj2" fmla="val 78571"/>
+            </a:avLst>
+          </a:prstGeom>
+          <a:solidFill>
+            <a:schemeClr val="accent4"/>
+          </a:solidFill>
+        </p:spPr>
+        <p:style>
+          <a:lnRef idx="2">
+            <a:schemeClr val="accent1">
+              <a:shade val="50000"/>
+            </a:schemeClr>
+          </a:lnRef>
+          <a:fillRef idx="1">
+            <a:schemeClr val="accent1"/>
+          </a:fillRef>
+          <a:effectRef idx="0">
+            <a:schemeClr val="accent1"/>
+          </a:effectRef>
+          <a:fontRef idx="minor">
+            <a:schemeClr val="lt1"/>
+          </a:fontRef>
+        </p:style>
+        <p:txBody>
+          <a:bodyPr rtlCol="0" anchor="ctr"/>
+          <a:lstStyle/>
+          <a:p>
+            <a:pPr algn="ctr"/>
+            <a:r>
+              <a:rPr lang="en-US" sz="900" dirty="0">
+                <a:solidFill>
+                  <a:schemeClr val="tx1"/>
+                </a:solidFill>
+              </a:rPr>
+              <a:t>Level 3 Sort</a:t>
+            </a:r>
+          </a:p>
+        </p:txBody>
+      </p:sp>
+      <p:sp>
+        <p:nvSpPr>
+          <p:cNvPr id="14" name="Arrow: Right 13">
+            <a:extLst>
+              <a:ext uri="{FF2B5EF4-FFF2-40B4-BE49-F238E27FC236}">
+                <a16:creationId xmlns:a16="http://schemas.microsoft.com/office/drawing/2014/main" id="{DBD26CD4-76B2-D849-685B-F70EF39A0CE9}"/>
+              </a:ext>
+            </a:extLst>
+          </p:cNvPr>
+          <p:cNvSpPr/>
+          <p:nvPr/>
+        </p:nvSpPr>
+        <p:spPr>
+          <a:xfrm>
+            <a:off x="174275" y="2943355"/>
+            <a:ext cx="1038517" cy="278834"/>
+          </a:xfrm>
+          <a:prstGeom prst="rightArrow">
+            <a:avLst>
+              <a:gd name="adj1" fmla="val 64286"/>
+              <a:gd name="adj2" fmla="val 78571"/>
+            </a:avLst>
+          </a:prstGeom>
+          <a:solidFill>
+            <a:schemeClr val="accent4"/>
+          </a:solidFill>
+        </p:spPr>
+        <p:style>
+          <a:lnRef idx="2">
+            <a:schemeClr val="accent1">
+              <a:shade val="50000"/>
+            </a:schemeClr>
+          </a:lnRef>
+          <a:fillRef idx="1">
+            <a:schemeClr val="accent1"/>
+          </a:fillRef>
+          <a:effectRef idx="0">
+            <a:schemeClr val="accent1"/>
+          </a:effectRef>
+          <a:fontRef idx="minor">
+            <a:schemeClr val="lt1"/>
+          </a:fontRef>
+        </p:style>
+        <p:txBody>
+          <a:bodyPr rtlCol="0" anchor="ctr"/>
+          <a:lstStyle/>
+          <a:p>
+            <a:pPr algn="ctr"/>
+            <a:r>
+              <a:rPr lang="en-US" sz="900" dirty="0">
+                <a:solidFill>
+                  <a:schemeClr val="tx1"/>
+                </a:solidFill>
+              </a:rPr>
+              <a:t>Level 4 Sort</a:t>
+            </a:r>
+          </a:p>
+        </p:txBody>
+      </p:sp>
+    </p:spTree>
+    <p:extLst>
+      <p:ext uri="{BB962C8B-B14F-4D97-AF65-F5344CB8AC3E}">
+        <p14:creationId xmlns:p14="http://schemas.microsoft.com/office/powerpoint/2010/main" val="3245938603"/>
+      </p:ext>
+    </p:extLst>
+  </p:cSld>
+  <p:clrMapOvr>
+    <a:masterClrMapping/>
+  </p:clrMapOvr>
+  <p:transition>
+    <p:fade/>
+  </p:transition>
+  <p:timing>
+    <p:tnLst>
+      <p:par>
+        <p:cTn id="1" dur="indefinite" restart="never" nodeType="tmRoot">
+          <p:childTnLst>
+            <p:seq concurrent="1" nextAc="seek">
+              <p:cTn id="2" dur="indefinite" nodeType="mainSeq">
+                <p:childTnLst>
+                  <p:par>
+                    <p:cTn id="3" fill="hold">
+                      <p:stCondLst>
+                        <p:cond delay="indefinite"/>
+                      </p:stCondLst>
+                      <p:childTnLst>
+                        <p:par>
+                          <p:cTn id="4" fill="hold">
+                            <p:stCondLst>
+                              <p:cond delay="0"/>
+                            </p:stCondLst>
+                            <p:childTnLst>
+                              <p:par>
+                                <p:cTn id="5" presetID="1" presetClass="entr" presetSubtype="0" fill="hold" grpId="0" nodeType="clickEffect">
+                                  <p:stCondLst>
+                                    <p:cond delay="0"/>
+                                  </p:stCondLst>
+                                  <p:childTnLst>
+                                    <p:set>
+                                      <p:cBhvr>
+                                        <p:cTn id="6" dur="1" fill="hold">
+                                          <p:stCondLst>
+                                            <p:cond delay="0"/>
+                                          </p:stCondLst>
+                                        </p:cTn>
+                                        <p:tgtEl>
+                                          <p:spTgt spid="12"/>
+                                        </p:tgtEl>
+                                        <p:attrNameLst>
+                                          <p:attrName>style.visibility</p:attrName>
+                                        </p:attrNameLst>
+                                      </p:cBhvr>
+                                      <p:to>
+                                        <p:strVal val="visible"/>
+                                      </p:to>
+                                    </p:set>
+                                  </p:childTnLst>
+                                </p:cTn>
+                              </p:par>
+                              <p:par>
+                                <p:cTn id="7" presetID="1" presetClass="entr" presetSubtype="0" fill="hold" nodeType="withEffect">
+                                  <p:stCondLst>
+                                    <p:cond delay="0"/>
+                                  </p:stCondLst>
+                                  <p:childTnLst>
+                                    <p:set>
+                                      <p:cBhvr>
+                                        <p:cTn id="8" dur="1" fill="hold">
+                                          <p:stCondLst>
+                                            <p:cond delay="0"/>
+                                          </p:stCondLst>
+                                        </p:cTn>
+                                        <p:tgtEl>
+                                          <p:spTgt spid="9"/>
+                                        </p:tgtEl>
+                                        <p:attrNameLst>
+                                          <p:attrName>style.visibility</p:attrName>
+                                        </p:attrNameLst>
+                                      </p:cBhvr>
+                                      <p:to>
+                                        <p:strVal val="visible"/>
+                                      </p:to>
+                                    </p:set>
+                                  </p:childTnLst>
+                                </p:cTn>
+                              </p:par>
+                            </p:childTnLst>
+                          </p:cTn>
+                        </p:par>
+                      </p:childTnLst>
+                    </p:cTn>
+                  </p:par>
+                  <p:par>
+                    <p:cTn id="9" fill="hold">
+                      <p:stCondLst>
+                        <p:cond delay="indefinite"/>
+                      </p:stCondLst>
+                      <p:childTnLst>
+                        <p:par>
+                          <p:cTn id="10" fill="hold">
+                            <p:stCondLst>
+                              <p:cond delay="0"/>
+                            </p:stCondLst>
+                            <p:childTnLst>
+                              <p:par>
+                                <p:cTn id="11" presetID="1" presetClass="entr" presetSubtype="0" fill="hold" grpId="0" nodeType="clickEffect">
+                                  <p:stCondLst>
+                                    <p:cond delay="0"/>
+                                  </p:stCondLst>
+                                  <p:childTnLst>
+                                    <p:set>
+                                      <p:cBhvr>
+                                        <p:cTn id="12" dur="1" fill="hold">
+                                          <p:stCondLst>
+                                            <p:cond delay="0"/>
+                                          </p:stCondLst>
+                                        </p:cTn>
+                                        <p:tgtEl>
+                                          <p:spTgt spid="13"/>
+                                        </p:tgtEl>
+                                        <p:attrNameLst>
+                                          <p:attrName>style.visibility</p:attrName>
+                                        </p:attrNameLst>
+                                      </p:cBhvr>
+                                      <p:to>
+                                        <p:strVal val="visible"/>
+                                      </p:to>
+                                    </p:set>
+                                  </p:childTnLst>
+                                </p:cTn>
+                              </p:par>
+                              <p:par>
+                                <p:cTn id="13" presetID="1" presetClass="entr" presetSubtype="0" fill="hold" nodeType="withEffect">
+                                  <p:stCondLst>
+                                    <p:cond delay="0"/>
+                                  </p:stCondLst>
+                                  <p:childTnLst>
+                                    <p:set>
+                                      <p:cBhvr>
+                                        <p:cTn id="14" dur="1" fill="hold">
+                                          <p:stCondLst>
+                                            <p:cond delay="0"/>
+                                          </p:stCondLst>
+                                        </p:cTn>
+                                        <p:tgtEl>
+                                          <p:spTgt spid="7"/>
+                                        </p:tgtEl>
+                                        <p:attrNameLst>
+                                          <p:attrName>style.visibility</p:attrName>
+                                        </p:attrNameLst>
+                                      </p:cBhvr>
+                                      <p:to>
+                                        <p:strVal val="visible"/>
+                                      </p:to>
+                                    </p:set>
+                                  </p:childTnLst>
+                                </p:cTn>
+                              </p:par>
+                            </p:childTnLst>
+                          </p:cTn>
+                        </p:par>
+                      </p:childTnLst>
+                    </p:cTn>
+                  </p:par>
+                  <p:par>
+                    <p:cTn id="15" fill="hold">
+                      <p:stCondLst>
+                        <p:cond delay="indefinite"/>
+                      </p:stCondLst>
+                      <p:childTnLst>
+                        <p:par>
+                          <p:cTn id="16" fill="hold">
+                            <p:stCondLst>
+                              <p:cond delay="0"/>
+                            </p:stCondLst>
+                            <p:childTnLst>
+                              <p:par>
+                                <p:cTn id="17" presetID="1" presetClass="entr" presetSubtype="0" fill="hold" grpId="0" nodeType="clickEffect">
+                                  <p:stCondLst>
+                                    <p:cond delay="0"/>
+                                  </p:stCondLst>
+                                  <p:childTnLst>
+                                    <p:set>
+                                      <p:cBhvr>
+                                        <p:cTn id="18" dur="1" fill="hold">
+                                          <p:stCondLst>
+                                            <p:cond delay="0"/>
+                                          </p:stCondLst>
+                                        </p:cTn>
+                                        <p:tgtEl>
+                                          <p:spTgt spid="14"/>
+                                        </p:tgtEl>
+                                        <p:attrNameLst>
+                                          <p:attrName>style.visibility</p:attrName>
+                                        </p:attrNameLst>
+                                      </p:cBhvr>
+                                      <p:to>
+                                        <p:strVal val="visible"/>
+                                      </p:to>
+                                    </p:set>
+                                  </p:childTnLst>
+                                </p:cTn>
+                              </p:par>
+                              <p:par>
+                                <p:cTn id="19" presetID="1" presetClass="entr" presetSubtype="0" fill="hold" nodeType="withEffect">
+                                  <p:stCondLst>
+                                    <p:cond delay="0"/>
+                                  </p:stCondLst>
+                                  <p:childTnLst>
+                                    <p:set>
+                                      <p:cBhvr>
+                                        <p:cTn id="20" dur="1" fill="hold">
+                                          <p:stCondLst>
+                                            <p:cond delay="0"/>
+                                          </p:stCondLst>
+                                        </p:cTn>
+                                        <p:tgtEl>
+                                          <p:spTgt spid="11"/>
+                                        </p:tgtEl>
+                                        <p:attrNameLst>
+                                          <p:attrName>style.visibility</p:attrName>
+                                        </p:attrNameLst>
+                                      </p:cBhvr>
+                                      <p:to>
+                                        <p:strVal val="visible"/>
+                                      </p:to>
+                                    </p:set>
+                                  </p:childTnLst>
+                                </p:cTn>
+                              </p:par>
+                            </p:childTnLst>
+                          </p:cTn>
+                        </p:par>
+                      </p:childTnLst>
+                    </p:cTn>
+                  </p:par>
+                </p:childTnLst>
+              </p:cTn>
+              <p:prevCondLst>
+                <p:cond evt="onPrev" delay="0">
+                  <p:tgtEl>
+                    <p:sldTgt/>
+                  </p:tgtEl>
+                </p:cond>
+              </p:prevCondLst>
+              <p:nextCondLst>
+                <p:cond evt="onNext" delay="0">
+                  <p:tgtEl>
+                    <p:sldTgt/>
+                  </p:tgtEl>
+                </p:cond>
+              </p:nextCondLst>
+            </p:seq>
+          </p:childTnLst>
+        </p:cTn>
+      </p:par>
+    </p:tnLst>
+    <p:bldLst>
+      <p:bldP spid="12" grpId="0" animBg="1"/>
+      <p:bldP spid="13" grpId="0" animBg="1"/>
+      <p:bldP spid="14" grpId="0" animBg="1"/>
+    </p:bldLst>
+  </p:timing>
+</p:sld>
+</file>
+
+<file path=ppt/slides/slide6.xml><?xml version="1.0" encoding="utf-8"?>
+<p:sld xmlns:a="http://schemas.openxmlformats.org/drawingml/2006/main" xmlns:r="http://schemas.openxmlformats.org/officeDocument/2006/relationships" xmlns:p="http://schemas.openxmlformats.org/presentationml/2006/main">
+  <p:cSld>
+    <p:spTree>
+      <p:nvGrpSpPr>
+        <p:cNvPr id="1" name=""/>
+        <p:cNvGrpSpPr/>
+        <p:nvPr/>
+      </p:nvGrpSpPr>
+      <p:grpSpPr>
+        <a:xfrm>
+          <a:off x="0" y="0"/>
+          <a:ext cx="0" cy="0"/>
+          <a:chOff x="0" y="0"/>
+          <a:chExt cx="0" cy="0"/>
+        </a:xfrm>
+      </p:grpSpPr>
+      <p:sp>
+        <p:nvSpPr>
+          <p:cNvPr id="2" name="Title 1">
+            <a:extLst>
+              <a:ext uri="{FF2B5EF4-FFF2-40B4-BE49-F238E27FC236}">
+                <a16:creationId xmlns:a16="http://schemas.microsoft.com/office/drawing/2014/main" id="{9706727C-FB38-3C65-8A6A-904B482335A8}"/>
+              </a:ext>
+            </a:extLst>
+          </p:cNvPr>
+          <p:cNvSpPr>
+            <a:spLocks noGrp="1"/>
+          </p:cNvSpPr>
+          <p:nvPr>
+            <p:ph type="title"/>
+          </p:nvPr>
+        </p:nvSpPr>
+        <p:spPr/>
+        <p:txBody>
+          <a:bodyPr>
+            <a:normAutofit fontScale="90000"/>
+          </a:bodyPr>
+          <a:lstStyle/>
+          <a:p>
+            <a:r>
+              <a:rPr lang="en-US" dirty="0"/>
+              <a:t>RED-FLAG Attendees</a:t>
+            </a:r>
+          </a:p>
+        </p:txBody>
+      </p:sp>
+      <p:pic>
+        <p:nvPicPr>
+          <p:cNvPr id="5" name="Picture 4">
+            <a:extLst>
+              <a:ext uri="{FF2B5EF4-FFF2-40B4-BE49-F238E27FC236}">
+                <a16:creationId xmlns:a16="http://schemas.microsoft.com/office/drawing/2014/main" id="{D6581864-5A1B-2463-BF3C-E06F117B548A}"/>
+              </a:ext>
+            </a:extLst>
+          </p:cNvPr>
+          <p:cNvPicPr>
+            <a:picLocks noChangeAspect="1"/>
+          </p:cNvPicPr>
+          <p:nvPr/>
+        </p:nvPicPr>
+        <p:blipFill>
+          <a:blip r:embed="rId2"/>
+          <a:stretch>
+            <a:fillRect/>
+          </a:stretch>
+        </p:blipFill>
+        <p:spPr>
+          <a:xfrm>
+            <a:off x="447628" y="1143000"/>
+            <a:ext cx="11430000" cy="5715000"/>
+          </a:xfrm>
+          <a:prstGeom prst="rect">
+            <a:avLst/>
+          </a:prstGeom>
+          <a:ln>
+            <a:solidFill>
+              <a:schemeClr val="tx1"/>
+            </a:solidFill>
+          </a:ln>
+        </p:spPr>
+      </p:pic>
+      <p:sp>
+        <p:nvSpPr>
+          <p:cNvPr id="6" name="Rectangle: Rounded Corners 5">
+            <a:extLst>
+              <a:ext uri="{FF2B5EF4-FFF2-40B4-BE49-F238E27FC236}">
+                <a16:creationId xmlns:a16="http://schemas.microsoft.com/office/drawing/2014/main" id="{B791D1B2-8F9A-30F7-4A8C-8F5FCB6F7A75}"/>
+              </a:ext>
+            </a:extLst>
+          </p:cNvPr>
+          <p:cNvSpPr/>
+          <p:nvPr/>
+        </p:nvSpPr>
+        <p:spPr>
+          <a:xfrm>
+            <a:off x="556124" y="2564293"/>
+            <a:ext cx="3033381" cy="3622498"/>
+          </a:xfrm>
+          <a:prstGeom prst="roundRect">
+            <a:avLst>
+              <a:gd name="adj" fmla="val 6407"/>
+            </a:avLst>
+          </a:prstGeom>
+          <a:noFill/>
+          <a:ln w="38100">
+            <a:solidFill>
+              <a:srgbClr val="C00000"/>
+            </a:solidFill>
+            <a:prstDash val="sysDot"/>
+          </a:ln>
+        </p:spPr>
+        <p:style>
+          <a:lnRef idx="2">
+            <a:schemeClr val="accent1">
+              <a:shade val="50000"/>
+            </a:schemeClr>
+          </a:lnRef>
+          <a:fillRef idx="1">
+            <a:schemeClr val="accent1"/>
+          </a:fillRef>
+          <a:effectRef idx="0">
+            <a:schemeClr val="accent1"/>
+          </a:effectRef>
+          <a:fontRef idx="minor">
+            <a:schemeClr val="lt1"/>
+          </a:fontRef>
+        </p:style>
+        <p:txBody>
+          <a:bodyPr rtlCol="0" anchor="ctr"/>
+          <a:lstStyle/>
+          <a:p>
+            <a:pPr algn="ctr"/>
+            <a:endParaRPr lang="en-US"/>
+          </a:p>
+        </p:txBody>
+      </p:sp>
+    </p:spTree>
+    <p:extLst>
+      <p:ext uri="{BB962C8B-B14F-4D97-AF65-F5344CB8AC3E}">
+        <p14:creationId xmlns:p14="http://schemas.microsoft.com/office/powerpoint/2010/main" val="361583250"/>
+      </p:ext>
+    </p:extLst>
+  </p:cSld>
+  <p:clrMapOvr>
+    <a:masterClrMapping/>
+  </p:clrMapOvr>
+  <p:transition>
+    <p:fade/>
+  </p:transition>
+  <p:timing>
+    <p:tnLst>
+      <p:par>
+        <p:cTn id="1" dur="indefinite" restart="never" nodeType="tmRoot">
+          <p:childTnLst>
+            <p:seq concurrent="1" nextAc="seek">
+              <p:cTn id="2" dur="indefinite" nodeType="mainSeq">
+                <p:childTnLst>
+                  <p:par>
+                    <p:cTn id="3" fill="hold">
+                      <p:stCondLst>
+                        <p:cond delay="indefinite"/>
+                      </p:stCondLst>
+                      <p:childTnLst>
+                        <p:par>
+                          <p:cTn id="4" fill="hold">
+                            <p:stCondLst>
+                              <p:cond delay="0"/>
+                            </p:stCondLst>
+                            <p:childTnLst>
+                              <p:par>
+                                <p:cTn id="5" presetID="1" presetClass="entr" presetSubtype="0" fill="hold" grpId="0" nodeType="clickEffect">
+                                  <p:stCondLst>
+                                    <p:cond delay="0"/>
+                                  </p:stCondLst>
+                                  <p:childTnLst>
+                                    <p:set>
+                                      <p:cBhvr>
+                                        <p:cTn id="6" dur="1" fill="hold">
+                                          <p:stCondLst>
+                                            <p:cond delay="0"/>
+                                          </p:stCondLst>
+                                        </p:cTn>
+                                        <p:tgtEl>
+                                          <p:spTgt spid="6"/>
+                                        </p:tgtEl>
+                                        <p:attrNameLst>
+                                          <p:attrName>style.visibility</p:attrName>
+                                        </p:attrNameLst>
+                                      </p:cBhvr>
+                                      <p:to>
+                                        <p:strVal val="visible"/>
+                                      </p:to>
+                                    </p:set>
+                                  </p:childTnLst>
+                                </p:cTn>
+                              </p:par>
+                            </p:childTnLst>
+                          </p:cTn>
+                        </p:par>
+                      </p:childTnLst>
+                    </p:cTn>
+                  </p:par>
+                </p:childTnLst>
+              </p:cTn>
+              <p:prevCondLst>
+                <p:cond evt="onPrev" delay="0">
+                  <p:tgtEl>
+                    <p:sldTgt/>
+                  </p:tgtEl>
+                </p:cond>
+              </p:prevCondLst>
+              <p:nextCondLst>
+                <p:cond evt="onNext" delay="0">
+                  <p:tgtEl>
+                    <p:sldTgt/>
+                  </p:tgtEl>
+                </p:cond>
+              </p:nextCondLst>
+            </p:seq>
+          </p:childTnLst>
+        </p:cTn>
+      </p:par>
+    </p:tnLst>
+    <p:bldLst>
+      <p:bldP spid="6" grpId="0" animBg="1"/>
+    </p:bldLst>
+  </p:timing>
+</p:sld>
+</file>
+
+<file path=ppt/slides/slide7.xml><?xml version="1.0" encoding="utf-8"?>
+<p:sld xmlns:a="http://schemas.openxmlformats.org/drawingml/2006/main" xmlns:r="http://schemas.openxmlformats.org/officeDocument/2006/relationships" xmlns:p="http://schemas.openxmlformats.org/presentationml/2006/main">
+  <p:cSld>
+    <p:spTree>
+      <p:nvGrpSpPr>
+        <p:cNvPr id="1" name=""/>
+        <p:cNvGrpSpPr/>
+        <p:nvPr/>
+      </p:nvGrpSpPr>
+      <p:grpSpPr>
+        <a:xfrm>
+          <a:off x="0" y="0"/>
+          <a:ext cx="0" cy="0"/>
+          <a:chOff x="0" y="0"/>
+          <a:chExt cx="0" cy="0"/>
+        </a:xfrm>
+      </p:grpSpPr>
+      <p:sp>
+        <p:nvSpPr>
+          <p:cNvPr id="2" name="Title 1">
+            <a:extLst>
+              <a:ext uri="{FF2B5EF4-FFF2-40B4-BE49-F238E27FC236}">
+                <a16:creationId xmlns:a16="http://schemas.microsoft.com/office/drawing/2014/main" id="{34BFDF05-A5E1-B054-B004-E87E011E8AD3}"/>
+              </a:ext>
+            </a:extLst>
+          </p:cNvPr>
+          <p:cNvSpPr>
+            <a:spLocks noGrp="1"/>
+          </p:cNvSpPr>
+          <p:nvPr>
+            <p:ph type="title"/>
+          </p:nvPr>
+        </p:nvSpPr>
+        <p:spPr/>
+        <p:txBody>
+          <a:bodyPr>
+            <a:normAutofit fontScale="90000"/>
+          </a:bodyPr>
+          <a:lstStyle/>
+          <a:p>
+            <a:r>
+              <a:rPr lang="en-US" dirty="0"/>
+              <a:t>SLEEPER Attendees – Watch Out!</a:t>
+            </a:r>
+          </a:p>
+        </p:txBody>
+      </p:sp>
+      <p:pic>
+        <p:nvPicPr>
+          <p:cNvPr id="5" name="Picture 4">
+            <a:extLst>
+              <a:ext uri="{FF2B5EF4-FFF2-40B4-BE49-F238E27FC236}">
+                <a16:creationId xmlns:a16="http://schemas.microsoft.com/office/drawing/2014/main" id="{63FB1CF6-C161-3E0C-0146-474011A5620A}"/>
+              </a:ext>
+            </a:extLst>
+          </p:cNvPr>
+          <p:cNvPicPr>
+            <a:picLocks noChangeAspect="1"/>
+          </p:cNvPicPr>
+          <p:nvPr/>
+        </p:nvPicPr>
+        <p:blipFill>
+          <a:blip r:embed="rId2"/>
+          <a:stretch>
+            <a:fillRect/>
+          </a:stretch>
+        </p:blipFill>
+        <p:spPr>
+          <a:xfrm>
+            <a:off x="620192" y="1127384"/>
+            <a:ext cx="10614157" cy="5399875"/>
+          </a:xfrm>
+          <a:prstGeom prst="rect">
+            <a:avLst/>
+          </a:prstGeom>
+          <a:ln>
+            <a:solidFill>
+              <a:schemeClr val="tx1"/>
+            </a:solidFill>
+          </a:ln>
+        </p:spPr>
+      </p:pic>
+      <p:sp>
+        <p:nvSpPr>
+          <p:cNvPr id="6" name="Rectangle: Rounded Corners 5">
+            <a:extLst>
+              <a:ext uri="{FF2B5EF4-FFF2-40B4-BE49-F238E27FC236}">
+                <a16:creationId xmlns:a16="http://schemas.microsoft.com/office/drawing/2014/main" id="{A9438B19-E970-2A0D-F920-CD01EAAE2D18}"/>
+              </a:ext>
+            </a:extLst>
+          </p:cNvPr>
+          <p:cNvSpPr/>
+          <p:nvPr/>
+        </p:nvSpPr>
+        <p:spPr>
+          <a:xfrm>
+            <a:off x="778213" y="2733471"/>
+            <a:ext cx="2305455" cy="1653703"/>
+          </a:xfrm>
+          <a:prstGeom prst="roundRect">
+            <a:avLst>
+              <a:gd name="adj" fmla="val 6407"/>
+            </a:avLst>
+          </a:prstGeom>
+          <a:noFill/>
+          <a:ln w="38100">
+            <a:solidFill>
+              <a:srgbClr val="C00000"/>
+            </a:solidFill>
+            <a:prstDash val="sysDot"/>
+          </a:ln>
+        </p:spPr>
+        <p:style>
+          <a:lnRef idx="2">
+            <a:schemeClr val="accent1">
+              <a:shade val="50000"/>
+            </a:schemeClr>
+          </a:lnRef>
+          <a:fillRef idx="1">
+            <a:schemeClr val="accent1"/>
+          </a:fillRef>
+          <a:effectRef idx="0">
+            <a:schemeClr val="accent1"/>
+          </a:effectRef>
+          <a:fontRef idx="minor">
+            <a:schemeClr val="lt1"/>
+          </a:fontRef>
+        </p:style>
+        <p:txBody>
+          <a:bodyPr rtlCol="0" anchor="ctr"/>
+          <a:lstStyle/>
+          <a:p>
+            <a:pPr algn="ctr"/>
+            <a:endParaRPr lang="en-US"/>
+          </a:p>
+        </p:txBody>
+      </p:sp>
+    </p:spTree>
+    <p:extLst>
+      <p:ext uri="{BB962C8B-B14F-4D97-AF65-F5344CB8AC3E}">
+        <p14:creationId xmlns:p14="http://schemas.microsoft.com/office/powerpoint/2010/main" val="938860696"/>
+      </p:ext>
+    </p:extLst>
+  </p:cSld>
+  <p:clrMapOvr>
+    <a:masterClrMapping/>
+  </p:clrMapOvr>
+  <p:transition>
+    <p:fade/>
+  </p:transition>
+  <p:timing>
+    <p:tnLst>
+      <p:par>
+        <p:cTn id="1" dur="indefinite" restart="never" nodeType="tmRoot">
+          <p:childTnLst>
+            <p:seq concurrent="1" nextAc="seek">
+              <p:cTn id="2" dur="indefinite" nodeType="mainSeq">
+                <p:childTnLst>
+                  <p:par>
+                    <p:cTn id="3" fill="hold">
+                      <p:stCondLst>
+                        <p:cond delay="indefinite"/>
+                      </p:stCondLst>
+                      <p:childTnLst>
+                        <p:par>
+                          <p:cTn id="4" fill="hold">
+                            <p:stCondLst>
+                              <p:cond delay="0"/>
+                            </p:stCondLst>
+                            <p:childTnLst>
+                              <p:par>
+                                <p:cTn id="5" presetID="1" presetClass="entr" presetSubtype="0" fill="hold" grpId="0" nodeType="clickEffect">
+                                  <p:stCondLst>
+                                    <p:cond delay="0"/>
+                                  </p:stCondLst>
+                                  <p:childTnLst>
+                                    <p:set>
+                                      <p:cBhvr>
+                                        <p:cTn id="6" dur="1" fill="hold">
+                                          <p:stCondLst>
+                                            <p:cond delay="0"/>
+                                          </p:stCondLst>
+                                        </p:cTn>
+                                        <p:tgtEl>
+                                          <p:spTgt spid="6"/>
+                                        </p:tgtEl>
+                                        <p:attrNameLst>
+                                          <p:attrName>style.visibility</p:attrName>
+                                        </p:attrNameLst>
+                                      </p:cBhvr>
+                                      <p:to>
+                                        <p:strVal val="visible"/>
+                                      </p:to>
+                                    </p:set>
+                                  </p:childTnLst>
+                                </p:cTn>
+                              </p:par>
+                            </p:childTnLst>
+                          </p:cTn>
+                        </p:par>
+                      </p:childTnLst>
+                    </p:cTn>
+                  </p:par>
+                </p:childTnLst>
+              </p:cTn>
+              <p:prevCondLst>
+                <p:cond evt="onPrev" delay="0">
+                  <p:tgtEl>
+                    <p:sldTgt/>
+                  </p:tgtEl>
+                </p:cond>
+              </p:prevCondLst>
+              <p:nextCondLst>
+                <p:cond evt="onNext" delay="0">
+                  <p:tgtEl>
+                    <p:sldTgt/>
+                  </p:tgtEl>
+                </p:cond>
+              </p:nextCondLst>
+            </p:seq>
+          </p:childTnLst>
+        </p:cTn>
+      </p:par>
+    </p:tnLst>
+    <p:bldLst>
+      <p:bldP spid="6" grpId="0" animBg="1"/>
+    </p:bldLst>
+  </p:timing>
+</p:sld>
+</file>
+
+<file path=ppt/slides/slide8.xml><?xml version="1.0" encoding="utf-8"?>
+<p:sld xmlns:a="http://schemas.openxmlformats.org/drawingml/2006/main" xmlns:r="http://schemas.openxmlformats.org/officeDocument/2006/relationships" xmlns:p="http://schemas.openxmlformats.org/presentationml/2006/main">
+  <p:cSld>
+    <p:spTree>
+      <p:nvGrpSpPr>
+        <p:cNvPr id="1" name=""/>
+        <p:cNvGrpSpPr/>
+        <p:nvPr/>
+      </p:nvGrpSpPr>
+      <p:grpSpPr>
+        <a:xfrm>
+          <a:off x="0" y="0"/>
+          <a:ext cx="0" cy="0"/>
+          <a:chOff x="0" y="0"/>
+          <a:chExt cx="0" cy="0"/>
+        </a:xfrm>
+      </p:grpSpPr>
+      <p:sp>
+        <p:nvSpPr>
+          <p:cNvPr id="2" name="Title 1">
+            <a:extLst>
+              <a:ext uri="{FF2B5EF4-FFF2-40B4-BE49-F238E27FC236}">
+                <a16:creationId xmlns:a16="http://schemas.microsoft.com/office/drawing/2014/main" id="{3716B1CA-90F7-4222-84DF-303A76692C1A}"/>
+              </a:ext>
+            </a:extLst>
+          </p:cNvPr>
+          <p:cNvSpPr>
+            <a:spLocks noGrp="1"/>
+          </p:cNvSpPr>
+          <p:nvPr>
+            <p:ph type="title"/>
+          </p:nvPr>
+        </p:nvSpPr>
+        <p:spPr/>
+        <p:txBody>
+          <a:bodyPr>
+            <a:normAutofit fontScale="90000"/>
+          </a:bodyPr>
+          <a:lstStyle/>
+          <a:p>
+            <a:r>
+              <a:rPr lang="en-US" dirty="0"/>
+              <a:t>Classroom Simulator</a:t>
+            </a:r>
+          </a:p>
+        </p:txBody>
+      </p:sp>
+      <p:sp>
+        <p:nvSpPr>
+          <p:cNvPr id="8" name="Text Placeholder 7">
+            <a:extLst>
+              <a:ext uri="{FF2B5EF4-FFF2-40B4-BE49-F238E27FC236}">
+                <a16:creationId xmlns:a16="http://schemas.microsoft.com/office/drawing/2014/main" id="{98A73424-66C5-D354-C071-81297EC4AD3E}"/>
+              </a:ext>
+            </a:extLst>
+          </p:cNvPr>
+          <p:cNvSpPr>
+            <a:spLocks noGrp="1"/>
+          </p:cNvSpPr>
+          <p:nvPr>
+            <p:ph type="body" sz="quarter" idx="10"/>
+          </p:nvPr>
+        </p:nvSpPr>
+        <p:spPr>
+          <a:xfrm>
+            <a:off x="481949" y="1203481"/>
+            <a:ext cx="11395678" cy="902491"/>
+          </a:xfrm>
+        </p:spPr>
+        <p:txBody>
+          <a:bodyPr/>
+          <a:lstStyle/>
+          <a:p>
+            <a:r>
+              <a:rPr lang="en-US" dirty="0"/>
+              <a:t>Like a flight simulator for pilots in training</a:t>
+            </a:r>
+          </a:p>
+          <a:p>
+            <a:pPr lvl="1"/>
+            <a:r>
+              <a:rPr lang="en-US" dirty="0"/>
+              <a:t>Uses DAX to randomly choose class size and types of attendee</a:t>
+            </a:r>
+          </a:p>
+        </p:txBody>
+      </p:sp>
+      <p:pic>
+        <p:nvPicPr>
+          <p:cNvPr id="6" name="Picture 5">
+            <a:extLst>
+              <a:ext uri="{FF2B5EF4-FFF2-40B4-BE49-F238E27FC236}">
+                <a16:creationId xmlns:a16="http://schemas.microsoft.com/office/drawing/2014/main" id="{B5B33546-7735-2446-A501-9F9A40541CCF}"/>
+              </a:ext>
+            </a:extLst>
+          </p:cNvPr>
+          <p:cNvPicPr>
+            <a:picLocks noChangeAspect="1"/>
+          </p:cNvPicPr>
+          <p:nvPr/>
+        </p:nvPicPr>
+        <p:blipFill rotWithShape="1">
+          <a:blip r:embed="rId2"/>
+          <a:srcRect b="16218"/>
+          <a:stretch/>
+        </p:blipFill>
+        <p:spPr>
+          <a:xfrm>
+            <a:off x="1395334" y="2210942"/>
+            <a:ext cx="9395104" cy="4359847"/>
+          </a:xfrm>
+          <a:prstGeom prst="rect">
+            <a:avLst/>
+          </a:prstGeom>
+          <a:ln>
+            <a:solidFill>
+              <a:schemeClr val="tx1"/>
+            </a:solidFill>
+          </a:ln>
+        </p:spPr>
+      </p:pic>
+    </p:spTree>
+    <p:extLst>
+      <p:ext uri="{BB962C8B-B14F-4D97-AF65-F5344CB8AC3E}">
+        <p14:creationId xmlns:p14="http://schemas.microsoft.com/office/powerpoint/2010/main" val="4207701488"/>
+      </p:ext>
+    </p:extLst>
+  </p:cSld>
+  <p:clrMapOvr>
+    <a:masterClrMapping/>
+  </p:clrMapOvr>
+  <p:transition>
+    <p:fade/>
+  </p:transition>
 </p:sld>
 </file>
 

--- a/Attendee Bad Behavior Analyzer.pptx
+++ b/Attendee Bad Behavior Analyzer.pptx
@@ -13,6 +13,7 @@
     <p:sldId id="264" r:id="rId7"/>
     <p:sldId id="265" r:id="rId8"/>
     <p:sldId id="266" r:id="rId9"/>
+    <p:sldId id="267" r:id="rId10"/>
   </p:sldIdLst>
   <p:sldSz cx="12192000" cy="6858000"/>
   <p:notesSz cx="6858000" cy="9144000"/>
@@ -266,7 +267,7 @@
           <a:p>
             <a:fld id="{89093C13-FF05-47A8-BF36-80441C25F100}" type="datetimeFigureOut">
               <a:rPr lang="en-US" smtClean="0"/>
-              <a:t>3/16/2023</a:t>
+              <a:t>3/17/2023</a:t>
             </a:fld>
             <a:endParaRPr lang="en-US"/>
           </a:p>
@@ -464,7 +465,7 @@
           <a:p>
             <a:fld id="{89093C13-FF05-47A8-BF36-80441C25F100}" type="datetimeFigureOut">
               <a:rPr lang="en-US" smtClean="0"/>
-              <a:t>3/16/2023</a:t>
+              <a:t>3/17/2023</a:t>
             </a:fld>
             <a:endParaRPr lang="en-US"/>
           </a:p>
@@ -672,7 +673,7 @@
           <a:p>
             <a:fld id="{89093C13-FF05-47A8-BF36-80441C25F100}" type="datetimeFigureOut">
               <a:rPr lang="en-US" smtClean="0"/>
-              <a:t>3/16/2023</a:t>
+              <a:t>3/17/2023</a:t>
             </a:fld>
             <a:endParaRPr lang="en-US"/>
           </a:p>
@@ -1158,7 +1159,7 @@
           <a:p>
             <a:fld id="{89093C13-FF05-47A8-BF36-80441C25F100}" type="datetimeFigureOut">
               <a:rPr lang="en-US" smtClean="0"/>
-              <a:t>3/16/2023</a:t>
+              <a:t>3/17/2023</a:t>
             </a:fld>
             <a:endParaRPr lang="en-US"/>
           </a:p>
@@ -1433,7 +1434,7 @@
           <a:p>
             <a:fld id="{89093C13-FF05-47A8-BF36-80441C25F100}" type="datetimeFigureOut">
               <a:rPr lang="en-US" smtClean="0"/>
-              <a:t>3/16/2023</a:t>
+              <a:t>3/17/2023</a:t>
             </a:fld>
             <a:endParaRPr lang="en-US"/>
           </a:p>
@@ -1698,7 +1699,7 @@
           <a:p>
             <a:fld id="{89093C13-FF05-47A8-BF36-80441C25F100}" type="datetimeFigureOut">
               <a:rPr lang="en-US" smtClean="0"/>
-              <a:t>3/16/2023</a:t>
+              <a:t>3/17/2023</a:t>
             </a:fld>
             <a:endParaRPr lang="en-US"/>
           </a:p>
@@ -2110,7 +2111,7 @@
           <a:p>
             <a:fld id="{89093C13-FF05-47A8-BF36-80441C25F100}" type="datetimeFigureOut">
               <a:rPr lang="en-US" smtClean="0"/>
-              <a:t>3/16/2023</a:t>
+              <a:t>3/17/2023</a:t>
             </a:fld>
             <a:endParaRPr lang="en-US"/>
           </a:p>
@@ -2251,7 +2252,7 @@
           <a:p>
             <a:fld id="{89093C13-FF05-47A8-BF36-80441C25F100}" type="datetimeFigureOut">
               <a:rPr lang="en-US" smtClean="0"/>
-              <a:t>3/16/2023</a:t>
+              <a:t>3/17/2023</a:t>
             </a:fld>
             <a:endParaRPr lang="en-US"/>
           </a:p>
@@ -2364,7 +2365,7 @@
           <a:p>
             <a:fld id="{89093C13-FF05-47A8-BF36-80441C25F100}" type="datetimeFigureOut">
               <a:rPr lang="en-US" smtClean="0"/>
-              <a:t>3/16/2023</a:t>
+              <a:t>3/17/2023</a:t>
             </a:fld>
             <a:endParaRPr lang="en-US"/>
           </a:p>
@@ -2675,7 +2676,7 @@
           <a:p>
             <a:fld id="{89093C13-FF05-47A8-BF36-80441C25F100}" type="datetimeFigureOut">
               <a:rPr lang="en-US" smtClean="0"/>
-              <a:t>3/16/2023</a:t>
+              <a:t>3/17/2023</a:t>
             </a:fld>
             <a:endParaRPr lang="en-US"/>
           </a:p>
@@ -2963,7 +2964,7 @@
           <a:p>
             <a:fld id="{89093C13-FF05-47A8-BF36-80441C25F100}" type="datetimeFigureOut">
               <a:rPr lang="en-US" smtClean="0"/>
-              <a:t>3/16/2023</a:t>
+              <a:t>3/17/2023</a:t>
             </a:fld>
             <a:endParaRPr lang="en-US"/>
           </a:p>
@@ -3204,7 +3205,7 @@
           <a:p>
             <a:fld id="{89093C13-FF05-47A8-BF36-80441C25F100}" type="datetimeFigureOut">
               <a:rPr lang="en-US" smtClean="0"/>
-              <a:t>3/16/2023</a:t>
+              <a:t>3/17/2023</a:t>
             </a:fld>
             <a:endParaRPr lang="en-US"/>
           </a:p>
@@ -6812,6 +6813,143 @@
 </p:sld>
 </file>
 
+<file path=ppt/slides/slide9.xml><?xml version="1.0" encoding="utf-8"?>
+<p:sld xmlns:a="http://schemas.openxmlformats.org/drawingml/2006/main" xmlns:r="http://schemas.openxmlformats.org/officeDocument/2006/relationships" xmlns:p="http://schemas.openxmlformats.org/presentationml/2006/main">
+  <p:cSld>
+    <p:spTree>
+      <p:nvGrpSpPr>
+        <p:cNvPr id="1" name=""/>
+        <p:cNvGrpSpPr/>
+        <p:nvPr/>
+      </p:nvGrpSpPr>
+      <p:grpSpPr>
+        <a:xfrm>
+          <a:off x="0" y="0"/>
+          <a:ext cx="0" cy="0"/>
+          <a:chOff x="0" y="0"/>
+          <a:chExt cx="0" cy="0"/>
+        </a:xfrm>
+      </p:grpSpPr>
+      <p:sp>
+        <p:nvSpPr>
+          <p:cNvPr id="2" name="Title 1">
+            <a:extLst>
+              <a:ext uri="{FF2B5EF4-FFF2-40B4-BE49-F238E27FC236}">
+                <a16:creationId xmlns:a16="http://schemas.microsoft.com/office/drawing/2014/main" id="{462FFBE3-D99B-B92C-C8A9-65FE7EED4BEA}"/>
+              </a:ext>
+            </a:extLst>
+          </p:cNvPr>
+          <p:cNvSpPr>
+            <a:spLocks noGrp="1"/>
+          </p:cNvSpPr>
+          <p:nvPr>
+            <p:ph type="title"/>
+          </p:nvPr>
+        </p:nvSpPr>
+        <p:spPr/>
+        <p:txBody>
+          <a:bodyPr>
+            <a:normAutofit fontScale="90000"/>
+          </a:bodyPr>
+          <a:lstStyle/>
+          <a:p>
+            <a:r>
+              <a:rPr lang="en-US" dirty="0"/>
+              <a:t>Download the sample code from GitHub</a:t>
+            </a:r>
+          </a:p>
+        </p:txBody>
+      </p:sp>
+      <p:sp>
+        <p:nvSpPr>
+          <p:cNvPr id="3" name="Text Placeholder 2">
+            <a:extLst>
+              <a:ext uri="{FF2B5EF4-FFF2-40B4-BE49-F238E27FC236}">
+                <a16:creationId xmlns:a16="http://schemas.microsoft.com/office/drawing/2014/main" id="{D9F6FA04-D26B-86D5-0BDE-D9D5AED98E78}"/>
+              </a:ext>
+            </a:extLst>
+          </p:cNvPr>
+          <p:cNvSpPr>
+            <a:spLocks noGrp="1"/>
+          </p:cNvSpPr>
+          <p:nvPr>
+            <p:ph type="body" sz="quarter" idx="10"/>
+          </p:nvPr>
+        </p:nvSpPr>
+        <p:spPr>
+          <a:xfrm>
+            <a:off x="481949" y="1203481"/>
+            <a:ext cx="11395678" cy="514756"/>
+          </a:xfrm>
+        </p:spPr>
+        <p:txBody>
+          <a:bodyPr/>
+          <a:lstStyle/>
+          <a:p>
+            <a:r>
+              <a:rPr lang="en-US" dirty="0">
+                <a:hlinkClick r:id="rId2"/>
+              </a:rPr>
+              <a:t>https://github.com/PowerBiDevCamp/PowerHour</a:t>
+            </a:r>
+            <a:r>
+              <a:rPr lang="en-US" dirty="0"/>
+              <a:t> </a:t>
+            </a:r>
+          </a:p>
+        </p:txBody>
+      </p:sp>
+      <p:pic>
+        <p:nvPicPr>
+          <p:cNvPr id="5" name="Picture 4">
+            <a:extLst>
+              <a:ext uri="{FF2B5EF4-FFF2-40B4-BE49-F238E27FC236}">
+                <a16:creationId xmlns:a16="http://schemas.microsoft.com/office/drawing/2014/main" id="{C1E9C813-6534-FA52-F20B-1EC5BD701BB9}"/>
+              </a:ext>
+            </a:extLst>
+          </p:cNvPr>
+          <p:cNvPicPr>
+            <a:picLocks noChangeAspect="1"/>
+          </p:cNvPicPr>
+          <p:nvPr/>
+        </p:nvPicPr>
+        <p:blipFill>
+          <a:blip r:embed="rId3"/>
+          <a:stretch>
+            <a:fillRect/>
+          </a:stretch>
+        </p:blipFill>
+        <p:spPr>
+          <a:xfrm>
+            <a:off x="943896" y="1890728"/>
+            <a:ext cx="9851461" cy="4780490"/>
+          </a:xfrm>
+          <a:prstGeom prst="rect">
+            <a:avLst/>
+          </a:prstGeom>
+          <a:ln>
+            <a:solidFill>
+              <a:schemeClr val="tx1"/>
+            </a:solidFill>
+          </a:ln>
+        </p:spPr>
+      </p:pic>
+    </p:spTree>
+    <p:extLst>
+      <p:ext uri="{BB962C8B-B14F-4D97-AF65-F5344CB8AC3E}">
+        <p14:creationId xmlns:p14="http://schemas.microsoft.com/office/powerpoint/2010/main" val="929486664"/>
+      </p:ext>
+    </p:extLst>
+  </p:cSld>
+  <p:clrMapOvr>
+    <a:masterClrMapping/>
+  </p:clrMapOvr>
+  <p:transition>
+    <p:fade/>
+  </p:transition>
+</p:sld>
+</file>
+
 <file path=ppt/theme/theme1.xml><?xml version="1.0" encoding="utf-8"?>
 <a:theme xmlns:a="http://schemas.openxmlformats.org/drawingml/2006/main" name="Office Theme">
   <a:themeElements>

--- a/Attendee Bad Behavior Analyzer.pptx
+++ b/Attendee Bad Behavior Analyzer.pptx
@@ -5,15 +5,11 @@
     <p:sldMasterId id="2147483648" r:id="rId1"/>
   </p:sldMasterIdLst>
   <p:sldIdLst>
-    <p:sldId id="256" r:id="rId2"/>
-    <p:sldId id="260" r:id="rId3"/>
-    <p:sldId id="258" r:id="rId4"/>
-    <p:sldId id="261" r:id="rId5"/>
-    <p:sldId id="262" r:id="rId6"/>
-    <p:sldId id="264" r:id="rId7"/>
-    <p:sldId id="265" r:id="rId8"/>
-    <p:sldId id="266" r:id="rId9"/>
-    <p:sldId id="267" r:id="rId10"/>
+    <p:sldId id="260" r:id="rId2"/>
+    <p:sldId id="258" r:id="rId3"/>
+    <p:sldId id="261" r:id="rId4"/>
+    <p:sldId id="262" r:id="rId5"/>
+    <p:sldId id="267" r:id="rId6"/>
   </p:sldIdLst>
   <p:sldSz cx="12192000" cy="6858000"/>
   <p:notesSz cx="6858000" cy="9144000"/>
@@ -3625,937 +3621,6 @@
       </p:grpSpPr>
       <p:sp>
         <p:nvSpPr>
-          <p:cNvPr id="26" name="Content Placeholder 25">
-            <a:extLst>
-              <a:ext uri="{FF2B5EF4-FFF2-40B4-BE49-F238E27FC236}">
-                <a16:creationId xmlns:a16="http://schemas.microsoft.com/office/drawing/2014/main" id="{F03C8FB2-7579-B73F-4B79-E29FA2504450}"/>
-              </a:ext>
-            </a:extLst>
-          </p:cNvPr>
-          <p:cNvSpPr>
-            <a:spLocks noGrp="1"/>
-          </p:cNvSpPr>
-          <p:nvPr>
-            <p:ph type="body" sz="quarter" idx="10"/>
-          </p:nvPr>
-        </p:nvSpPr>
-        <p:spPr>
-          <a:xfrm>
-            <a:off x="481949" y="1203481"/>
-            <a:ext cx="11395678" cy="3984745"/>
-          </a:xfrm>
-        </p:spPr>
-        <p:txBody>
-          <a:bodyPr/>
-          <a:lstStyle/>
-          <a:p>
-            <a:r>
-              <a:rPr lang="en-US" dirty="0"/>
-              <a:t>What are the benefits of profiling human behavior?</a:t>
-            </a:r>
-          </a:p>
-          <a:p>
-            <a:pPr lvl="1"/>
-            <a:r>
-              <a:rPr lang="en-US" dirty="0"/>
-              <a:t>We see huge benefits to profiling serial killers and terrorists</a:t>
-            </a:r>
-          </a:p>
-          <a:p>
-            <a:pPr lvl="1"/>
-            <a:r>
-              <a:rPr lang="en-US" dirty="0"/>
-              <a:t>Why not use behavioral profiling on attendees of your training class or seminar</a:t>
-            </a:r>
-          </a:p>
-          <a:p>
-            <a:r>
-              <a:rPr lang="en-US" dirty="0"/>
-              <a:t>We started our project by researching the art of behavioral profiling</a:t>
-            </a:r>
-          </a:p>
-          <a:p>
-            <a:pPr lvl="1"/>
-            <a:r>
-              <a:rPr lang="en-US" dirty="0"/>
-              <a:t>We collaborated with Sweden’s 4 most renown behavioral psychologists</a:t>
-            </a:r>
-          </a:p>
-          <a:p>
-            <a:pPr lvl="1"/>
-            <a:endParaRPr lang="en-US" dirty="0"/>
-          </a:p>
-          <a:p>
-            <a:pPr lvl="1"/>
-            <a:endParaRPr lang="en-US" dirty="0"/>
-          </a:p>
-          <a:p>
-            <a:pPr lvl="1"/>
-            <a:endParaRPr lang="en-US" dirty="0"/>
-          </a:p>
-          <a:p>
-            <a:pPr lvl="1"/>
-            <a:r>
-              <a:rPr lang="en-US" dirty="0"/>
-              <a:t>The result is a Power BI report at </a:t>
-            </a:r>
-            <a:r>
-              <a:rPr lang="en-US" sz="1800" b="1" dirty="0">
-                <a:hlinkClick r:id="rId2"/>
-              </a:rPr>
-              <a:t>https://powerhour.azurewebsizes.net</a:t>
-            </a:r>
-            <a:r>
-              <a:rPr lang="en-US" dirty="0"/>
-              <a:t> or </a:t>
-            </a:r>
-            <a:r>
-              <a:rPr lang="en-US" sz="1800" b="1" dirty="0">
-                <a:hlinkClick r:id="rId3"/>
-              </a:rPr>
-              <a:t>https://aka.ms/abba</a:t>
-            </a:r>
-            <a:r>
-              <a:rPr lang="en-US" dirty="0"/>
-              <a:t> </a:t>
-            </a:r>
-          </a:p>
-        </p:txBody>
-      </p:sp>
-      <p:sp>
-        <p:nvSpPr>
-          <p:cNvPr id="16" name="Title 15">
-            <a:extLst>
-              <a:ext uri="{FF2B5EF4-FFF2-40B4-BE49-F238E27FC236}">
-                <a16:creationId xmlns:a16="http://schemas.microsoft.com/office/drawing/2014/main" id="{489182E6-E6B4-E793-597D-EFC7CC19F9C4}"/>
-              </a:ext>
-            </a:extLst>
-          </p:cNvPr>
-          <p:cNvSpPr>
-            <a:spLocks noGrp="1"/>
-          </p:cNvSpPr>
-          <p:nvPr>
-            <p:ph type="title"/>
-          </p:nvPr>
-        </p:nvSpPr>
-        <p:spPr/>
-        <p:txBody>
-          <a:bodyPr>
-            <a:normAutofit fontScale="90000"/>
-          </a:bodyPr>
-          <a:lstStyle/>
-          <a:p>
-            <a:r>
-              <a:rPr lang="en-US" dirty="0"/>
-              <a:t>Attendee Profile Analysis</a:t>
-            </a:r>
-          </a:p>
-        </p:txBody>
-      </p:sp>
-      <p:grpSp>
-        <p:nvGrpSpPr>
-          <p:cNvPr id="24" name="Group 23">
-            <a:extLst>
-              <a:ext uri="{FF2B5EF4-FFF2-40B4-BE49-F238E27FC236}">
-                <a16:creationId xmlns:a16="http://schemas.microsoft.com/office/drawing/2014/main" id="{B29D0DE4-21B2-AB84-3221-4F550CC6E3A3}"/>
-              </a:ext>
-            </a:extLst>
-          </p:cNvPr>
-          <p:cNvGrpSpPr/>
-          <p:nvPr/>
-        </p:nvGrpSpPr>
-        <p:grpSpPr>
-          <a:xfrm>
-            <a:off x="1405393" y="3480364"/>
-            <a:ext cx="5198836" cy="1141279"/>
-            <a:chOff x="1843989" y="1946880"/>
-            <a:chExt cx="6959189" cy="1744012"/>
-          </a:xfrm>
-        </p:grpSpPr>
-        <p:grpSp>
-          <p:nvGrpSpPr>
-            <p:cNvPr id="18" name="Group 17">
-              <a:extLst>
-                <a:ext uri="{FF2B5EF4-FFF2-40B4-BE49-F238E27FC236}">
-                  <a16:creationId xmlns:a16="http://schemas.microsoft.com/office/drawing/2014/main" id="{B3F32E30-8FBB-8BB2-BF3B-ABE2B7867D0F}"/>
-                </a:ext>
-              </a:extLst>
-            </p:cNvPr>
-            <p:cNvGrpSpPr/>
-            <p:nvPr/>
-          </p:nvGrpSpPr>
-          <p:grpSpPr>
-            <a:xfrm>
-              <a:off x="1843989" y="1946880"/>
-              <a:ext cx="1393197" cy="1736053"/>
-              <a:chOff x="1843989" y="1978343"/>
-              <a:chExt cx="1393197" cy="1736053"/>
-            </a:xfrm>
-          </p:grpSpPr>
-          <p:pic>
-            <p:nvPicPr>
-              <p:cNvPr id="1028" name="Picture 4">
-                <a:extLst>
-                  <a:ext uri="{FF2B5EF4-FFF2-40B4-BE49-F238E27FC236}">
-                    <a16:creationId xmlns:a16="http://schemas.microsoft.com/office/drawing/2014/main" id="{615CD4AC-AA77-5E01-66FC-555DCC23B3E8}"/>
-                  </a:ext>
-                </a:extLst>
-              </p:cNvPr>
-              <p:cNvPicPr>
-                <a:picLocks noChangeAspect="1" noChangeArrowheads="1"/>
-              </p:cNvPicPr>
-              <p:nvPr/>
-            </p:nvPicPr>
-            <p:blipFill>
-              <a:blip r:embed="rId4">
-                <a:extLst>
-                  <a:ext uri="{28A0092B-C50C-407E-A947-70E740481C1C}">
-                    <a14:useLocalDpi xmlns:a14="http://schemas.microsoft.com/office/drawing/2010/main" val="0"/>
-                  </a:ext>
-                </a:extLst>
-              </a:blip>
-              <a:srcRect/>
-              <a:stretch>
-                <a:fillRect/>
-              </a:stretch>
-            </p:blipFill>
-            <p:spPr bwMode="auto">
-              <a:xfrm>
-                <a:off x="1862558" y="1978343"/>
-                <a:ext cx="1361611" cy="1393868"/>
-              </a:xfrm>
-              <a:prstGeom prst="rect">
-                <a:avLst/>
-              </a:prstGeom>
-              <a:noFill/>
-              <a:ln w="28575">
-                <a:solidFill>
-                  <a:schemeClr val="tx1"/>
-                </a:solidFill>
-              </a:ln>
-              <a:extLst>
-                <a:ext uri="{909E8E84-426E-40DD-AFC4-6F175D3DCCD1}">
-                  <a14:hiddenFill xmlns:a14="http://schemas.microsoft.com/office/drawing/2010/main">
-                    <a:solidFill>
-                      <a:srgbClr val="FFFFFF"/>
-                    </a:solidFill>
-                  </a14:hiddenFill>
-                </a:ext>
-              </a:extLst>
-            </p:spPr>
-          </p:pic>
-          <p:sp>
-            <p:nvSpPr>
-              <p:cNvPr id="2" name="TextBox 1">
-                <a:extLst>
-                  <a:ext uri="{FF2B5EF4-FFF2-40B4-BE49-F238E27FC236}">
-                    <a16:creationId xmlns:a16="http://schemas.microsoft.com/office/drawing/2014/main" id="{4666E352-8007-23F3-5C09-165573AFE52E}"/>
-                  </a:ext>
-                </a:extLst>
-              </p:cNvPr>
-              <p:cNvSpPr txBox="1"/>
-              <p:nvPr/>
-            </p:nvSpPr>
-            <p:spPr>
-              <a:xfrm>
-                <a:off x="1843989" y="3291108"/>
-                <a:ext cx="1393197" cy="423288"/>
-              </a:xfrm>
-              <a:prstGeom prst="rect">
-                <a:avLst/>
-              </a:prstGeom>
-              <a:solidFill>
-                <a:schemeClr val="tx1"/>
-              </a:solidFill>
-              <a:ln w="28575">
-                <a:solidFill>
-                  <a:schemeClr val="tx1"/>
-                </a:solidFill>
-              </a:ln>
-            </p:spPr>
-            <p:txBody>
-              <a:bodyPr wrap="square" rtlCol="0" anchor="ctr">
-                <a:spAutoFit/>
-              </a:bodyPr>
-              <a:lstStyle/>
-              <a:p>
-                <a:pPr algn="ctr"/>
-                <a:r>
-                  <a:rPr lang="en-US" sz="1200" dirty="0">
-                    <a:solidFill>
-                      <a:schemeClr val="bg1"/>
-                    </a:solidFill>
-                  </a:rPr>
-                  <a:t>Dr Lyngstad</a:t>
-                </a:r>
-                <a:endParaRPr lang="en-US" dirty="0">
-                  <a:solidFill>
-                    <a:schemeClr val="bg1"/>
-                  </a:solidFill>
-                </a:endParaRPr>
-              </a:p>
-            </p:txBody>
-          </p:sp>
-        </p:grpSp>
-        <p:grpSp>
-          <p:nvGrpSpPr>
-            <p:cNvPr id="19" name="Group 18">
-              <a:extLst>
-                <a:ext uri="{FF2B5EF4-FFF2-40B4-BE49-F238E27FC236}">
-                  <a16:creationId xmlns:a16="http://schemas.microsoft.com/office/drawing/2014/main" id="{0AE22A69-BD12-8B56-C211-F9E8CEFB8F6A}"/>
-                </a:ext>
-              </a:extLst>
-            </p:cNvPr>
-            <p:cNvGrpSpPr/>
-            <p:nvPr/>
-          </p:nvGrpSpPr>
-          <p:grpSpPr>
-            <a:xfrm>
-              <a:off x="3702314" y="1946880"/>
-              <a:ext cx="1391532" cy="1744011"/>
-              <a:chOff x="3730510" y="1970385"/>
-              <a:chExt cx="1391532" cy="1744011"/>
-            </a:xfrm>
-          </p:grpSpPr>
-          <p:pic>
-            <p:nvPicPr>
-              <p:cNvPr id="1032" name="Picture 8">
-                <a:extLst>
-                  <a:ext uri="{FF2B5EF4-FFF2-40B4-BE49-F238E27FC236}">
-                    <a16:creationId xmlns:a16="http://schemas.microsoft.com/office/drawing/2014/main" id="{10262A9E-48B3-C0A1-FF6F-AC283E5B6120}"/>
-                  </a:ext>
-                </a:extLst>
-              </p:cNvPr>
-              <p:cNvPicPr>
-                <a:picLocks noChangeAspect="1" noChangeArrowheads="1"/>
-              </p:cNvPicPr>
-              <p:nvPr/>
-            </p:nvPicPr>
-            <p:blipFill>
-              <a:blip r:embed="rId5">
-                <a:extLst>
-                  <a:ext uri="{28A0092B-C50C-407E-A947-70E740481C1C}">
-                    <a14:useLocalDpi xmlns:a14="http://schemas.microsoft.com/office/drawing/2010/main" val="0"/>
-                  </a:ext>
-                </a:extLst>
-              </a:blip>
-              <a:srcRect/>
-              <a:stretch>
-                <a:fillRect/>
-              </a:stretch>
-            </p:blipFill>
-            <p:spPr bwMode="auto">
-              <a:xfrm>
-                <a:off x="3748812" y="1970385"/>
-                <a:ext cx="1361611" cy="1393868"/>
-              </a:xfrm>
-              <a:prstGeom prst="rect">
-                <a:avLst/>
-              </a:prstGeom>
-              <a:noFill/>
-              <a:ln w="28575">
-                <a:solidFill>
-                  <a:schemeClr val="tx1"/>
-                </a:solidFill>
-              </a:ln>
-              <a:extLst>
-                <a:ext uri="{909E8E84-426E-40DD-AFC4-6F175D3DCCD1}">
-                  <a14:hiddenFill xmlns:a14="http://schemas.microsoft.com/office/drawing/2010/main">
-                    <a:solidFill>
-                      <a:srgbClr val="FFFFFF"/>
-                    </a:solidFill>
-                  </a14:hiddenFill>
-                </a:ext>
-              </a:extLst>
-            </p:spPr>
-          </p:pic>
-          <p:sp>
-            <p:nvSpPr>
-              <p:cNvPr id="10" name="TextBox 9">
-                <a:extLst>
-                  <a:ext uri="{FF2B5EF4-FFF2-40B4-BE49-F238E27FC236}">
-                    <a16:creationId xmlns:a16="http://schemas.microsoft.com/office/drawing/2014/main" id="{585AEC9C-25EF-703D-E0E9-40AF7E1521B2}"/>
-                  </a:ext>
-                </a:extLst>
-              </p:cNvPr>
-              <p:cNvSpPr txBox="1"/>
-              <p:nvPr/>
-            </p:nvSpPr>
-            <p:spPr>
-              <a:xfrm>
-                <a:off x="3730510" y="3291108"/>
-                <a:ext cx="1391532" cy="423288"/>
-              </a:xfrm>
-              <a:prstGeom prst="rect">
-                <a:avLst/>
-              </a:prstGeom>
-              <a:solidFill>
-                <a:schemeClr val="tx1"/>
-              </a:solidFill>
-              <a:ln w="28575">
-                <a:solidFill>
-                  <a:schemeClr val="tx1"/>
-                </a:solidFill>
-              </a:ln>
-            </p:spPr>
-            <p:txBody>
-              <a:bodyPr wrap="square" rtlCol="0" anchor="ctr">
-                <a:spAutoFit/>
-              </a:bodyPr>
-              <a:lstStyle/>
-              <a:p>
-                <a:pPr algn="ctr"/>
-                <a:r>
-                  <a:rPr lang="en-US" sz="1200" dirty="0">
-                    <a:solidFill>
-                      <a:schemeClr val="bg1"/>
-                    </a:solidFill>
-                  </a:rPr>
-                  <a:t>Dr Andersson</a:t>
-                </a:r>
-                <a:endParaRPr lang="en-US" dirty="0">
-                  <a:solidFill>
-                    <a:schemeClr val="bg1"/>
-                  </a:solidFill>
-                </a:endParaRPr>
-              </a:p>
-            </p:txBody>
-          </p:sp>
-        </p:grpSp>
-        <p:grpSp>
-          <p:nvGrpSpPr>
-            <p:cNvPr id="20" name="Group 19">
-              <a:extLst>
-                <a:ext uri="{FF2B5EF4-FFF2-40B4-BE49-F238E27FC236}">
-                  <a16:creationId xmlns:a16="http://schemas.microsoft.com/office/drawing/2014/main" id="{D3DDD65A-86BF-3AEF-B1AC-C18B52C16326}"/>
-                </a:ext>
-              </a:extLst>
-            </p:cNvPr>
-            <p:cNvGrpSpPr/>
-            <p:nvPr/>
-          </p:nvGrpSpPr>
-          <p:grpSpPr>
-            <a:xfrm>
-              <a:off x="5558974" y="1946880"/>
-              <a:ext cx="1391346" cy="1744012"/>
-              <a:chOff x="5634138" y="1946880"/>
-              <a:chExt cx="1391346" cy="1744012"/>
-            </a:xfrm>
-          </p:grpSpPr>
-          <p:pic>
-            <p:nvPicPr>
-              <p:cNvPr id="1030" name="Picture 6">
-                <a:extLst>
-                  <a:ext uri="{FF2B5EF4-FFF2-40B4-BE49-F238E27FC236}">
-                    <a16:creationId xmlns:a16="http://schemas.microsoft.com/office/drawing/2014/main" id="{494A9694-ED99-7530-BAA1-DA9CCF07F60F}"/>
-                  </a:ext>
-                </a:extLst>
-              </p:cNvPr>
-              <p:cNvPicPr>
-                <a:picLocks noChangeAspect="1" noChangeArrowheads="1"/>
-              </p:cNvPicPr>
-              <p:nvPr/>
-            </p:nvPicPr>
-            <p:blipFill>
-              <a:blip r:embed="rId6">
-                <a:extLst>
-                  <a:ext uri="{28A0092B-C50C-407E-A947-70E740481C1C}">
-                    <a14:useLocalDpi xmlns:a14="http://schemas.microsoft.com/office/drawing/2010/main" val="0"/>
-                  </a:ext>
-                </a:extLst>
-              </a:blip>
-              <a:srcRect/>
-              <a:stretch>
-                <a:fillRect/>
-              </a:stretch>
-            </p:blipFill>
-            <p:spPr bwMode="auto">
-              <a:xfrm>
-                <a:off x="5654098" y="1946880"/>
-                <a:ext cx="1361611" cy="1393868"/>
-              </a:xfrm>
-              <a:prstGeom prst="rect">
-                <a:avLst/>
-              </a:prstGeom>
-              <a:noFill/>
-              <a:ln w="28575">
-                <a:solidFill>
-                  <a:schemeClr val="tx1"/>
-                </a:solidFill>
-              </a:ln>
-              <a:extLst>
-                <a:ext uri="{909E8E84-426E-40DD-AFC4-6F175D3DCCD1}">
-                  <a14:hiddenFill xmlns:a14="http://schemas.microsoft.com/office/drawing/2010/main">
-                    <a:solidFill>
-                      <a:srgbClr val="FFFFFF"/>
-                    </a:solidFill>
-                  </a14:hiddenFill>
-                </a:ext>
-              </a:extLst>
-            </p:spPr>
-          </p:pic>
-          <p:sp>
-            <p:nvSpPr>
-              <p:cNvPr id="11" name="TextBox 10">
-                <a:extLst>
-                  <a:ext uri="{FF2B5EF4-FFF2-40B4-BE49-F238E27FC236}">
-                    <a16:creationId xmlns:a16="http://schemas.microsoft.com/office/drawing/2014/main" id="{17315B1B-C8A7-2C77-F453-FBBED5DA9A06}"/>
-                  </a:ext>
-                </a:extLst>
-              </p:cNvPr>
-              <p:cNvSpPr txBox="1"/>
-              <p:nvPr/>
-            </p:nvSpPr>
-            <p:spPr>
-              <a:xfrm>
-                <a:off x="5634138" y="3267604"/>
-                <a:ext cx="1391346" cy="423288"/>
-              </a:xfrm>
-              <a:prstGeom prst="rect">
-                <a:avLst/>
-              </a:prstGeom>
-              <a:solidFill>
-                <a:schemeClr val="tx1"/>
-              </a:solidFill>
-              <a:ln w="28575">
-                <a:solidFill>
-                  <a:schemeClr val="tx1"/>
-                </a:solidFill>
-              </a:ln>
-            </p:spPr>
-            <p:txBody>
-              <a:bodyPr wrap="square" rtlCol="0" anchor="ctr">
-                <a:spAutoFit/>
-              </a:bodyPr>
-              <a:lstStyle/>
-              <a:p>
-                <a:pPr algn="ctr"/>
-                <a:r>
-                  <a:rPr lang="en-US" sz="1200" dirty="0">
-                    <a:solidFill>
-                      <a:schemeClr val="bg1"/>
-                    </a:solidFill>
-                  </a:rPr>
-                  <a:t>Dr Ulvaeus</a:t>
-                </a:r>
-                <a:endParaRPr lang="en-US" dirty="0">
-                  <a:solidFill>
-                    <a:schemeClr val="bg1"/>
-                  </a:solidFill>
-                </a:endParaRPr>
-              </a:p>
-            </p:txBody>
-          </p:sp>
-        </p:grpSp>
-        <p:grpSp>
-          <p:nvGrpSpPr>
-            <p:cNvPr id="21" name="Group 20">
-              <a:extLst>
-                <a:ext uri="{FF2B5EF4-FFF2-40B4-BE49-F238E27FC236}">
-                  <a16:creationId xmlns:a16="http://schemas.microsoft.com/office/drawing/2014/main" id="{A0E6CEAD-FDFC-A319-8F47-940D233A6487}"/>
-                </a:ext>
-              </a:extLst>
-            </p:cNvPr>
-            <p:cNvGrpSpPr/>
-            <p:nvPr/>
-          </p:nvGrpSpPr>
-          <p:grpSpPr>
-            <a:xfrm>
-              <a:off x="7415449" y="1946880"/>
-              <a:ext cx="1387729" cy="1722059"/>
-              <a:chOff x="7415449" y="1946880"/>
-              <a:chExt cx="1387729" cy="1722059"/>
-            </a:xfrm>
-          </p:grpSpPr>
-          <p:pic>
-            <p:nvPicPr>
-              <p:cNvPr id="1026" name="Picture 2">
-                <a:extLst>
-                  <a:ext uri="{FF2B5EF4-FFF2-40B4-BE49-F238E27FC236}">
-                    <a16:creationId xmlns:a16="http://schemas.microsoft.com/office/drawing/2014/main" id="{A1F33341-E937-36FC-8735-890ED6F2FF09}"/>
-                  </a:ext>
-                </a:extLst>
-              </p:cNvPr>
-              <p:cNvPicPr>
-                <a:picLocks noChangeAspect="1" noChangeArrowheads="1"/>
-              </p:cNvPicPr>
-              <p:nvPr/>
-            </p:nvPicPr>
-            <p:blipFill>
-              <a:blip r:embed="rId7">
-                <a:extLst>
-                  <a:ext uri="{28A0092B-C50C-407E-A947-70E740481C1C}">
-                    <a14:useLocalDpi xmlns:a14="http://schemas.microsoft.com/office/drawing/2010/main" val="0"/>
-                  </a:ext>
-                </a:extLst>
-              </a:blip>
-              <a:srcRect/>
-              <a:stretch>
-                <a:fillRect/>
-              </a:stretch>
-            </p:blipFill>
-            <p:spPr bwMode="auto">
-              <a:xfrm>
-                <a:off x="7431132" y="1946880"/>
-                <a:ext cx="1361611" cy="1393868"/>
-              </a:xfrm>
-              <a:prstGeom prst="rect">
-                <a:avLst/>
-              </a:prstGeom>
-              <a:noFill/>
-              <a:ln w="28575">
-                <a:solidFill>
-                  <a:schemeClr val="tx1"/>
-                </a:solidFill>
-              </a:ln>
-              <a:extLst>
-                <a:ext uri="{909E8E84-426E-40DD-AFC4-6F175D3DCCD1}">
-                  <a14:hiddenFill xmlns:a14="http://schemas.microsoft.com/office/drawing/2010/main">
-                    <a:solidFill>
-                      <a:srgbClr val="FFFFFF"/>
-                    </a:solidFill>
-                  </a14:hiddenFill>
-                </a:ext>
-              </a:extLst>
-            </p:spPr>
-          </p:pic>
-          <p:sp>
-            <p:nvSpPr>
-              <p:cNvPr id="12" name="TextBox 11">
-                <a:extLst>
-                  <a:ext uri="{FF2B5EF4-FFF2-40B4-BE49-F238E27FC236}">
-                    <a16:creationId xmlns:a16="http://schemas.microsoft.com/office/drawing/2014/main" id="{207B2BF2-176E-C3A3-8CD1-F9F762DFF5B9}"/>
-                  </a:ext>
-                </a:extLst>
-              </p:cNvPr>
-              <p:cNvSpPr txBox="1"/>
-              <p:nvPr/>
-            </p:nvSpPr>
-            <p:spPr>
-              <a:xfrm>
-                <a:off x="7415449" y="3245651"/>
-                <a:ext cx="1387729" cy="423288"/>
-              </a:xfrm>
-              <a:prstGeom prst="rect">
-                <a:avLst/>
-              </a:prstGeom>
-              <a:solidFill>
-                <a:schemeClr val="tx1"/>
-              </a:solidFill>
-              <a:ln w="28575">
-                <a:solidFill>
-                  <a:schemeClr val="tx1"/>
-                </a:solidFill>
-              </a:ln>
-            </p:spPr>
-            <p:txBody>
-              <a:bodyPr wrap="square" rtlCol="0" anchor="ctr">
-                <a:spAutoFit/>
-              </a:bodyPr>
-              <a:lstStyle/>
-              <a:p>
-                <a:pPr algn="ctr"/>
-                <a:r>
-                  <a:rPr lang="en-US" sz="1200" dirty="0">
-                    <a:solidFill>
-                      <a:schemeClr val="bg1"/>
-                    </a:solidFill>
-                  </a:rPr>
-                  <a:t>Dr Fältskog</a:t>
-                </a:r>
-                <a:endParaRPr lang="en-US" dirty="0">
-                  <a:solidFill>
-                    <a:schemeClr val="bg1"/>
-                  </a:solidFill>
-                </a:endParaRPr>
-              </a:p>
-            </p:txBody>
-          </p:sp>
-        </p:grpSp>
-      </p:grpSp>
-      <p:pic>
-        <p:nvPicPr>
-          <p:cNvPr id="28" name="Picture 27">
-            <a:extLst>
-              <a:ext uri="{FF2B5EF4-FFF2-40B4-BE49-F238E27FC236}">
-                <a16:creationId xmlns:a16="http://schemas.microsoft.com/office/drawing/2014/main" id="{187F565B-013B-53BF-3AF0-EC957A9A3442}"/>
-              </a:ext>
-            </a:extLst>
-          </p:cNvPr>
-          <p:cNvPicPr>
-            <a:picLocks noChangeAspect="1"/>
-          </p:cNvPicPr>
-          <p:nvPr/>
-        </p:nvPicPr>
-        <p:blipFill>
-          <a:blip r:embed="rId8"/>
-          <a:stretch>
-            <a:fillRect/>
-          </a:stretch>
-        </p:blipFill>
-        <p:spPr>
-          <a:xfrm>
-            <a:off x="1405393" y="5196338"/>
-            <a:ext cx="6377628" cy="1490237"/>
-          </a:xfrm>
-          <a:prstGeom prst="rect">
-            <a:avLst/>
-          </a:prstGeom>
-          <a:ln>
-            <a:solidFill>
-              <a:schemeClr val="tx1"/>
-            </a:solidFill>
-          </a:ln>
-        </p:spPr>
-      </p:pic>
-    </p:spTree>
-    <p:extLst>
-      <p:ext uri="{BB962C8B-B14F-4D97-AF65-F5344CB8AC3E}">
-        <p14:creationId xmlns:p14="http://schemas.microsoft.com/office/powerpoint/2010/main" val="4147769905"/>
-      </p:ext>
-    </p:extLst>
-  </p:cSld>
-  <p:clrMapOvr>
-    <a:masterClrMapping/>
-  </p:clrMapOvr>
-  <p:transition>
-    <p:fade/>
-  </p:transition>
-  <p:timing>
-    <p:tnLst>
-      <p:par>
-        <p:cTn id="1" dur="indefinite" restart="never" nodeType="tmRoot">
-          <p:childTnLst>
-            <p:seq concurrent="1" nextAc="seek">
-              <p:cTn id="2" dur="indefinite" nodeType="mainSeq">
-                <p:childTnLst>
-                  <p:par>
-                    <p:cTn id="3" fill="hold">
-                      <p:stCondLst>
-                        <p:cond delay="indefinite"/>
-                      </p:stCondLst>
-                      <p:childTnLst>
-                        <p:par>
-                          <p:cTn id="4" fill="hold">
-                            <p:stCondLst>
-                              <p:cond delay="0"/>
-                            </p:stCondLst>
-                            <p:childTnLst>
-                              <p:par>
-                                <p:cTn id="5" presetID="1" presetClass="entr" presetSubtype="0" fill="hold" nodeType="clickEffect">
-                                  <p:stCondLst>
-                                    <p:cond delay="0"/>
-                                  </p:stCondLst>
-                                  <p:childTnLst>
-                                    <p:set>
-                                      <p:cBhvr>
-                                        <p:cTn id="6" dur="1" fill="hold">
-                                          <p:stCondLst>
-                                            <p:cond delay="0"/>
-                                          </p:stCondLst>
-                                        </p:cTn>
-                                        <p:tgtEl>
-                                          <p:spTgt spid="26">
-                                            <p:txEl>
-                                              <p:pRg st="3" end="3"/>
-                                            </p:txEl>
-                                          </p:spTgt>
-                                        </p:tgtEl>
-                                        <p:attrNameLst>
-                                          <p:attrName>style.visibility</p:attrName>
-                                        </p:attrNameLst>
-                                      </p:cBhvr>
-                                      <p:to>
-                                        <p:strVal val="visible"/>
-                                      </p:to>
-                                    </p:set>
-                                  </p:childTnLst>
-                                </p:cTn>
-                              </p:par>
-                              <p:par>
-                                <p:cTn id="7" presetID="1" presetClass="entr" presetSubtype="0" fill="hold" nodeType="withEffect">
-                                  <p:stCondLst>
-                                    <p:cond delay="0"/>
-                                  </p:stCondLst>
-                                  <p:childTnLst>
-                                    <p:set>
-                                      <p:cBhvr>
-                                        <p:cTn id="8" dur="1" fill="hold">
-                                          <p:stCondLst>
-                                            <p:cond delay="0"/>
-                                          </p:stCondLst>
-                                        </p:cTn>
-                                        <p:tgtEl>
-                                          <p:spTgt spid="26">
-                                            <p:txEl>
-                                              <p:pRg st="4" end="4"/>
-                                            </p:txEl>
-                                          </p:spTgt>
-                                        </p:tgtEl>
-                                        <p:attrNameLst>
-                                          <p:attrName>style.visibility</p:attrName>
-                                        </p:attrNameLst>
-                                      </p:cBhvr>
-                                      <p:to>
-                                        <p:strVal val="visible"/>
-                                      </p:to>
-                                    </p:set>
-                                  </p:childTnLst>
-                                </p:cTn>
-                              </p:par>
-                              <p:par>
-                                <p:cTn id="9" presetID="1" presetClass="entr" presetSubtype="0" fill="hold" nodeType="withEffect">
-                                  <p:stCondLst>
-                                    <p:cond delay="0"/>
-                                  </p:stCondLst>
-                                  <p:childTnLst>
-                                    <p:set>
-                                      <p:cBhvr>
-                                        <p:cTn id="10" dur="1" fill="hold">
-                                          <p:stCondLst>
-                                            <p:cond delay="0"/>
-                                          </p:stCondLst>
-                                        </p:cTn>
-                                        <p:tgtEl>
-                                          <p:spTgt spid="24"/>
-                                        </p:tgtEl>
-                                        <p:attrNameLst>
-                                          <p:attrName>style.visibility</p:attrName>
-                                        </p:attrNameLst>
-                                      </p:cBhvr>
-                                      <p:to>
-                                        <p:strVal val="visible"/>
-                                      </p:to>
-                                    </p:set>
-                                  </p:childTnLst>
-                                </p:cTn>
-                              </p:par>
-                            </p:childTnLst>
-                          </p:cTn>
-                        </p:par>
-                      </p:childTnLst>
-                    </p:cTn>
-                  </p:par>
-                  <p:par>
-                    <p:cTn id="11" fill="hold">
-                      <p:stCondLst>
-                        <p:cond delay="indefinite"/>
-                      </p:stCondLst>
-                      <p:childTnLst>
-                        <p:par>
-                          <p:cTn id="12" fill="hold">
-                            <p:stCondLst>
-                              <p:cond delay="0"/>
-                            </p:stCondLst>
-                            <p:childTnLst>
-                              <p:par>
-                                <p:cTn id="13" presetID="1" presetClass="entr" presetSubtype="0" fill="hold" nodeType="clickEffect">
-                                  <p:stCondLst>
-                                    <p:cond delay="0"/>
-                                  </p:stCondLst>
-                                  <p:childTnLst>
-                                    <p:set>
-                                      <p:cBhvr>
-                                        <p:cTn id="14" dur="1" fill="hold">
-                                          <p:stCondLst>
-                                            <p:cond delay="0"/>
-                                          </p:stCondLst>
-                                        </p:cTn>
-                                        <p:tgtEl>
-                                          <p:spTgt spid="26">
-                                            <p:txEl>
-                                              <p:pRg st="8" end="8"/>
-                                            </p:txEl>
-                                          </p:spTgt>
-                                        </p:tgtEl>
-                                        <p:attrNameLst>
-                                          <p:attrName>style.visibility</p:attrName>
-                                        </p:attrNameLst>
-                                      </p:cBhvr>
-                                      <p:to>
-                                        <p:strVal val="visible"/>
-                                      </p:to>
-                                    </p:set>
-                                  </p:childTnLst>
-                                </p:cTn>
-                              </p:par>
-                              <p:par>
-                                <p:cTn id="15" presetID="1" presetClass="entr" presetSubtype="0" fill="hold" nodeType="withEffect">
-                                  <p:stCondLst>
-                                    <p:cond delay="0"/>
-                                  </p:stCondLst>
-                                  <p:childTnLst>
-                                    <p:set>
-                                      <p:cBhvr>
-                                        <p:cTn id="16" dur="1" fill="hold">
-                                          <p:stCondLst>
-                                            <p:cond delay="0"/>
-                                          </p:stCondLst>
-                                        </p:cTn>
-                                        <p:tgtEl>
-                                          <p:spTgt spid="28"/>
-                                        </p:tgtEl>
-                                        <p:attrNameLst>
-                                          <p:attrName>style.visibility</p:attrName>
-                                        </p:attrNameLst>
-                                      </p:cBhvr>
-                                      <p:to>
-                                        <p:strVal val="visible"/>
-                                      </p:to>
-                                    </p:set>
-                                  </p:childTnLst>
-                                </p:cTn>
-                              </p:par>
-                            </p:childTnLst>
-                          </p:cTn>
-                        </p:par>
-                      </p:childTnLst>
-                    </p:cTn>
-                  </p:par>
-                </p:childTnLst>
-              </p:cTn>
-              <p:prevCondLst>
-                <p:cond evt="onPrev" delay="0">
-                  <p:tgtEl>
-                    <p:sldTgt/>
-                  </p:tgtEl>
-                </p:cond>
-              </p:prevCondLst>
-              <p:nextCondLst>
-                <p:cond evt="onNext" delay="0">
-                  <p:tgtEl>
-                    <p:sldTgt/>
-                  </p:tgtEl>
-                </p:cond>
-              </p:nextCondLst>
-            </p:seq>
-          </p:childTnLst>
-        </p:cTn>
-      </p:par>
-    </p:tnLst>
-  </p:timing>
-</p:sld>
-</file>
-
-<file path=ppt/slides/slide2.xml><?xml version="1.0" encoding="utf-8"?>
-<p:sld xmlns:a="http://schemas.openxmlformats.org/drawingml/2006/main" xmlns:r="http://schemas.openxmlformats.org/officeDocument/2006/relationships" xmlns:p="http://schemas.openxmlformats.org/presentationml/2006/main">
-  <p:cSld>
-    <p:spTree>
-      <p:nvGrpSpPr>
-        <p:cNvPr id="1" name=""/>
-        <p:cNvGrpSpPr/>
-        <p:nvPr/>
-      </p:nvGrpSpPr>
-      <p:grpSpPr>
-        <a:xfrm>
-          <a:off x="0" y="0"/>
-          <a:ext cx="0" cy="0"/>
-          <a:chOff x="0" y="0"/>
-          <a:chExt cx="0" cy="0"/>
-        </a:xfrm>
-      </p:grpSpPr>
-      <p:sp>
-        <p:nvSpPr>
           <p:cNvPr id="2" name="Title 1">
             <a:extLst>
               <a:ext uri="{FF2B5EF4-FFF2-40B4-BE49-F238E27FC236}">
@@ -4882,7 +3947,7 @@
 </p:sld>
 </file>
 
-<file path=ppt/slides/slide3.xml><?xml version="1.0" encoding="utf-8"?>
+<file path=ppt/slides/slide2.xml><?xml version="1.0" encoding="utf-8"?>
 <p:sld xmlns:a="http://schemas.openxmlformats.org/drawingml/2006/main" xmlns:r="http://schemas.openxmlformats.org/officeDocument/2006/relationships" xmlns:p="http://schemas.openxmlformats.org/presentationml/2006/main">
   <p:cSld>
     <p:spTree>
@@ -5135,7 +4200,7 @@
 </p:sld>
 </file>
 
-<file path=ppt/slides/slide4.xml><?xml version="1.0" encoding="utf-8"?>
+<file path=ppt/slides/slide3.xml><?xml version="1.0" encoding="utf-8"?>
 <p:sld xmlns:a="http://schemas.openxmlformats.org/drawingml/2006/main" xmlns:r="http://schemas.openxmlformats.org/officeDocument/2006/relationships" xmlns:p="http://schemas.openxmlformats.org/presentationml/2006/main">
   <p:cSld>
     <p:spTree>
@@ -5583,7 +4648,7 @@
 </p:sld>
 </file>
 
-<file path=ppt/slides/slide5.xml><?xml version="1.0" encoding="utf-8"?>
+<file path=ppt/slides/slide4.xml><?xml version="1.0" encoding="utf-8"?>
 <p:sld xmlns:a="http://schemas.openxmlformats.org/drawingml/2006/main" xmlns:r="http://schemas.openxmlformats.org/officeDocument/2006/relationships" xmlns:p="http://schemas.openxmlformats.org/presentationml/2006/main">
   <p:cSld>
     <p:spTree>
@@ -6214,606 +5279,7 @@
 </p:sld>
 </file>
 
-<file path=ppt/slides/slide6.xml><?xml version="1.0" encoding="utf-8"?>
-<p:sld xmlns:a="http://schemas.openxmlformats.org/drawingml/2006/main" xmlns:r="http://schemas.openxmlformats.org/officeDocument/2006/relationships" xmlns:p="http://schemas.openxmlformats.org/presentationml/2006/main">
-  <p:cSld>
-    <p:spTree>
-      <p:nvGrpSpPr>
-        <p:cNvPr id="1" name=""/>
-        <p:cNvGrpSpPr/>
-        <p:nvPr/>
-      </p:nvGrpSpPr>
-      <p:grpSpPr>
-        <a:xfrm>
-          <a:off x="0" y="0"/>
-          <a:ext cx="0" cy="0"/>
-          <a:chOff x="0" y="0"/>
-          <a:chExt cx="0" cy="0"/>
-        </a:xfrm>
-      </p:grpSpPr>
-      <p:sp>
-        <p:nvSpPr>
-          <p:cNvPr id="2" name="Title 1">
-            <a:extLst>
-              <a:ext uri="{FF2B5EF4-FFF2-40B4-BE49-F238E27FC236}">
-                <a16:creationId xmlns:a16="http://schemas.microsoft.com/office/drawing/2014/main" id="{9706727C-FB38-3C65-8A6A-904B482335A8}"/>
-              </a:ext>
-            </a:extLst>
-          </p:cNvPr>
-          <p:cNvSpPr>
-            <a:spLocks noGrp="1"/>
-          </p:cNvSpPr>
-          <p:nvPr>
-            <p:ph type="title"/>
-          </p:nvPr>
-        </p:nvSpPr>
-        <p:spPr/>
-        <p:txBody>
-          <a:bodyPr>
-            <a:normAutofit fontScale="90000"/>
-          </a:bodyPr>
-          <a:lstStyle/>
-          <a:p>
-            <a:r>
-              <a:rPr lang="en-US" dirty="0"/>
-              <a:t>RED-FLAG Attendees</a:t>
-            </a:r>
-          </a:p>
-        </p:txBody>
-      </p:sp>
-      <p:pic>
-        <p:nvPicPr>
-          <p:cNvPr id="5" name="Picture 4">
-            <a:extLst>
-              <a:ext uri="{FF2B5EF4-FFF2-40B4-BE49-F238E27FC236}">
-                <a16:creationId xmlns:a16="http://schemas.microsoft.com/office/drawing/2014/main" id="{D6581864-5A1B-2463-BF3C-E06F117B548A}"/>
-              </a:ext>
-            </a:extLst>
-          </p:cNvPr>
-          <p:cNvPicPr>
-            <a:picLocks noChangeAspect="1"/>
-          </p:cNvPicPr>
-          <p:nvPr/>
-        </p:nvPicPr>
-        <p:blipFill>
-          <a:blip r:embed="rId2"/>
-          <a:stretch>
-            <a:fillRect/>
-          </a:stretch>
-        </p:blipFill>
-        <p:spPr>
-          <a:xfrm>
-            <a:off x="447628" y="1143000"/>
-            <a:ext cx="11430000" cy="5715000"/>
-          </a:xfrm>
-          <a:prstGeom prst="rect">
-            <a:avLst/>
-          </a:prstGeom>
-          <a:ln>
-            <a:solidFill>
-              <a:schemeClr val="tx1"/>
-            </a:solidFill>
-          </a:ln>
-        </p:spPr>
-      </p:pic>
-      <p:sp>
-        <p:nvSpPr>
-          <p:cNvPr id="6" name="Rectangle: Rounded Corners 5">
-            <a:extLst>
-              <a:ext uri="{FF2B5EF4-FFF2-40B4-BE49-F238E27FC236}">
-                <a16:creationId xmlns:a16="http://schemas.microsoft.com/office/drawing/2014/main" id="{B791D1B2-8F9A-30F7-4A8C-8F5FCB6F7A75}"/>
-              </a:ext>
-            </a:extLst>
-          </p:cNvPr>
-          <p:cNvSpPr/>
-          <p:nvPr/>
-        </p:nvSpPr>
-        <p:spPr>
-          <a:xfrm>
-            <a:off x="556124" y="2564293"/>
-            <a:ext cx="3033381" cy="3622498"/>
-          </a:xfrm>
-          <a:prstGeom prst="roundRect">
-            <a:avLst>
-              <a:gd name="adj" fmla="val 6407"/>
-            </a:avLst>
-          </a:prstGeom>
-          <a:noFill/>
-          <a:ln w="38100">
-            <a:solidFill>
-              <a:srgbClr val="C00000"/>
-            </a:solidFill>
-            <a:prstDash val="sysDot"/>
-          </a:ln>
-        </p:spPr>
-        <p:style>
-          <a:lnRef idx="2">
-            <a:schemeClr val="accent1">
-              <a:shade val="50000"/>
-            </a:schemeClr>
-          </a:lnRef>
-          <a:fillRef idx="1">
-            <a:schemeClr val="accent1"/>
-          </a:fillRef>
-          <a:effectRef idx="0">
-            <a:schemeClr val="accent1"/>
-          </a:effectRef>
-          <a:fontRef idx="minor">
-            <a:schemeClr val="lt1"/>
-          </a:fontRef>
-        </p:style>
-        <p:txBody>
-          <a:bodyPr rtlCol="0" anchor="ctr"/>
-          <a:lstStyle/>
-          <a:p>
-            <a:pPr algn="ctr"/>
-            <a:endParaRPr lang="en-US"/>
-          </a:p>
-        </p:txBody>
-      </p:sp>
-    </p:spTree>
-    <p:extLst>
-      <p:ext uri="{BB962C8B-B14F-4D97-AF65-F5344CB8AC3E}">
-        <p14:creationId xmlns:p14="http://schemas.microsoft.com/office/powerpoint/2010/main" val="361583250"/>
-      </p:ext>
-    </p:extLst>
-  </p:cSld>
-  <p:clrMapOvr>
-    <a:masterClrMapping/>
-  </p:clrMapOvr>
-  <p:transition>
-    <p:fade/>
-  </p:transition>
-  <p:timing>
-    <p:tnLst>
-      <p:par>
-        <p:cTn id="1" dur="indefinite" restart="never" nodeType="tmRoot">
-          <p:childTnLst>
-            <p:seq concurrent="1" nextAc="seek">
-              <p:cTn id="2" dur="indefinite" nodeType="mainSeq">
-                <p:childTnLst>
-                  <p:par>
-                    <p:cTn id="3" fill="hold">
-                      <p:stCondLst>
-                        <p:cond delay="indefinite"/>
-                      </p:stCondLst>
-                      <p:childTnLst>
-                        <p:par>
-                          <p:cTn id="4" fill="hold">
-                            <p:stCondLst>
-                              <p:cond delay="0"/>
-                            </p:stCondLst>
-                            <p:childTnLst>
-                              <p:par>
-                                <p:cTn id="5" presetID="1" presetClass="entr" presetSubtype="0" fill="hold" grpId="0" nodeType="clickEffect">
-                                  <p:stCondLst>
-                                    <p:cond delay="0"/>
-                                  </p:stCondLst>
-                                  <p:childTnLst>
-                                    <p:set>
-                                      <p:cBhvr>
-                                        <p:cTn id="6" dur="1" fill="hold">
-                                          <p:stCondLst>
-                                            <p:cond delay="0"/>
-                                          </p:stCondLst>
-                                        </p:cTn>
-                                        <p:tgtEl>
-                                          <p:spTgt spid="6"/>
-                                        </p:tgtEl>
-                                        <p:attrNameLst>
-                                          <p:attrName>style.visibility</p:attrName>
-                                        </p:attrNameLst>
-                                      </p:cBhvr>
-                                      <p:to>
-                                        <p:strVal val="visible"/>
-                                      </p:to>
-                                    </p:set>
-                                  </p:childTnLst>
-                                </p:cTn>
-                              </p:par>
-                            </p:childTnLst>
-                          </p:cTn>
-                        </p:par>
-                      </p:childTnLst>
-                    </p:cTn>
-                  </p:par>
-                </p:childTnLst>
-              </p:cTn>
-              <p:prevCondLst>
-                <p:cond evt="onPrev" delay="0">
-                  <p:tgtEl>
-                    <p:sldTgt/>
-                  </p:tgtEl>
-                </p:cond>
-              </p:prevCondLst>
-              <p:nextCondLst>
-                <p:cond evt="onNext" delay="0">
-                  <p:tgtEl>
-                    <p:sldTgt/>
-                  </p:tgtEl>
-                </p:cond>
-              </p:nextCondLst>
-            </p:seq>
-          </p:childTnLst>
-        </p:cTn>
-      </p:par>
-    </p:tnLst>
-    <p:bldLst>
-      <p:bldP spid="6" grpId="0" animBg="1"/>
-    </p:bldLst>
-  </p:timing>
-</p:sld>
-</file>
-
-<file path=ppt/slides/slide7.xml><?xml version="1.0" encoding="utf-8"?>
-<p:sld xmlns:a="http://schemas.openxmlformats.org/drawingml/2006/main" xmlns:r="http://schemas.openxmlformats.org/officeDocument/2006/relationships" xmlns:p="http://schemas.openxmlformats.org/presentationml/2006/main">
-  <p:cSld>
-    <p:spTree>
-      <p:nvGrpSpPr>
-        <p:cNvPr id="1" name=""/>
-        <p:cNvGrpSpPr/>
-        <p:nvPr/>
-      </p:nvGrpSpPr>
-      <p:grpSpPr>
-        <a:xfrm>
-          <a:off x="0" y="0"/>
-          <a:ext cx="0" cy="0"/>
-          <a:chOff x="0" y="0"/>
-          <a:chExt cx="0" cy="0"/>
-        </a:xfrm>
-      </p:grpSpPr>
-      <p:sp>
-        <p:nvSpPr>
-          <p:cNvPr id="2" name="Title 1">
-            <a:extLst>
-              <a:ext uri="{FF2B5EF4-FFF2-40B4-BE49-F238E27FC236}">
-                <a16:creationId xmlns:a16="http://schemas.microsoft.com/office/drawing/2014/main" id="{34BFDF05-A5E1-B054-B004-E87E011E8AD3}"/>
-              </a:ext>
-            </a:extLst>
-          </p:cNvPr>
-          <p:cNvSpPr>
-            <a:spLocks noGrp="1"/>
-          </p:cNvSpPr>
-          <p:nvPr>
-            <p:ph type="title"/>
-          </p:nvPr>
-        </p:nvSpPr>
-        <p:spPr/>
-        <p:txBody>
-          <a:bodyPr>
-            <a:normAutofit fontScale="90000"/>
-          </a:bodyPr>
-          <a:lstStyle/>
-          <a:p>
-            <a:r>
-              <a:rPr lang="en-US" dirty="0"/>
-              <a:t>SLEEPER Attendees – Watch Out!</a:t>
-            </a:r>
-          </a:p>
-        </p:txBody>
-      </p:sp>
-      <p:pic>
-        <p:nvPicPr>
-          <p:cNvPr id="5" name="Picture 4">
-            <a:extLst>
-              <a:ext uri="{FF2B5EF4-FFF2-40B4-BE49-F238E27FC236}">
-                <a16:creationId xmlns:a16="http://schemas.microsoft.com/office/drawing/2014/main" id="{63FB1CF6-C161-3E0C-0146-474011A5620A}"/>
-              </a:ext>
-            </a:extLst>
-          </p:cNvPr>
-          <p:cNvPicPr>
-            <a:picLocks noChangeAspect="1"/>
-          </p:cNvPicPr>
-          <p:nvPr/>
-        </p:nvPicPr>
-        <p:blipFill>
-          <a:blip r:embed="rId2"/>
-          <a:stretch>
-            <a:fillRect/>
-          </a:stretch>
-        </p:blipFill>
-        <p:spPr>
-          <a:xfrm>
-            <a:off x="620192" y="1127384"/>
-            <a:ext cx="10614157" cy="5399875"/>
-          </a:xfrm>
-          <a:prstGeom prst="rect">
-            <a:avLst/>
-          </a:prstGeom>
-          <a:ln>
-            <a:solidFill>
-              <a:schemeClr val="tx1"/>
-            </a:solidFill>
-          </a:ln>
-        </p:spPr>
-      </p:pic>
-      <p:sp>
-        <p:nvSpPr>
-          <p:cNvPr id="6" name="Rectangle: Rounded Corners 5">
-            <a:extLst>
-              <a:ext uri="{FF2B5EF4-FFF2-40B4-BE49-F238E27FC236}">
-                <a16:creationId xmlns:a16="http://schemas.microsoft.com/office/drawing/2014/main" id="{A9438B19-E970-2A0D-F920-CD01EAAE2D18}"/>
-              </a:ext>
-            </a:extLst>
-          </p:cNvPr>
-          <p:cNvSpPr/>
-          <p:nvPr/>
-        </p:nvSpPr>
-        <p:spPr>
-          <a:xfrm>
-            <a:off x="778213" y="2733471"/>
-            <a:ext cx="2305455" cy="1653703"/>
-          </a:xfrm>
-          <a:prstGeom prst="roundRect">
-            <a:avLst>
-              <a:gd name="adj" fmla="val 6407"/>
-            </a:avLst>
-          </a:prstGeom>
-          <a:noFill/>
-          <a:ln w="38100">
-            <a:solidFill>
-              <a:srgbClr val="C00000"/>
-            </a:solidFill>
-            <a:prstDash val="sysDot"/>
-          </a:ln>
-        </p:spPr>
-        <p:style>
-          <a:lnRef idx="2">
-            <a:schemeClr val="accent1">
-              <a:shade val="50000"/>
-            </a:schemeClr>
-          </a:lnRef>
-          <a:fillRef idx="1">
-            <a:schemeClr val="accent1"/>
-          </a:fillRef>
-          <a:effectRef idx="0">
-            <a:schemeClr val="accent1"/>
-          </a:effectRef>
-          <a:fontRef idx="minor">
-            <a:schemeClr val="lt1"/>
-          </a:fontRef>
-        </p:style>
-        <p:txBody>
-          <a:bodyPr rtlCol="0" anchor="ctr"/>
-          <a:lstStyle/>
-          <a:p>
-            <a:pPr algn="ctr"/>
-            <a:endParaRPr lang="en-US"/>
-          </a:p>
-        </p:txBody>
-      </p:sp>
-    </p:spTree>
-    <p:extLst>
-      <p:ext uri="{BB962C8B-B14F-4D97-AF65-F5344CB8AC3E}">
-        <p14:creationId xmlns:p14="http://schemas.microsoft.com/office/powerpoint/2010/main" val="938860696"/>
-      </p:ext>
-    </p:extLst>
-  </p:cSld>
-  <p:clrMapOvr>
-    <a:masterClrMapping/>
-  </p:clrMapOvr>
-  <p:transition>
-    <p:fade/>
-  </p:transition>
-  <p:timing>
-    <p:tnLst>
-      <p:par>
-        <p:cTn id="1" dur="indefinite" restart="never" nodeType="tmRoot">
-          <p:childTnLst>
-            <p:seq concurrent="1" nextAc="seek">
-              <p:cTn id="2" dur="indefinite" nodeType="mainSeq">
-                <p:childTnLst>
-                  <p:par>
-                    <p:cTn id="3" fill="hold">
-                      <p:stCondLst>
-                        <p:cond delay="indefinite"/>
-                      </p:stCondLst>
-                      <p:childTnLst>
-                        <p:par>
-                          <p:cTn id="4" fill="hold">
-                            <p:stCondLst>
-                              <p:cond delay="0"/>
-                            </p:stCondLst>
-                            <p:childTnLst>
-                              <p:par>
-                                <p:cTn id="5" presetID="1" presetClass="entr" presetSubtype="0" fill="hold" grpId="0" nodeType="clickEffect">
-                                  <p:stCondLst>
-                                    <p:cond delay="0"/>
-                                  </p:stCondLst>
-                                  <p:childTnLst>
-                                    <p:set>
-                                      <p:cBhvr>
-                                        <p:cTn id="6" dur="1" fill="hold">
-                                          <p:stCondLst>
-                                            <p:cond delay="0"/>
-                                          </p:stCondLst>
-                                        </p:cTn>
-                                        <p:tgtEl>
-                                          <p:spTgt spid="6"/>
-                                        </p:tgtEl>
-                                        <p:attrNameLst>
-                                          <p:attrName>style.visibility</p:attrName>
-                                        </p:attrNameLst>
-                                      </p:cBhvr>
-                                      <p:to>
-                                        <p:strVal val="visible"/>
-                                      </p:to>
-                                    </p:set>
-                                  </p:childTnLst>
-                                </p:cTn>
-                              </p:par>
-                            </p:childTnLst>
-                          </p:cTn>
-                        </p:par>
-                      </p:childTnLst>
-                    </p:cTn>
-                  </p:par>
-                </p:childTnLst>
-              </p:cTn>
-              <p:prevCondLst>
-                <p:cond evt="onPrev" delay="0">
-                  <p:tgtEl>
-                    <p:sldTgt/>
-                  </p:tgtEl>
-                </p:cond>
-              </p:prevCondLst>
-              <p:nextCondLst>
-                <p:cond evt="onNext" delay="0">
-                  <p:tgtEl>
-                    <p:sldTgt/>
-                  </p:tgtEl>
-                </p:cond>
-              </p:nextCondLst>
-            </p:seq>
-          </p:childTnLst>
-        </p:cTn>
-      </p:par>
-    </p:tnLst>
-    <p:bldLst>
-      <p:bldP spid="6" grpId="0" animBg="1"/>
-    </p:bldLst>
-  </p:timing>
-</p:sld>
-</file>
-
-<file path=ppt/slides/slide8.xml><?xml version="1.0" encoding="utf-8"?>
-<p:sld xmlns:a="http://schemas.openxmlformats.org/drawingml/2006/main" xmlns:r="http://schemas.openxmlformats.org/officeDocument/2006/relationships" xmlns:p="http://schemas.openxmlformats.org/presentationml/2006/main">
-  <p:cSld>
-    <p:spTree>
-      <p:nvGrpSpPr>
-        <p:cNvPr id="1" name=""/>
-        <p:cNvGrpSpPr/>
-        <p:nvPr/>
-      </p:nvGrpSpPr>
-      <p:grpSpPr>
-        <a:xfrm>
-          <a:off x="0" y="0"/>
-          <a:ext cx="0" cy="0"/>
-          <a:chOff x="0" y="0"/>
-          <a:chExt cx="0" cy="0"/>
-        </a:xfrm>
-      </p:grpSpPr>
-      <p:sp>
-        <p:nvSpPr>
-          <p:cNvPr id="2" name="Title 1">
-            <a:extLst>
-              <a:ext uri="{FF2B5EF4-FFF2-40B4-BE49-F238E27FC236}">
-                <a16:creationId xmlns:a16="http://schemas.microsoft.com/office/drawing/2014/main" id="{3716B1CA-90F7-4222-84DF-303A76692C1A}"/>
-              </a:ext>
-            </a:extLst>
-          </p:cNvPr>
-          <p:cNvSpPr>
-            <a:spLocks noGrp="1"/>
-          </p:cNvSpPr>
-          <p:nvPr>
-            <p:ph type="title"/>
-          </p:nvPr>
-        </p:nvSpPr>
-        <p:spPr/>
-        <p:txBody>
-          <a:bodyPr>
-            <a:normAutofit fontScale="90000"/>
-          </a:bodyPr>
-          <a:lstStyle/>
-          <a:p>
-            <a:r>
-              <a:rPr lang="en-US" dirty="0"/>
-              <a:t>Classroom Simulator</a:t>
-            </a:r>
-          </a:p>
-        </p:txBody>
-      </p:sp>
-      <p:sp>
-        <p:nvSpPr>
-          <p:cNvPr id="8" name="Text Placeholder 7">
-            <a:extLst>
-              <a:ext uri="{FF2B5EF4-FFF2-40B4-BE49-F238E27FC236}">
-                <a16:creationId xmlns:a16="http://schemas.microsoft.com/office/drawing/2014/main" id="{98A73424-66C5-D354-C071-81297EC4AD3E}"/>
-              </a:ext>
-            </a:extLst>
-          </p:cNvPr>
-          <p:cNvSpPr>
-            <a:spLocks noGrp="1"/>
-          </p:cNvSpPr>
-          <p:nvPr>
-            <p:ph type="body" sz="quarter" idx="10"/>
-          </p:nvPr>
-        </p:nvSpPr>
-        <p:spPr>
-          <a:xfrm>
-            <a:off x="481949" y="1203481"/>
-            <a:ext cx="11395678" cy="902491"/>
-          </a:xfrm>
-        </p:spPr>
-        <p:txBody>
-          <a:bodyPr/>
-          <a:lstStyle/>
-          <a:p>
-            <a:r>
-              <a:rPr lang="en-US" dirty="0"/>
-              <a:t>Like a flight simulator for pilots in training</a:t>
-            </a:r>
-          </a:p>
-          <a:p>
-            <a:pPr lvl="1"/>
-            <a:r>
-              <a:rPr lang="en-US" dirty="0"/>
-              <a:t>Uses DAX to randomly choose class size and types of attendee</a:t>
-            </a:r>
-          </a:p>
-        </p:txBody>
-      </p:sp>
-      <p:pic>
-        <p:nvPicPr>
-          <p:cNvPr id="6" name="Picture 5">
-            <a:extLst>
-              <a:ext uri="{FF2B5EF4-FFF2-40B4-BE49-F238E27FC236}">
-                <a16:creationId xmlns:a16="http://schemas.microsoft.com/office/drawing/2014/main" id="{B5B33546-7735-2446-A501-9F9A40541CCF}"/>
-              </a:ext>
-            </a:extLst>
-          </p:cNvPr>
-          <p:cNvPicPr>
-            <a:picLocks noChangeAspect="1"/>
-          </p:cNvPicPr>
-          <p:nvPr/>
-        </p:nvPicPr>
-        <p:blipFill rotWithShape="1">
-          <a:blip r:embed="rId2"/>
-          <a:srcRect b="16218"/>
-          <a:stretch/>
-        </p:blipFill>
-        <p:spPr>
-          <a:xfrm>
-            <a:off x="1395334" y="2210942"/>
-            <a:ext cx="9395104" cy="4359847"/>
-          </a:xfrm>
-          <a:prstGeom prst="rect">
-            <a:avLst/>
-          </a:prstGeom>
-          <a:ln>
-            <a:solidFill>
-              <a:schemeClr val="tx1"/>
-            </a:solidFill>
-          </a:ln>
-        </p:spPr>
-      </p:pic>
-    </p:spTree>
-    <p:extLst>
-      <p:ext uri="{BB962C8B-B14F-4D97-AF65-F5344CB8AC3E}">
-        <p14:creationId xmlns:p14="http://schemas.microsoft.com/office/powerpoint/2010/main" val="4207701488"/>
-      </p:ext>
-    </p:extLst>
-  </p:cSld>
-  <p:clrMapOvr>
-    <a:masterClrMapping/>
-  </p:clrMapOvr>
-  <p:transition>
-    <p:fade/>
-  </p:transition>
-</p:sld>
-</file>
-
-<file path=ppt/slides/slide9.xml><?xml version="1.0" encoding="utf-8"?>
+<file path=ppt/slides/slide5.xml><?xml version="1.0" encoding="utf-8"?>
 <p:sld xmlns:a="http://schemas.openxmlformats.org/drawingml/2006/main" xmlns:r="http://schemas.openxmlformats.org/officeDocument/2006/relationships" xmlns:p="http://schemas.openxmlformats.org/presentationml/2006/main">
   <p:cSld>
     <p:spTree>
